--- a/dns/dns1-presentation.pptx
+++ b/dns/dns1-presentation.pptx
@@ -1,44 +1,44 @@
 
 <file path=ppt/presentation.xml><?xml version="1.0" encoding="utf-8"?>
-<p:presentation xmlns:a="http://schemas.openxmlformats.org/drawingml/2006/main" xmlns:r="http://schemas.openxmlformats.org/officeDocument/2006/relationships" xmlns:p="http://schemas.openxmlformats.org/presentationml/2006/main">
+<p:presentation xmlns:a="http://schemas.openxmlformats.org/drawingml/2006/main" xmlns:r="http://schemas.openxmlformats.org/officeDocument/2006/relationships" xmlns:p="http://schemas.openxmlformats.org/presentationml/2006/main" saveSubsetFonts="1">
   <p:sldMasterIdLst>
-    <p:sldMasterId id="2147483648" r:id="rId5"/>
+    <p:sldMasterId id="2147483648" r:id="rId1"/>
   </p:sldMasterIdLst>
   <p:notesMasterIdLst>
-    <p:notesMasterId r:id="rId7"/>
+    <p:notesMasterId r:id="rId31"/>
   </p:notesMasterIdLst>
   <p:sldIdLst>
-    <p:sldId id="256" r:id="rId8"/>
-    <p:sldId id="257" r:id="rId9"/>
-    <p:sldId id="258" r:id="rId10"/>
-    <p:sldId id="259" r:id="rId11"/>
-    <p:sldId id="260" r:id="rId12"/>
-    <p:sldId id="261" r:id="rId13"/>
-    <p:sldId id="262" r:id="rId14"/>
-    <p:sldId id="263" r:id="rId15"/>
-    <p:sldId id="264" r:id="rId16"/>
-    <p:sldId id="265" r:id="rId17"/>
-    <p:sldId id="266" r:id="rId18"/>
-    <p:sldId id="267" r:id="rId19"/>
-    <p:sldId id="268" r:id="rId20"/>
-    <p:sldId id="269" r:id="rId21"/>
-    <p:sldId id="270" r:id="rId22"/>
-    <p:sldId id="271" r:id="rId23"/>
-    <p:sldId id="272" r:id="rId24"/>
-    <p:sldId id="273" r:id="rId25"/>
-    <p:sldId id="274" r:id="rId26"/>
-    <p:sldId id="275" r:id="rId27"/>
-    <p:sldId id="276" r:id="rId28"/>
-    <p:sldId id="277" r:id="rId29"/>
-    <p:sldId id="278" r:id="rId30"/>
-    <p:sldId id="279" r:id="rId31"/>
-    <p:sldId id="280" r:id="rId32"/>
-    <p:sldId id="281" r:id="rId33"/>
-    <p:sldId id="282" r:id="rId34"/>
-    <p:sldId id="283" r:id="rId35"/>
-    <p:sldId id="284" r:id="rId36"/>
+    <p:sldId id="256" r:id="rId2"/>
+    <p:sldId id="257" r:id="rId3"/>
+    <p:sldId id="258" r:id="rId4"/>
+    <p:sldId id="259" r:id="rId5"/>
+    <p:sldId id="260" r:id="rId6"/>
+    <p:sldId id="261" r:id="rId7"/>
+    <p:sldId id="262" r:id="rId8"/>
+    <p:sldId id="263" r:id="rId9"/>
+    <p:sldId id="264" r:id="rId10"/>
+    <p:sldId id="265" r:id="rId11"/>
+    <p:sldId id="266" r:id="rId12"/>
+    <p:sldId id="267" r:id="rId13"/>
+    <p:sldId id="268" r:id="rId14"/>
+    <p:sldId id="269" r:id="rId15"/>
+    <p:sldId id="270" r:id="rId16"/>
+    <p:sldId id="271" r:id="rId17"/>
+    <p:sldId id="272" r:id="rId18"/>
+    <p:sldId id="273" r:id="rId19"/>
+    <p:sldId id="274" r:id="rId20"/>
+    <p:sldId id="275" r:id="rId21"/>
+    <p:sldId id="276" r:id="rId22"/>
+    <p:sldId id="277" r:id="rId23"/>
+    <p:sldId id="278" r:id="rId24"/>
+    <p:sldId id="279" r:id="rId25"/>
+    <p:sldId id="280" r:id="rId26"/>
+    <p:sldId id="281" r:id="rId27"/>
+    <p:sldId id="282" r:id="rId28"/>
+    <p:sldId id="283" r:id="rId29"/>
+    <p:sldId id="284" r:id="rId30"/>
   </p:sldIdLst>
-  <p:sldSz cx="9144000" cy="6858000"/>
+  <p:sldSz cx="9144000" cy="6858000" type="screen4x3"/>
   <p:notesSz cx="6858000" cy="9144000"/>
   <p:defaultTextStyle>
     <a:lvl1pPr defTabSz="457200">
@@ -144,13 +144,14 @@
 </p:presentation>
 </file>
 
-<file path=ppt/commentAuthors.xml><?xml version="1.0" encoding="utf-8"?>
-<p:cmAuthorLst xmlns:a="http://schemas.openxmlformats.org/drawingml/2006/main" xmlns:r="http://schemas.openxmlformats.org/officeDocument/2006/relationships" xmlns:p="http://schemas.openxmlformats.org/presentationml/2006/main"/>
-</file>
-
 <file path=ppt/notesMasters/notesMaster1.xml><?xml version="1.0" encoding="utf-8"?>
 <p:notesMaster xmlns:a="http://schemas.openxmlformats.org/drawingml/2006/main" xmlns:r="http://schemas.openxmlformats.org/officeDocument/2006/relationships" xmlns:p="http://schemas.openxmlformats.org/presentationml/2006/main">
   <p:cSld>
+    <p:bg>
+      <p:bgRef idx="1001">
+        <a:schemeClr val="bg1"/>
+      </p:bgRef>
+    </p:bg>
     <p:spTree>
       <p:nvGrpSpPr>
         <p:cNvPr id="1" name=""/>
@@ -168,7 +169,9 @@
       <p:sp>
         <p:nvSpPr>
           <p:cNvPr id="5" name="Shape 5"/>
-          <p:cNvSpPr/>
+          <p:cNvSpPr>
+            <a:spLocks noGrp="1" noRot="1" noChangeAspect="1"/>
+          </p:cNvSpPr>
           <p:nvPr>
             <p:ph type="sldImg"/>
           </p:nvPr>
@@ -187,13 +190,16 @@
           <a:lstStyle/>
           <a:p>
             <a:pPr lvl="0"/>
+            <a:endParaRPr/>
           </a:p>
         </p:txBody>
       </p:sp>
       <p:sp>
         <p:nvSpPr>
           <p:cNvPr id="6" name="Shape 6"/>
-          <p:cNvSpPr/>
+          <p:cNvSpPr>
+            <a:spLocks noGrp="1"/>
+          </p:cNvSpPr>
           <p:nvPr>
             <p:ph type="body" sz="quarter" idx="1"/>
           </p:nvPr>
@@ -212,10 +218,16 @@
           <a:lstStyle/>
           <a:p>
             <a:pPr lvl="0"/>
+            <a:endParaRPr/>
           </a:p>
         </p:txBody>
       </p:sp>
     </p:spTree>
+    <p:extLst>
+      <p:ext uri="{BB962C8B-B14F-4D97-AF65-F5344CB8AC3E}">
+        <p14:creationId xmlns:p14="http://schemas.microsoft.com/office/powerpoint/2010/main" val="353291172"/>
+      </p:ext>
+    </p:extLst>
   </p:cSld>
   <p:clrMap bg1="lt1" tx1="dk1" bg2="lt2" tx2="dk2" accent1="accent1" accent2="accent2" accent3="accent3" accent4="accent4" accent5="accent5" accent6="accent6" hlink="hlink" folHlink="folHlink"/>
   <p:notesStyle>
@@ -323,7 +335,7 @@
 </file>
 
 <file path=ppt/notesSlides/notesSlide1.xml><?xml version="1.0" encoding="utf-8"?>
-<p:notes xmlns:a="http://schemas.openxmlformats.org/drawingml/2006/main" xmlns:r="http://schemas.openxmlformats.org/officeDocument/2006/relationships" xmlns:p="http://schemas.openxmlformats.org/presentationml/2006/main" showMasterSp="1" showMasterPhAnim="1">
+<p:notes xmlns:a="http://schemas.openxmlformats.org/drawingml/2006/main" xmlns:r="http://schemas.openxmlformats.org/officeDocument/2006/relationships" xmlns:p="http://schemas.openxmlformats.org/presentationml/2006/main">
   <p:cSld>
     <p:spTree>
       <p:nvGrpSpPr>
@@ -342,7 +354,9 @@
       <p:sp>
         <p:nvSpPr>
           <p:cNvPr id="17" name="Shape 17"/>
-          <p:cNvSpPr/>
+          <p:cNvSpPr>
+            <a:spLocks noGrp="1" noRot="1" noChangeAspect="1"/>
+          </p:cNvSpPr>
           <p:nvPr>
             <p:ph type="sldImg"/>
           </p:nvPr>
@@ -357,13 +371,16 @@
           <a:lstStyle/>
           <a:p>
             <a:pPr lvl="0"/>
+            <a:endParaRPr/>
           </a:p>
         </p:txBody>
       </p:sp>
       <p:sp>
         <p:nvSpPr>
           <p:cNvPr id="18" name="Shape 18"/>
-          <p:cNvSpPr/>
+          <p:cNvSpPr>
+            <a:spLocks noGrp="1"/>
+          </p:cNvSpPr>
           <p:nvPr>
             <p:ph type="body" sz="quarter" idx="1"/>
           </p:nvPr>
@@ -409,7 +426,7 @@
               <a:defRPr sz="1800"/>
             </a:pPr>
             <a:r>
-              <a:rPr b="1" sz="1400">
+              <a:rPr sz="1400" b="1">
                 <a:latin typeface="Times New Roman"/>
                 <a:ea typeface="Times New Roman"/>
                 <a:cs typeface="Times New Roman"/>
@@ -426,12 +443,6 @@
               </a:rPr>
               <a:t> </a:t>
             </a:r>
-            <a:endParaRPr sz="1200">
-              <a:latin typeface="Times New Roman"/>
-              <a:ea typeface="Times New Roman"/>
-              <a:cs typeface="Times New Roman"/>
-              <a:sym typeface="Times New Roman"/>
-            </a:endParaRPr>
           </a:p>
           <a:p>
             <a:pPr lvl="0">
@@ -474,12 +485,6 @@
               </a:rPr>
               <a:t>Addressbook</a:t>
             </a:r>
-            <a:endParaRPr sz="1200" u="sng">
-              <a:latin typeface="Times New Roman"/>
-              <a:ea typeface="Times New Roman"/>
-              <a:cs typeface="Times New Roman"/>
-              <a:sym typeface="Times New Roman"/>
-            </a:endParaRPr>
           </a:p>
           <a:p>
             <a:pPr lvl="1" indent="457200">
@@ -522,12 +527,6 @@
               </a:rPr>
               <a:t>This is where most mailing lists start - a single user enters a list of addresses into their  favorite mail client in order to send messages to a group of friends without typing all the addresses each time they want to send a message: </a:t>
             </a:r>
-            <a:endParaRPr sz="1200">
-              <a:latin typeface="Times New Roman"/>
-              <a:ea typeface="Times New Roman"/>
-              <a:cs typeface="Times New Roman"/>
-              <a:sym typeface="Times New Roman"/>
-            </a:endParaRPr>
           </a:p>
           <a:p>
             <a:pPr lvl="0">
@@ -570,12 +569,6 @@
               </a:rPr>
               <a:t>     nus   Us - NANOG     (hak@darkwing.uoregon.edu, hugi@oregon.uoregon.edu, 	                   jad@ns.uoregon.edu, joelja@darkwing.uoregon.edu)</a:t>
             </a:r>
-            <a:endParaRPr sz="1200">
-              <a:latin typeface="Times New Roman"/>
-              <a:ea typeface="Times New Roman"/>
-              <a:cs typeface="Times New Roman"/>
-              <a:sym typeface="Times New Roman"/>
-            </a:endParaRPr>
           </a:p>
           <a:p>
             <a:pPr lvl="0">
@@ -657,12 +650,6 @@
               </a:rPr>
               <a:t>Advantages</a:t>
             </a:r>
-            <a:endParaRPr sz="1200" u="sng">
-              <a:latin typeface="Times New Roman"/>
-              <a:ea typeface="Times New Roman"/>
-              <a:cs typeface="Times New Roman"/>
-              <a:sym typeface="Times New Roman"/>
-            </a:endParaRPr>
           </a:p>
           <a:p>
             <a:pPr lvl="0">
@@ -711,12 +698,6 @@
               </a:rPr>
               <a:t>  quick to implement</a:t>
             </a:r>
-            <a:endParaRPr sz="1200">
-              <a:latin typeface="Times New Roman"/>
-              <a:ea typeface="Times New Roman"/>
-              <a:cs typeface="Times New Roman"/>
-              <a:sym typeface="Times New Roman"/>
-            </a:endParaRPr>
           </a:p>
           <a:p>
             <a:pPr lvl="0">
@@ -765,12 +746,6 @@
               </a:rPr>
               <a:t>  requires no interaction with any outside agent (listmaster, MLM software, etc.)</a:t>
             </a:r>
-            <a:endParaRPr sz="1200">
-              <a:latin typeface="Times New Roman"/>
-              <a:ea typeface="Times New Roman"/>
-              <a:cs typeface="Times New Roman"/>
-              <a:sym typeface="Times New Roman"/>
-            </a:endParaRPr>
           </a:p>
           <a:p>
             <a:pPr lvl="0">
@@ -852,12 +827,6 @@
               </a:rPr>
               <a:t>Disadvantages</a:t>
             </a:r>
-            <a:endParaRPr sz="1200" u="sng">
-              <a:latin typeface="Times New Roman"/>
-              <a:ea typeface="Times New Roman"/>
-              <a:cs typeface="Times New Roman"/>
-              <a:sym typeface="Times New Roman"/>
-            </a:endParaRPr>
           </a:p>
           <a:p>
             <a:pPr lvl="0">
@@ -906,12 +875,6 @@
               </a:rPr>
               <a:t> It can quickly become a pain to keep updated</a:t>
             </a:r>
-            <a:endParaRPr sz="1200">
-              <a:latin typeface="Times New Roman"/>
-              <a:ea typeface="Times New Roman"/>
-              <a:cs typeface="Times New Roman"/>
-              <a:sym typeface="Times New Roman"/>
-            </a:endParaRPr>
           </a:p>
           <a:p>
             <a:pPr lvl="0">
@@ -960,12 +923,6 @@
               </a:rPr>
               <a:t> If the full list is displayed in headers, users replying to a message may end up talking to many more people than they intended to. </a:t>
             </a:r>
-            <a:endParaRPr sz="1200">
-              <a:latin typeface="Times New Roman"/>
-              <a:ea typeface="Times New Roman"/>
-              <a:cs typeface="Times New Roman"/>
-              <a:sym typeface="Times New Roman"/>
-            </a:endParaRPr>
           </a:p>
           <a:p>
             <a:pPr lvl="0">
@@ -1014,12 +971,6 @@
               </a:rPr>
               <a:t> Individual members have no control over their participation, so they must depend on the address book owner to remove them or update their address if it changes. </a:t>
             </a:r>
-            <a:endParaRPr sz="1200">
-              <a:latin typeface="Times New Roman"/>
-              <a:ea typeface="Times New Roman"/>
-              <a:cs typeface="Times New Roman"/>
-              <a:sym typeface="Times New Roman"/>
-            </a:endParaRPr>
           </a:p>
           <a:p>
             <a:pPr lvl="0">
@@ -1072,6 +1023,11 @@
         </p:txBody>
       </p:sp>
     </p:spTree>
+    <p:extLst>
+      <p:ext uri="{BB962C8B-B14F-4D97-AF65-F5344CB8AC3E}">
+        <p14:creationId xmlns:p14="http://schemas.microsoft.com/office/powerpoint/2010/main" val="2119927496"/>
+      </p:ext>
+    </p:extLst>
   </p:cSld>
   <p:clrMapOvr>
     <a:masterClrMapping/>
@@ -1080,7 +1036,7 @@
 </file>
 
 <file path=ppt/slideLayouts/slideLayout1.xml><?xml version="1.0" encoding="utf-8"?>
-<p:sldLayout xmlns:a="http://schemas.openxmlformats.org/drawingml/2006/main" xmlns:r="http://schemas.openxmlformats.org/officeDocument/2006/relationships" xmlns:p="http://schemas.openxmlformats.org/presentationml/2006/main" type="tx" showMasterSp="1" showMasterPhAnim="1">
+<p:sldLayout xmlns:a="http://schemas.openxmlformats.org/drawingml/2006/main" xmlns:r="http://schemas.openxmlformats.org/officeDocument/2006/relationships" xmlns:p="http://schemas.openxmlformats.org/presentationml/2006/main" type="tx">
   <p:cSld name="Default">
     <p:spTree>
       <p:nvGrpSpPr>
@@ -1101,20 +1057,21 @@
   <p:clrMapOvr>
     <a:masterClrMapping/>
   </p:clrMapOvr>
-  <p:transition spd="med" advClick="1"/>
+  <p:transition spd="med"/>
 </p:sldLayout>
 </file>
 
 <file path=ppt/slideLayouts/slideLayout2.xml><?xml version="1.0" encoding="utf-8"?>
-<p:sldLayout xmlns:a="http://schemas.openxmlformats.org/drawingml/2006/main" xmlns:r="http://schemas.openxmlformats.org/officeDocument/2006/relationships" xmlns:p="http://schemas.openxmlformats.org/presentationml/2006/main" type="tx" showMasterSp="1" showMasterPhAnim="1">
+<p:sldLayout xmlns:a="http://schemas.openxmlformats.org/drawingml/2006/main" xmlns:r="http://schemas.openxmlformats.org/officeDocument/2006/relationships" xmlns:p="http://schemas.openxmlformats.org/presentationml/2006/main" type="tx">
   <p:cSld name="Default">
     <p:bg>
       <p:bgPr>
         <a:blipFill rotWithShape="1">
           <a:blip r:embed="rId2"/>
-          <a:srcRect l="0" t="0" r="0" b="0"/>
+          <a:srcRect/>
           <a:tile tx="0" ty="0" sx="100000" sy="100000" flip="none" algn="tl"/>
         </a:blipFill>
+        <a:effectLst/>
       </p:bgPr>
     </p:bg>
     <p:spTree>
@@ -1136,7 +1093,7 @@
   <p:clrMapOvr>
     <a:masterClrMapping/>
   </p:clrMapOvr>
-  <p:transition spd="med" advClick="1"/>
+  <p:transition spd="med"/>
 </p:sldLayout>
 </file>
 
@@ -1146,12 +1103,13 @@
     <p:bg>
       <p:bgPr>
         <a:blipFill rotWithShape="1">
-          <a:blip r:embed="rId2"/>
-          <a:srcRect l="0" t="0" r="0" b="0"/>
+          <a:blip r:embed="rId4"/>
+          <a:srcRect/>
           <a:stretch>
             <a:fillRect/>
           </a:stretch>
         </a:blipFill>
+        <a:effectLst/>
       </p:bgPr>
     </p:bg>
     <p:spTree>
@@ -1202,6 +1160,7 @@
                 <a:sym typeface="Helvetica"/>
               </a:defRPr>
             </a:pPr>
+            <a:endParaRPr/>
           </a:p>
         </p:txBody>
       </p:sp>
@@ -1209,10 +1168,10 @@
   </p:cSld>
   <p:clrMap bg1="lt1" tx1="dk1" bg2="lt2" tx2="dk2" accent1="accent1" accent2="accent2" accent3="accent3" accent4="accent4" accent5="accent5" accent6="accent6" hlink="hlink" folHlink="folHlink"/>
   <p:sldLayoutIdLst>
-    <p:sldLayoutId id="2147483649" r:id="rId3"/>
-    <p:sldLayoutId id="2147483650" r:id="rId4"/>
+    <p:sldLayoutId id="2147483649" r:id="rId1"/>
+    <p:sldLayoutId id="2147483650" r:id="rId2"/>
   </p:sldLayoutIdLst>
-  <p:transition spd="med" advClick="1"/>
+  <p:transition spd="med"/>
   <p:txStyles>
     <p:titleStyle>
       <a:lvl1pPr defTabSz="457200">
@@ -1630,7 +1589,7 @@
 </file>
 
 <file path=ppt/slides/slide1.xml><?xml version="1.0" encoding="utf-8"?>
-<p:sld xmlns:a="http://schemas.openxmlformats.org/drawingml/2006/main" xmlns:r="http://schemas.openxmlformats.org/officeDocument/2006/relationships" xmlns:p="http://schemas.openxmlformats.org/presentationml/2006/main" showMasterSp="1" showMasterPhAnim="1">
+<p:sld xmlns:a="http://schemas.openxmlformats.org/drawingml/2006/main" xmlns:r="http://schemas.openxmlformats.org/officeDocument/2006/relationships" xmlns:p="http://schemas.openxmlformats.org/presentationml/2006/main">
   <p:cSld>
     <p:spTree>
       <p:nvGrpSpPr>
@@ -1719,7 +1678,7 @@
         <p:spPr>
           <a:xfrm>
             <a:off x="1371600" y="5410200"/>
-            <a:ext cx="6400800" cy="1028320"/>
+            <a:ext cx="6400800" cy="985910"/>
           </a:xfrm>
           <a:prstGeom prst="rect">
             <a:avLst/>
@@ -1762,7 +1721,7 @@
               <a:defRPr sz="1800"/>
             </a:pPr>
             <a:r>
-              <a:rPr sz="2800">
+              <a:rPr sz="2800" dirty="0">
                 <a:latin typeface="Calibri"/>
                 <a:ea typeface="Calibri"/>
                 <a:cs typeface="Calibri"/>
@@ -1770,12 +1729,6 @@
               </a:rPr>
               <a:t>Joe Abley</a:t>
             </a:r>
-            <a:endParaRPr sz="2800">
-              <a:latin typeface="Calibri"/>
-              <a:ea typeface="Calibri"/>
-              <a:cs typeface="Calibri"/>
-              <a:sym typeface="Calibri"/>
-            </a:endParaRPr>
           </a:p>
           <a:p>
             <a:pPr lvl="0" algn="ctr" defTabSz="914400">
@@ -1801,14 +1754,56 @@
               <a:defRPr sz="1800"/>
             </a:pPr>
             <a:r>
-              <a:rPr sz="2800">
+              <a:rPr sz="2800" dirty="0">
                 <a:latin typeface="Calibri"/>
                 <a:ea typeface="Calibri"/>
                 <a:cs typeface="Calibri"/>
                 <a:sym typeface="Calibri"/>
               </a:rPr>
-              <a:t>AfNOG Workshop, AIS 2015, Tunis</a:t>
-            </a:r>
+              <a:t>AfNOG Workshop, AIS </a:t>
+            </a:r>
+            <a:r>
+              <a:rPr sz="2800" dirty="0" smtClean="0">
+                <a:latin typeface="Calibri"/>
+                <a:ea typeface="Calibri"/>
+                <a:cs typeface="Calibri"/>
+                <a:sym typeface="Calibri"/>
+              </a:rPr>
+              <a:t>201</a:t>
+            </a:r>
+            <a:r>
+              <a:rPr lang="en-US" sz="2800" dirty="0" smtClean="0">
+                <a:latin typeface="Calibri"/>
+                <a:ea typeface="Calibri"/>
+                <a:cs typeface="Calibri"/>
+                <a:sym typeface="Calibri"/>
+              </a:rPr>
+              <a:t>6</a:t>
+            </a:r>
+            <a:r>
+              <a:rPr sz="2800" dirty="0" smtClean="0">
+                <a:latin typeface="Calibri"/>
+                <a:ea typeface="Calibri"/>
+                <a:cs typeface="Calibri"/>
+                <a:sym typeface="Calibri"/>
+              </a:rPr>
+              <a:t>, </a:t>
+            </a:r>
+            <a:r>
+              <a:rPr lang="en-US" sz="2800" dirty="0" smtClean="0">
+                <a:latin typeface="Calibri"/>
+                <a:ea typeface="Calibri"/>
+                <a:cs typeface="Calibri"/>
+                <a:sym typeface="Calibri"/>
+              </a:rPr>
+              <a:t>Gaborone</a:t>
+            </a:r>
+            <a:endParaRPr sz="2800" dirty="0">
+              <a:latin typeface="Calibri"/>
+              <a:ea typeface="Calibri"/>
+              <a:cs typeface="Calibri"/>
+              <a:sym typeface="Calibri"/>
+            </a:endParaRPr>
           </a:p>
         </p:txBody>
       </p:sp>
@@ -1841,7 +1836,7 @@
           </a:bodyPr>
           <a:lstStyle/>
           <a:p>
-            <a:pPr lvl="1" marL="263525" indent="193675" defTabSz="914400">
+            <a:pPr marL="263525" lvl="1" indent="193675" defTabSz="914400">
               <a:lnSpc>
                 <a:spcPct val="96000"/>
               </a:lnSpc>
@@ -1876,12 +1871,12 @@
   <p:clrMapOvr>
     <a:masterClrMapping/>
   </p:clrMapOvr>
-  <p:transition spd="med" advClick="1"/>
+  <p:transition spd="med"/>
 </p:sld>
 </file>
 
 <file path=ppt/slides/slide10.xml><?xml version="1.0" encoding="utf-8"?>
-<p:sld xmlns:a="http://schemas.openxmlformats.org/drawingml/2006/main" xmlns:r="http://schemas.openxmlformats.org/officeDocument/2006/relationships" xmlns:p="http://schemas.openxmlformats.org/presentationml/2006/main" showMasterSp="1" showMasterPhAnim="1">
+<p:sld xmlns:a="http://schemas.openxmlformats.org/drawingml/2006/main" xmlns:r="http://schemas.openxmlformats.org/officeDocument/2006/relationships" xmlns:p="http://schemas.openxmlformats.org/presentationml/2006/main">
   <p:cSld>
     <p:spTree>
       <p:nvGrpSpPr>
@@ -1900,7 +1895,9 @@
       <p:sp>
         <p:nvSpPr>
           <p:cNvPr id="75" name="Shape 75"/>
-          <p:cNvSpPr/>
+          <p:cNvSpPr>
+            <a:spLocks noGrp="1"/>
+          </p:cNvSpPr>
           <p:nvPr>
             <p:ph type="title" idx="4294967295"/>
           </p:nvPr>
@@ -1924,7 +1921,7 @@
         </p:spPr>
         <p:txBody>
           <a:bodyPr lIns="0" tIns="0" rIns="0" bIns="0" anchor="ctr">
-            <a:normAutofit fontScale="100000" lnSpcReduction="0"/>
+            <a:normAutofit/>
           </a:bodyPr>
           <a:lstStyle>
             <a:lvl1pPr defTabSz="388620">
@@ -1970,7 +1967,9 @@
       <p:sp>
         <p:nvSpPr>
           <p:cNvPr id="76" name="Shape 76"/>
-          <p:cNvSpPr/>
+          <p:cNvSpPr>
+            <a:spLocks noGrp="1"/>
+          </p:cNvSpPr>
           <p:nvPr>
             <p:ph type="body" idx="4294967295"/>
           </p:nvPr>
@@ -1994,11 +1993,11 @@
         </p:spPr>
         <p:txBody>
           <a:bodyPr lIns="0" tIns="0" rIns="0" bIns="0">
-            <a:normAutofit fontScale="100000" lnSpcReduction="0"/>
+            <a:normAutofit/>
           </a:bodyPr>
           <a:lstStyle/>
           <a:p>
-            <a:pPr lvl="0" marL="297769" indent="-297769">
+            <a:pPr marL="297769" lvl="0" indent="-297769">
               <a:lnSpc>
                 <a:spcPct val="96000"/>
               </a:lnSpc>
@@ -2034,10 +2033,9 @@
               <a:rPr sz="2600"/>
               <a:t>A (address): map hostname to IPv4 address</a:t>
             </a:r>
-            <a:endParaRPr sz="2600"/>
-          </a:p>
-          <a:p>
-            <a:pPr lvl="0" marL="297769" indent="-297769">
+          </a:p>
+          <a:p>
+            <a:pPr marL="297769" lvl="0" indent="-297769">
               <a:lnSpc>
                 <a:spcPct val="96000"/>
               </a:lnSpc>
@@ -2073,10 +2071,9 @@
               <a:rPr sz="2600"/>
               <a:t>AAAA (quad A): map a hostname to IPv6 address</a:t>
             </a:r>
-            <a:endParaRPr sz="2600"/>
-          </a:p>
-          <a:p>
-            <a:pPr lvl="0" marL="297769" indent="-297769">
+          </a:p>
+          <a:p>
+            <a:pPr marL="297769" lvl="0" indent="-297769">
               <a:lnSpc>
                 <a:spcPct val="101000"/>
               </a:lnSpc>
@@ -2112,10 +2109,9 @@
               <a:rPr sz="2600"/>
               <a:t>PTR (pointer): map IP address to hostname</a:t>
             </a:r>
-            <a:endParaRPr sz="2600"/>
-          </a:p>
-          <a:p>
-            <a:pPr lvl="0" marL="297769" indent="-297769">
+          </a:p>
+          <a:p>
+            <a:pPr marL="297769" lvl="0" indent="-297769">
               <a:lnSpc>
                 <a:spcPct val="101000"/>
               </a:lnSpc>
@@ -2151,10 +2147,9 @@
               <a:rPr sz="2600"/>
               <a:t>MX (mail exchanger): where to deliver mail for user@domain</a:t>
             </a:r>
-            <a:endParaRPr sz="2600"/>
-          </a:p>
-          <a:p>
-            <a:pPr lvl="0" marL="297769" indent="-297769">
+          </a:p>
+          <a:p>
+            <a:pPr marL="297769" lvl="0" indent="-297769">
               <a:lnSpc>
                 <a:spcPct val="101000"/>
               </a:lnSpc>
@@ -2190,10 +2185,9 @@
               <a:rPr sz="2600"/>
               <a:t>CNAME (canonical name): map alternative hostname to real hostname</a:t>
             </a:r>
-            <a:endParaRPr sz="2600"/>
-          </a:p>
-          <a:p>
-            <a:pPr lvl="0" marL="297769" indent="-297769">
+          </a:p>
+          <a:p>
+            <a:pPr marL="297769" lvl="0" indent="-297769">
               <a:lnSpc>
                 <a:spcPct val="101000"/>
               </a:lnSpc>
@@ -2229,10 +2223,9 @@
               <a:rPr sz="2600"/>
               <a:t>TXT (text): any descriptive text</a:t>
             </a:r>
-            <a:endParaRPr sz="2600"/>
-          </a:p>
-          <a:p>
-            <a:pPr lvl="0" marL="297769" indent="-297769">
+          </a:p>
+          <a:p>
+            <a:pPr marL="297769" lvl="0" indent="-297769">
               <a:lnSpc>
                 <a:spcPct val="101000"/>
               </a:lnSpc>
@@ -2276,12 +2269,12 @@
   <p:clrMapOvr>
     <a:masterClrMapping/>
   </p:clrMapOvr>
-  <p:transition spd="med" advClick="1"/>
+  <p:transition spd="med"/>
 </p:sld>
 </file>
 
 <file path=ppt/slides/slide11.xml><?xml version="1.0" encoding="utf-8"?>
-<p:sld xmlns:a="http://schemas.openxmlformats.org/drawingml/2006/main" xmlns:r="http://schemas.openxmlformats.org/officeDocument/2006/relationships" xmlns:p="http://schemas.openxmlformats.org/presentationml/2006/main" showMasterSp="1" showMasterPhAnim="1">
+<p:sld xmlns:a="http://schemas.openxmlformats.org/drawingml/2006/main" xmlns:r="http://schemas.openxmlformats.org/officeDocument/2006/relationships" xmlns:p="http://schemas.openxmlformats.org/presentationml/2006/main">
   <p:cSld>
     <p:spTree>
       <p:nvGrpSpPr>
@@ -2300,7 +2293,9 @@
       <p:sp>
         <p:nvSpPr>
           <p:cNvPr id="78" name="Shape 78"/>
-          <p:cNvSpPr/>
+          <p:cNvSpPr>
+            <a:spLocks noGrp="1"/>
+          </p:cNvSpPr>
           <p:nvPr>
             <p:ph type="title" idx="4294967295"/>
           </p:nvPr>
@@ -2324,7 +2319,7 @@
         </p:spPr>
         <p:txBody>
           <a:bodyPr lIns="0" tIns="0" rIns="0" bIns="0" anchor="ctr">
-            <a:normAutofit fontScale="100000" lnSpcReduction="0"/>
+            <a:normAutofit/>
           </a:bodyPr>
           <a:lstStyle>
             <a:lvl1pPr>
@@ -2369,7 +2364,9 @@
       <p:sp>
         <p:nvSpPr>
           <p:cNvPr id="79" name="Shape 79"/>
-          <p:cNvSpPr/>
+          <p:cNvSpPr>
+            <a:spLocks noGrp="1"/>
+          </p:cNvSpPr>
           <p:nvPr>
             <p:ph type="body" idx="4294967295"/>
           </p:nvPr>
@@ -2393,7 +2390,7 @@
         </p:spPr>
         <p:txBody>
           <a:bodyPr lIns="0" tIns="0" rIns="0" bIns="0">
-            <a:normAutofit fontScale="100000" lnSpcReduction="0"/>
+            <a:normAutofit/>
           </a:bodyPr>
           <a:lstStyle/>
           <a:p>
@@ -2445,7 +2442,7 @@
               <a:t>Query: 			</a:t>
             </a:r>
             <a:r>
-              <a:rPr b="1" sz="2800">
+              <a:rPr sz="2800" b="1">
                 <a:solidFill>
                   <a:srgbClr val="4700B8"/>
                 </a:solidFill>
@@ -2456,15 +2453,6 @@
               </a:rPr>
               <a:t>www.afnog.org.</a:t>
             </a:r>
-            <a:endParaRPr b="1" sz="2800">
-              <a:solidFill>
-                <a:srgbClr val="4700B8"/>
-              </a:solidFill>
-              <a:latin typeface="Courier New"/>
-              <a:ea typeface="Courier New"/>
-              <a:cs typeface="Courier New"/>
-              <a:sym typeface="Courier New"/>
-            </a:endParaRPr>
           </a:p>
           <a:p>
             <a:pPr lvl="0">
@@ -2523,7 +2511,7 @@
               <a:t>	</a:t>
             </a:r>
             <a:r>
-              <a:rPr b="1" sz="2800">
+              <a:rPr sz="2800" b="1">
                 <a:solidFill>
                   <a:srgbClr val="4700B8"/>
                 </a:solidFill>
@@ -2534,15 +2522,6 @@
               </a:rPr>
               <a:t>A</a:t>
             </a:r>
-            <a:endParaRPr b="1" sz="2800">
-              <a:solidFill>
-                <a:srgbClr val="4700B8"/>
-              </a:solidFill>
-              <a:latin typeface="Courier New"/>
-              <a:ea typeface="Courier New"/>
-              <a:cs typeface="Courier New"/>
-              <a:sym typeface="Courier New"/>
-            </a:endParaRPr>
           </a:p>
           <a:p>
             <a:pPr lvl="0">
@@ -2592,7 +2571,6 @@
               <a:rPr sz="2800"/>
               <a:t>Result:</a:t>
             </a:r>
-            <a:endParaRPr sz="2800"/>
           </a:p>
           <a:p>
             <a:pPr lvl="0">
@@ -2639,7 +2617,7 @@
               </a:tabLst>
               <a:defRPr sz="1800"/>
             </a:pPr>
-            <a:endParaRPr b="1" i="1" sz="2200">
+            <a:endParaRPr sz="2200" b="1" i="1">
               <a:solidFill>
                 <a:srgbClr val="4700B8"/>
               </a:solidFill>
@@ -2695,7 +2673,7 @@
               <a:defRPr sz="1800"/>
             </a:pPr>
             <a:r>
-              <a:rPr b="1" i="1" sz="2200">
+              <a:rPr sz="2200" b="1" i="1">
                 <a:solidFill>
                   <a:srgbClr val="4700B8"/>
                 </a:solidFill>
@@ -2706,15 +2684,6 @@
               </a:rPr>
               <a:t>www.afnog.org.  14400   IN   A    196.216.2.4 </a:t>
             </a:r>
-            <a:endParaRPr b="1" i="1" sz="2200">
-              <a:solidFill>
-                <a:srgbClr val="4700B8"/>
-              </a:solidFill>
-              <a:latin typeface="Courier New"/>
-              <a:ea typeface="Courier New"/>
-              <a:cs typeface="Courier New"/>
-              <a:sym typeface="Courier New"/>
-            </a:endParaRPr>
           </a:p>
           <a:p>
             <a:pPr lvl="0">
@@ -2761,7 +2730,7 @@
               </a:tabLst>
               <a:defRPr sz="1800"/>
             </a:pPr>
-            <a:endParaRPr b="1" i="1" sz="2200">
+            <a:endParaRPr sz="2200" b="1" i="1">
               <a:solidFill>
                 <a:srgbClr val="FF0000"/>
               </a:solidFill>
@@ -2772,7 +2741,7 @@
             </a:endParaRPr>
           </a:p>
           <a:p>
-            <a:pPr lvl="0" marL="297769" indent="-297769">
+            <a:pPr marL="297769" lvl="0" indent="-297769">
               <a:lnSpc>
                 <a:spcPct val="101000"/>
               </a:lnSpc>
@@ -2823,10 +2792,9 @@
               <a:rPr sz="2800"/>
               <a:t>but in general, multiple RRs may be returned.</a:t>
             </a:r>
-            <a:endParaRPr sz="2800"/>
-          </a:p>
-          <a:p>
-            <a:pPr lvl="1" marL="742685" indent="-285485">
+          </a:p>
+          <a:p>
+            <a:pPr marL="742685" lvl="1" indent="-285485">
               <a:lnSpc>
                 <a:spcPct val="101000"/>
               </a:lnSpc>
@@ -2880,12 +2848,12 @@
   <p:clrMapOvr>
     <a:masterClrMapping/>
   </p:clrMapOvr>
-  <p:transition spd="med" advClick="1"/>
+  <p:transition spd="med"/>
 </p:sld>
 </file>
 
 <file path=ppt/slides/slide12.xml><?xml version="1.0" encoding="utf-8"?>
-<p:sld xmlns:a="http://schemas.openxmlformats.org/drawingml/2006/main" xmlns:r="http://schemas.openxmlformats.org/officeDocument/2006/relationships" xmlns:p="http://schemas.openxmlformats.org/presentationml/2006/main" showMasterSp="1" showMasterPhAnim="1">
+<p:sld xmlns:a="http://schemas.openxmlformats.org/drawingml/2006/main" xmlns:r="http://schemas.openxmlformats.org/officeDocument/2006/relationships" xmlns:p="http://schemas.openxmlformats.org/presentationml/2006/main">
   <p:cSld>
     <p:spTree>
       <p:nvGrpSpPr>
@@ -2904,7 +2872,9 @@
       <p:sp>
         <p:nvSpPr>
           <p:cNvPr id="81" name="Shape 81"/>
-          <p:cNvSpPr/>
+          <p:cNvSpPr>
+            <a:spLocks noGrp="1"/>
+          </p:cNvSpPr>
           <p:nvPr>
             <p:ph type="title" idx="4294967295"/>
           </p:nvPr>
@@ -2928,7 +2898,7 @@
         </p:spPr>
         <p:txBody>
           <a:bodyPr lIns="0" tIns="0" rIns="0" bIns="0" anchor="ctr">
-            <a:normAutofit fontScale="100000" lnSpcReduction="0"/>
+            <a:normAutofit/>
           </a:bodyPr>
           <a:lstStyle>
             <a:lvl1pPr>
@@ -2973,7 +2943,9 @@
       <p:sp>
         <p:nvSpPr>
           <p:cNvPr id="82" name="Shape 82"/>
-          <p:cNvSpPr/>
+          <p:cNvSpPr>
+            <a:spLocks noGrp="1"/>
+          </p:cNvSpPr>
           <p:nvPr>
             <p:ph type="body" idx="4294967295"/>
           </p:nvPr>
@@ -2997,7 +2969,7 @@
         </p:spPr>
         <p:txBody>
           <a:bodyPr lIns="0" tIns="0" rIns="0" bIns="0">
-            <a:normAutofit fontScale="100000" lnSpcReduction="0"/>
+            <a:normAutofit/>
           </a:bodyPr>
           <a:lstStyle/>
           <a:p>
@@ -3035,25 +3007,8 @@
             </a:pPr>
             <a:r>
               <a:rPr sz="2800"/>
-              <a:t>POSITIVE (</a:t>
-            </a:r>
-            <a:r>
-              <a:rPr sz="2800"/>
-              <a:t>“</a:t>
-            </a:r>
-            <a:r>
-              <a:rPr sz="2800"/>
-              <a:t>NOERROR</a:t>
-            </a:r>
-            <a:r>
-              <a:rPr sz="2800"/>
-              <a:t>”</a:t>
-            </a:r>
-            <a:r>
-              <a:rPr sz="2800"/>
-              <a:t>)</a:t>
-            </a:r>
-            <a:endParaRPr sz="2800"/>
+              <a:t>POSITIVE (“NOERROR”)</a:t>
+            </a:r>
           </a:p>
           <a:p>
             <a:pPr lvl="1">
@@ -3136,25 +3091,8 @@
             </a:pPr>
             <a:r>
               <a:rPr sz="2800"/>
-              <a:t>NEGATIVE (</a:t>
-            </a:r>
-            <a:r>
-              <a:rPr sz="2800"/>
-              <a:t>“</a:t>
-            </a:r>
-            <a:r>
-              <a:rPr sz="2800"/>
-              <a:t>NXDOMAIN</a:t>
-            </a:r>
-            <a:r>
-              <a:rPr sz="2800"/>
-              <a:t>”</a:t>
-            </a:r>
-            <a:r>
-              <a:rPr sz="2800"/>
-              <a:t>)</a:t>
-            </a:r>
-            <a:endParaRPr sz="2800"/>
+              <a:t>NEGATIVE (“NXDOMAIN”)</a:t>
+            </a:r>
           </a:p>
           <a:p>
             <a:pPr lvl="1">
@@ -3234,25 +3172,8 @@
             </a:pPr>
             <a:r>
               <a:rPr sz="2800"/>
-              <a:t>SERVER FAILURE (</a:t>
-            </a:r>
-            <a:r>
-              <a:rPr sz="2800"/>
-              <a:t>“</a:t>
-            </a:r>
-            <a:r>
-              <a:rPr sz="2800"/>
-              <a:t>SERVFAIL</a:t>
-            </a:r>
-            <a:r>
-              <a:rPr sz="2800"/>
-              <a:t>”</a:t>
-            </a:r>
-            <a:r>
-              <a:rPr sz="2800"/>
-              <a:t>)</a:t>
-            </a:r>
-            <a:endParaRPr sz="2800"/>
+              <a:t>SERVER FAILURE (“SERVFAIL”)</a:t>
+            </a:r>
           </a:p>
           <a:p>
             <a:pPr lvl="1">
@@ -3335,28 +3256,11 @@
             </a:pPr>
             <a:r>
               <a:rPr sz="2800"/>
-              <a:t>FORMAT ERROR (</a:t>
-            </a:r>
-            <a:r>
-              <a:rPr sz="2800"/>
-              <a:t>“</a:t>
-            </a:r>
-            <a:r>
-              <a:rPr sz="2800"/>
-              <a:t>FORMERR</a:t>
-            </a:r>
-            <a:r>
-              <a:rPr sz="2800"/>
-              <a:t>”</a:t>
-            </a:r>
-            <a:r>
-              <a:rPr sz="2800"/>
-              <a:t>)</a:t>
-            </a:r>
-            <a:endParaRPr sz="2800"/>
-          </a:p>
-          <a:p>
-            <a:pPr lvl="1" marL="720725" indent="-263525">
+              <a:t>FORMAT ERROR (“FORMERR”)</a:t>
+            </a:r>
+          </a:p>
+          <a:p>
+            <a:pPr marL="720725" lvl="1" indent="-263525">
               <a:lnSpc>
                 <a:spcPct val="101000"/>
               </a:lnSpc>
@@ -3432,25 +3336,8 @@
             </a:pPr>
             <a:r>
               <a:rPr sz="2800"/>
-              <a:t>REFUSED (</a:t>
-            </a:r>
-            <a:r>
-              <a:rPr sz="2800"/>
-              <a:t>“</a:t>
-            </a:r>
-            <a:r>
-              <a:rPr sz="2800"/>
-              <a:t>REFUSED</a:t>
-            </a:r>
-            <a:r>
-              <a:rPr sz="2800"/>
-              <a:t>”</a:t>
-            </a:r>
-            <a:r>
-              <a:rPr sz="2800"/>
-              <a:t>)</a:t>
-            </a:r>
-            <a:endParaRPr sz="2800"/>
+              <a:t>REFUSED (“REFUSED”)</a:t>
+            </a:r>
           </a:p>
           <a:p>
             <a:pPr lvl="1">
@@ -3500,12 +3387,12 @@
   <p:clrMapOvr>
     <a:masterClrMapping/>
   </p:clrMapOvr>
-  <p:transition spd="med" advClick="1"/>
+  <p:transition spd="med"/>
 </p:sld>
 </file>
 
 <file path=ppt/slides/slide13.xml><?xml version="1.0" encoding="utf-8"?>
-<p:sld xmlns:a="http://schemas.openxmlformats.org/drawingml/2006/main" xmlns:r="http://schemas.openxmlformats.org/officeDocument/2006/relationships" xmlns:p="http://schemas.openxmlformats.org/presentationml/2006/main" showMasterSp="1" showMasterPhAnim="1">
+<p:sld xmlns:a="http://schemas.openxmlformats.org/drawingml/2006/main" xmlns:r="http://schemas.openxmlformats.org/officeDocument/2006/relationships" xmlns:p="http://schemas.openxmlformats.org/presentationml/2006/main">
   <p:cSld>
     <p:spTree>
       <p:nvGrpSpPr>
@@ -3524,7 +3411,9 @@
       <p:sp>
         <p:nvSpPr>
           <p:cNvPr id="84" name="Shape 84"/>
-          <p:cNvSpPr/>
+          <p:cNvSpPr>
+            <a:spLocks noGrp="1"/>
+          </p:cNvSpPr>
           <p:nvPr>
             <p:ph type="title" idx="4294967295"/>
           </p:nvPr>
@@ -3548,7 +3437,7 @@
         </p:spPr>
         <p:txBody>
           <a:bodyPr lIns="0" tIns="0" rIns="0" bIns="0" anchor="ctr">
-            <a:normAutofit fontScale="100000" lnSpcReduction="0"/>
+            <a:normAutofit/>
           </a:bodyPr>
           <a:lstStyle>
             <a:lvl1pPr defTabSz="425195">
@@ -3594,7 +3483,9 @@
       <p:sp>
         <p:nvSpPr>
           <p:cNvPr id="85" name="Shape 85"/>
-          <p:cNvSpPr/>
+          <p:cNvSpPr>
+            <a:spLocks noGrp="1"/>
+          </p:cNvSpPr>
           <p:nvPr>
             <p:ph type="body" idx="4294967295"/>
           </p:nvPr>
@@ -3618,7 +3509,7 @@
         </p:spPr>
         <p:txBody>
           <a:bodyPr lIns="0" tIns="0" rIns="0" bIns="0">
-            <a:normAutofit fontScale="100000" lnSpcReduction="0"/>
+            <a:normAutofit/>
           </a:bodyPr>
           <a:lstStyle/>
           <a:p>
@@ -3658,7 +3549,6 @@
               <a:rPr sz="2800"/>
               <a:t>Convert the IP address to dotted-quad</a:t>
             </a:r>
-            <a:endParaRPr sz="2800"/>
           </a:p>
           <a:p>
             <a:pPr lvl="0">
@@ -3697,7 +3587,6 @@
               <a:rPr sz="2800"/>
               <a:t>Reverse the four parts</a:t>
             </a:r>
-            <a:endParaRPr sz="2800"/>
           </a:p>
           <a:p>
             <a:pPr lvl="0">
@@ -3736,7 +3625,6 @@
               <a:rPr sz="2800"/>
               <a:t>Add ".in-addr.arpa." to the end; special domain reserved for this purpose</a:t>
             </a:r>
-            <a:endParaRPr sz="2800"/>
           </a:p>
           <a:p>
             <a:pPr lvl="0">
@@ -3773,7 +3661,7 @@
               <a:defRPr sz="1800"/>
             </a:pPr>
             <a:r>
-              <a:rPr b="1" sz="2800">
+              <a:rPr sz="2800" b="1">
                 <a:solidFill>
                   <a:srgbClr val="4700B8"/>
                 </a:solidFill>
@@ -3784,15 +3672,6 @@
               </a:rPr>
               <a:t>e.g. to find name for 193.194.185.25</a:t>
             </a:r>
-            <a:endParaRPr b="1" sz="2800">
-              <a:solidFill>
-                <a:srgbClr val="4700B8"/>
-              </a:solidFill>
-              <a:latin typeface="Courier New"/>
-              <a:ea typeface="Courier New"/>
-              <a:cs typeface="Courier New"/>
-              <a:sym typeface="Courier New"/>
-            </a:endParaRPr>
           </a:p>
           <a:p>
             <a:pPr lvl="0">
@@ -3826,7 +3705,7 @@
               <a:defRPr sz="1800"/>
             </a:pPr>
             <a:r>
-              <a:rPr b="1" i="1" sz="2400">
+              <a:rPr sz="2400" b="1" i="1">
                 <a:latin typeface="Courier New"/>
                 <a:ea typeface="Courier New"/>
                 <a:cs typeface="Courier New"/>
@@ -3835,7 +3714,7 @@
               <a:t>Domain name:</a:t>
             </a:r>
             <a:r>
-              <a:rPr b="1" i="1" sz="2400">
+              <a:rPr sz="2400" b="1" i="1">
                 <a:solidFill>
                   <a:srgbClr val="4700B8"/>
                 </a:solidFill>
@@ -3846,15 +3725,6 @@
               </a:rPr>
               <a:t> 25.185.194.193.in-addr.arpa. </a:t>
             </a:r>
-            <a:endParaRPr b="1" i="1" sz="2400">
-              <a:solidFill>
-                <a:srgbClr val="4700B8"/>
-              </a:solidFill>
-              <a:latin typeface="Courier New"/>
-              <a:ea typeface="Courier New"/>
-              <a:cs typeface="Courier New"/>
-              <a:sym typeface="Courier New"/>
-            </a:endParaRPr>
           </a:p>
           <a:p>
             <a:pPr lvl="0">
@@ -3888,7 +3758,7 @@
               <a:defRPr sz="1800"/>
             </a:pPr>
             <a:r>
-              <a:rPr b="1" i="1" sz="2400">
+              <a:rPr sz="2400" b="1" i="1">
                 <a:latin typeface="Courier New"/>
                 <a:ea typeface="Courier New"/>
                 <a:cs typeface="Courier New"/>
@@ -3897,7 +3767,7 @@
               <a:t>Query Type:</a:t>
             </a:r>
             <a:r>
-              <a:rPr b="1" i="1" sz="2400">
+              <a:rPr sz="2400" b="1" i="1">
                 <a:solidFill>
                   <a:srgbClr val="4700B8"/>
                 </a:solidFill>
@@ -3908,15 +3778,6 @@
               </a:rPr>
               <a:t> PTR </a:t>
             </a:r>
-            <a:endParaRPr b="1" i="1" sz="2400">
-              <a:solidFill>
-                <a:srgbClr val="4700B8"/>
-              </a:solidFill>
-              <a:latin typeface="Courier New"/>
-              <a:ea typeface="Courier New"/>
-              <a:cs typeface="Courier New"/>
-              <a:sym typeface="Courier New"/>
-            </a:endParaRPr>
           </a:p>
           <a:p>
             <a:pPr lvl="0">
@@ -3950,7 +3811,7 @@
               <a:defRPr sz="1800"/>
             </a:pPr>
             <a:r>
-              <a:rPr b="1" i="1" sz="2400">
+              <a:rPr sz="2400" b="1" i="1">
                 <a:latin typeface="Courier New"/>
                 <a:ea typeface="Courier New"/>
                 <a:cs typeface="Courier New"/>
@@ -3959,7 +3820,7 @@
               <a:t>Result:</a:t>
             </a:r>
             <a:r>
-              <a:rPr b="1" i="1" sz="2400">
+              <a:rPr sz="2400" b="1" i="1">
                 <a:solidFill>
                   <a:srgbClr val="4700B8"/>
                 </a:solidFill>
@@ -3970,15 +3831,6 @@
               </a:rPr>
               <a:t>	ashanti.gh.com.</a:t>
             </a:r>
-            <a:endParaRPr b="1" i="1" sz="2400">
-              <a:solidFill>
-                <a:srgbClr val="4700B8"/>
-              </a:solidFill>
-              <a:latin typeface="Courier New"/>
-              <a:ea typeface="Courier New"/>
-              <a:cs typeface="Courier New"/>
-              <a:sym typeface="Courier New"/>
-            </a:endParaRPr>
           </a:p>
           <a:p>
             <a:pPr lvl="0">
@@ -4012,7 +3864,7 @@
               <a:defRPr sz="1800"/>
             </a:pPr>
             <a:r>
-              <a:rPr b="1" i="1" sz="2400">
+              <a:rPr sz="2400" b="1" i="1">
                 <a:solidFill>
                   <a:srgbClr val="FF0000"/>
                 </a:solidFill>
@@ -4043,12 +3895,12 @@
   <p:clrMapOvr>
     <a:masterClrMapping/>
   </p:clrMapOvr>
-  <p:transition spd="med" advClick="1"/>
+  <p:transition spd="med"/>
 </p:sld>
 </file>
 
 <file path=ppt/slides/slide14.xml><?xml version="1.0" encoding="utf-8"?>
-<p:sld xmlns:a="http://schemas.openxmlformats.org/drawingml/2006/main" xmlns:r="http://schemas.openxmlformats.org/officeDocument/2006/relationships" xmlns:p="http://schemas.openxmlformats.org/presentationml/2006/main" showMasterSp="1" showMasterPhAnim="1">
+<p:sld xmlns:a="http://schemas.openxmlformats.org/drawingml/2006/main" xmlns:r="http://schemas.openxmlformats.org/officeDocument/2006/relationships" xmlns:p="http://schemas.openxmlformats.org/presentationml/2006/main">
   <p:cSld>
     <p:spTree>
       <p:nvGrpSpPr>
@@ -4109,7 +3961,7 @@
                 <a:tab pos="9144000" algn="l"/>
                 <a:tab pos="10058400" algn="l"/>
               </a:tabLst>
-              <a:defRPr b="1" sz="20000">
+              <a:defRPr sz="20000" b="1">
                 <a:solidFill>
                   <a:srgbClr val="B80047"/>
                 </a:solidFill>
@@ -4122,14 +3974,14 @@
           </a:lstStyle>
           <a:p>
             <a:pPr lvl="0">
-              <a:defRPr b="0" sz="1800">
+              <a:defRPr sz="1800" b="0">
                 <a:solidFill>
                   <a:srgbClr val="000000"/>
                 </a:solidFill>
               </a:defRPr>
             </a:pPr>
             <a:r>
-              <a:rPr b="1" sz="20000">
+              <a:rPr sz="20000" b="1">
                 <a:solidFill>
                   <a:srgbClr val="B80047"/>
                 </a:solidFill>
@@ -4217,12 +4069,12 @@
   <p:clrMapOvr>
     <a:masterClrMapping/>
   </p:clrMapOvr>
-  <p:transition spd="med" advClick="1"/>
+  <p:transition spd="med"/>
 </p:sld>
 </file>
 
 <file path=ppt/slides/slide15.xml><?xml version="1.0" encoding="utf-8"?>
-<p:sld xmlns:a="http://schemas.openxmlformats.org/drawingml/2006/main" xmlns:r="http://schemas.openxmlformats.org/officeDocument/2006/relationships" xmlns:p="http://schemas.openxmlformats.org/presentationml/2006/main" showMasterSp="1" showMasterPhAnim="1">
+<p:sld xmlns:a="http://schemas.openxmlformats.org/drawingml/2006/main" xmlns:r="http://schemas.openxmlformats.org/officeDocument/2006/relationships" xmlns:p="http://schemas.openxmlformats.org/presentationml/2006/main">
   <p:cSld>
     <p:spTree>
       <p:nvGrpSpPr>
@@ -4241,7 +4093,9 @@
       <p:sp>
         <p:nvSpPr>
           <p:cNvPr id="90" name="Shape 90"/>
-          <p:cNvSpPr/>
+          <p:cNvSpPr>
+            <a:spLocks noGrp="1"/>
+          </p:cNvSpPr>
           <p:nvPr>
             <p:ph type="title" idx="4294967295"/>
           </p:nvPr>
@@ -4265,7 +4119,7 @@
         </p:spPr>
         <p:txBody>
           <a:bodyPr lIns="0" tIns="0" rIns="0" bIns="0" anchor="ctr">
-            <a:normAutofit fontScale="100000" lnSpcReduction="0"/>
+            <a:normAutofit/>
           </a:bodyPr>
           <a:lstStyle>
             <a:lvl1pPr>
@@ -4310,7 +4164,9 @@
       <p:sp>
         <p:nvSpPr>
           <p:cNvPr id="91" name="Shape 91"/>
-          <p:cNvSpPr/>
+          <p:cNvSpPr>
+            <a:spLocks noGrp="1"/>
+          </p:cNvSpPr>
           <p:nvPr>
             <p:ph type="body" idx="4294967295"/>
           </p:nvPr>
@@ -4334,7 +4190,7 @@
         </p:spPr>
         <p:txBody>
           <a:bodyPr lIns="0" tIns="0" rIns="0" bIns="0">
-            <a:normAutofit fontScale="100000" lnSpcReduction="0"/>
+            <a:normAutofit/>
           </a:bodyPr>
           <a:lstStyle/>
           <a:p>
@@ -4374,7 +4230,6 @@
               <a:rPr sz="2800"/>
               <a:t>(Of course - it runs across a network)</a:t>
             </a:r>
-            <a:endParaRPr sz="2800"/>
           </a:p>
           <a:p>
             <a:pPr lvl="0">
@@ -4413,7 +4268,6 @@
               <a:rPr sz="2800"/>
               <a:t>Requests and responses are most frequently carried in UDP packets, port 53</a:t>
             </a:r>
-            <a:endParaRPr sz="2800"/>
           </a:p>
           <a:p>
             <a:pPr lvl="0">
@@ -4452,10 +4306,9 @@
               <a:rPr sz="2800"/>
               <a:t>DNS can also use TCP transport, port 53</a:t>
             </a:r>
-            <a:endParaRPr sz="2800"/>
-          </a:p>
-          <a:p>
-            <a:pPr lvl="1" marL="720725" indent="-263525">
+          </a:p>
+          <a:p>
+            <a:pPr marL="720725" lvl="1" indent="-263525">
               <a:lnSpc>
                 <a:spcPct val="101000"/>
               </a:lnSpc>
@@ -4490,10 +4343,9 @@
               <a:rPr sz="2400"/>
               <a:t>for very large responses e.g. zone transfers</a:t>
             </a:r>
-            <a:endParaRPr sz="2400"/>
-          </a:p>
-          <a:p>
-            <a:pPr lvl="1" marL="720725" indent="-263525">
+          </a:p>
+          <a:p>
+            <a:pPr marL="720725" lvl="1" indent="-263525">
               <a:lnSpc>
                 <a:spcPct val="101000"/>
               </a:lnSpc>
@@ -4528,10 +4380,9 @@
               <a:rPr sz="2400"/>
               <a:t>because you want to exchange more than one query/response on a single session</a:t>
             </a:r>
-            <a:endParaRPr sz="2400"/>
-          </a:p>
-          <a:p>
-            <a:pPr lvl="1" marL="720725" indent="-263525">
+          </a:p>
+          <a:p>
+            <a:pPr marL="720725" lvl="1" indent="-263525">
               <a:lnSpc>
                 <a:spcPct val="101000"/>
               </a:lnSpc>
@@ -4566,10 +4417,9 @@
               <a:rPr sz="2400"/>
               <a:t>because a response you received told you to with TC=1</a:t>
             </a:r>
-            <a:endParaRPr sz="2400"/>
-          </a:p>
-          <a:p>
-            <a:pPr lvl="1" marL="720725" indent="-263525">
+          </a:p>
+          <a:p>
+            <a:pPr marL="720725" lvl="1" indent="-263525">
               <a:lnSpc>
                 <a:spcPct val="101000"/>
               </a:lnSpc>
@@ -4612,12 +4462,12 @@
   <p:clrMapOvr>
     <a:masterClrMapping/>
   </p:clrMapOvr>
-  <p:transition spd="med" advClick="1"/>
+  <p:transition spd="med"/>
 </p:sld>
 </file>
 
 <file path=ppt/slides/slide16.xml><?xml version="1.0" encoding="utf-8"?>
-<p:sld xmlns:a="http://schemas.openxmlformats.org/drawingml/2006/main" xmlns:r="http://schemas.openxmlformats.org/officeDocument/2006/relationships" xmlns:p="http://schemas.openxmlformats.org/presentationml/2006/main" showMasterSp="1" showMasterPhAnim="1">
+<p:sld xmlns:a="http://schemas.openxmlformats.org/drawingml/2006/main" xmlns:r="http://schemas.openxmlformats.org/officeDocument/2006/relationships" xmlns:p="http://schemas.openxmlformats.org/presentationml/2006/main">
   <p:cSld>
     <p:spTree>
       <p:nvGrpSpPr>
@@ -4636,7 +4486,9 @@
       <p:sp>
         <p:nvSpPr>
           <p:cNvPr id="93" name="Shape 93"/>
-          <p:cNvSpPr/>
+          <p:cNvSpPr>
+            <a:spLocks noGrp="1"/>
+          </p:cNvSpPr>
           <p:nvPr>
             <p:ph type="title" idx="4294967295"/>
           </p:nvPr>
@@ -4660,7 +4512,7 @@
         </p:spPr>
         <p:txBody>
           <a:bodyPr lIns="0" tIns="0" rIns="0" bIns="0" anchor="ctr">
-            <a:normAutofit fontScale="100000" lnSpcReduction="0"/>
+            <a:normAutofit/>
           </a:bodyPr>
           <a:lstStyle>
             <a:lvl1pPr>
@@ -4736,6 +4588,7 @@
               </a:lnSpc>
               <a:defRPr sz="1800"/>
             </a:pPr>
+            <a:endParaRPr/>
           </a:p>
         </p:txBody>
       </p:sp>
@@ -4773,6 +4626,7 @@
               </a:lnSpc>
               <a:defRPr sz="1800"/>
             </a:pPr>
+            <a:endParaRPr/>
           </a:p>
         </p:txBody>
       </p:sp>
@@ -4810,6 +4664,7 @@
               </a:lnSpc>
               <a:defRPr sz="1800"/>
             </a:pPr>
+            <a:endParaRPr/>
           </a:p>
         </p:txBody>
       </p:sp>
@@ -4849,6 +4704,7 @@
                 <a:sym typeface="Helvetica"/>
               </a:defRPr>
             </a:pPr>
+            <a:endParaRPr/>
           </a:p>
         </p:txBody>
       </p:sp>
@@ -4909,12 +4765,6 @@
               </a:rPr>
               <a:t>Stub</a:t>
             </a:r>
-            <a:endParaRPr sz="2800">
-              <a:latin typeface="Baekmuk Headline"/>
-              <a:ea typeface="Baekmuk Headline"/>
-              <a:cs typeface="Baekmuk Headline"/>
-              <a:sym typeface="Baekmuk Headline"/>
-            </a:endParaRPr>
           </a:p>
           <a:p>
             <a:pPr lvl="0" defTabSz="914400">
@@ -5005,12 +4855,6 @@
               </a:rPr>
               <a:t>Caching</a:t>
             </a:r>
-            <a:endParaRPr sz="2800">
-              <a:latin typeface="Baekmuk Headline"/>
-              <a:ea typeface="Baekmuk Headline"/>
-              <a:cs typeface="Baekmuk Headline"/>
-              <a:sym typeface="Baekmuk Headline"/>
-            </a:endParaRPr>
           </a:p>
           <a:p>
             <a:pPr lvl="0" algn="ctr" defTabSz="914400">
@@ -5101,12 +4945,6 @@
               </a:rPr>
               <a:t>Authoritative</a:t>
             </a:r>
-            <a:endParaRPr sz="2800">
-              <a:latin typeface="Baekmuk Headline"/>
-              <a:ea typeface="Baekmuk Headline"/>
-              <a:cs typeface="Baekmuk Headline"/>
-              <a:sym typeface="Baekmuk Headline"/>
-            </a:endParaRPr>
           </a:p>
           <a:p>
             <a:pPr lvl="0" algn="ctr" defTabSz="914400">
@@ -5171,7 +5009,7 @@
             </a:cxnLst>
             <a:rect l="0" t="0" r="r" b="b"/>
             <a:pathLst>
-              <a:path w="19679" h="19679" fill="norm" stroke="1" extrusionOk="0">
+              <a:path w="19679" h="19679" extrusionOk="0">
                 <a:moveTo>
                   <a:pt x="16796" y="2882"/>
                 </a:moveTo>
@@ -5217,6 +5055,7 @@
               </a:lnSpc>
               <a:defRPr sz="1800"/>
             </a:pPr>
+            <a:endParaRPr/>
           </a:p>
         </p:txBody>
       </p:sp>
@@ -5255,6 +5094,7 @@
                 <a:sym typeface="Helvetica"/>
               </a:defRPr>
             </a:pPr>
+            <a:endParaRPr/>
           </a:p>
         </p:txBody>
       </p:sp>
@@ -5382,15 +5222,6 @@
               </a:rPr>
               <a:t>e.g. web</a:t>
             </a:r>
-            <a:endParaRPr>
-              <a:solidFill>
-                <a:srgbClr val="FF0000"/>
-              </a:solidFill>
-              <a:latin typeface="Swiss"/>
-              <a:ea typeface="Swiss"/>
-              <a:cs typeface="Swiss"/>
-              <a:sym typeface="Swiss"/>
-            </a:endParaRPr>
           </a:p>
           <a:p>
             <a:pPr lvl="0" algn="ctr" defTabSz="914400">
@@ -5463,6 +5294,7 @@
                 <a:sym typeface="Helvetica"/>
               </a:defRPr>
             </a:pPr>
+            <a:endParaRPr/>
           </a:p>
         </p:txBody>
       </p:sp>
@@ -5471,12 +5303,12 @@
   <p:clrMapOvr>
     <a:masterClrMapping/>
   </p:clrMapOvr>
-  <p:transition spd="med" advClick="1"/>
+  <p:transition spd="med"/>
 </p:sld>
 </file>
 
 <file path=ppt/slides/slide17.xml><?xml version="1.0" encoding="utf-8"?>
-<p:sld xmlns:a="http://schemas.openxmlformats.org/drawingml/2006/main" xmlns:r="http://schemas.openxmlformats.org/officeDocument/2006/relationships" xmlns:p="http://schemas.openxmlformats.org/presentationml/2006/main" showMasterSp="1" showMasterPhAnim="1">
+<p:sld xmlns:a="http://schemas.openxmlformats.org/drawingml/2006/main" xmlns:r="http://schemas.openxmlformats.org/officeDocument/2006/relationships" xmlns:p="http://schemas.openxmlformats.org/presentationml/2006/main">
   <p:cSld>
     <p:spTree>
       <p:nvGrpSpPr>
@@ -5495,7 +5327,9 @@
       <p:sp>
         <p:nvSpPr>
           <p:cNvPr id="107" name="Shape 107"/>
-          <p:cNvSpPr/>
+          <p:cNvSpPr>
+            <a:spLocks noGrp="1"/>
+          </p:cNvSpPr>
           <p:nvPr>
             <p:ph type="title" idx="4294967295"/>
           </p:nvPr>
@@ -5519,7 +5353,7 @@
         </p:spPr>
         <p:txBody>
           <a:bodyPr lIns="0" tIns="0" rIns="0" bIns="0" anchor="ctr">
-            <a:normAutofit fontScale="100000" lnSpcReduction="0"/>
+            <a:normAutofit/>
           </a:bodyPr>
           <a:lstStyle>
             <a:lvl1pPr>
@@ -5564,7 +5398,9 @@
       <p:sp>
         <p:nvSpPr>
           <p:cNvPr id="108" name="Shape 108"/>
-          <p:cNvSpPr/>
+          <p:cNvSpPr>
+            <a:spLocks noGrp="1"/>
+          </p:cNvSpPr>
           <p:nvPr>
             <p:ph type="body" idx="4294967295"/>
           </p:nvPr>
@@ -5588,7 +5424,7 @@
         </p:spPr>
         <p:txBody>
           <a:bodyPr lIns="0" tIns="0" rIns="0" bIns="0">
-            <a:normAutofit fontScale="100000" lnSpcReduction="0"/>
+            <a:normAutofit/>
           </a:bodyPr>
           <a:lstStyle/>
           <a:p>
@@ -5628,10 +5464,9 @@
               <a:rPr sz="2800"/>
               <a:t>STUB RESOLVER</a:t>
             </a:r>
-            <a:endParaRPr sz="2800"/>
-          </a:p>
-          <a:p>
-            <a:pPr lvl="1" marL="720725" indent="-263525">
+          </a:p>
+          <a:p>
+            <a:pPr marL="720725" lvl="1" indent="-263525">
               <a:lnSpc>
                 <a:spcPct val="101000"/>
               </a:lnSpc>
@@ -5666,7 +5501,6 @@
               <a:rPr sz="2400"/>
               <a:t>Takes request from application, formats it into UDP packet, sends to recursive resolver</a:t>
             </a:r>
-            <a:endParaRPr sz="2400"/>
           </a:p>
           <a:p>
             <a:pPr lvl="0">
@@ -5705,10 +5539,9 @@
               <a:rPr sz="2800"/>
               <a:t>RECURSIVE RESOLVER</a:t>
             </a:r>
-            <a:endParaRPr sz="2800"/>
-          </a:p>
-          <a:p>
-            <a:pPr lvl="1" marL="720725" indent="-263525">
+          </a:p>
+          <a:p>
+            <a:pPr marL="720725" lvl="1" indent="-263525">
               <a:lnSpc>
                 <a:spcPct val="101000"/>
               </a:lnSpc>
@@ -5743,10 +5576,9 @@
               <a:rPr sz="2400"/>
               <a:t>Returns the answer if already known</a:t>
             </a:r>
-            <a:endParaRPr sz="2400"/>
-          </a:p>
-          <a:p>
-            <a:pPr lvl="1" marL="720725" indent="-263525">
+          </a:p>
+          <a:p>
+            <a:pPr marL="720725" lvl="1" indent="-263525">
               <a:lnSpc>
                 <a:spcPct val="101000"/>
               </a:lnSpc>
@@ -5781,10 +5613,9 @@
               <a:rPr sz="2400"/>
               <a:t>Otherwise searches for an authoritative server which has the information</a:t>
             </a:r>
-            <a:endParaRPr sz="2400"/>
-          </a:p>
-          <a:p>
-            <a:pPr lvl="1" marL="720725" indent="-263525">
+          </a:p>
+          <a:p>
+            <a:pPr marL="720725" lvl="1" indent="-263525">
               <a:lnSpc>
                 <a:spcPct val="101000"/>
               </a:lnSpc>
@@ -5819,7 +5650,6 @@
               <a:rPr sz="2400"/>
               <a:t>Caches the result for future queries</a:t>
             </a:r>
-            <a:endParaRPr sz="2400"/>
           </a:p>
           <a:p>
             <a:pPr lvl="0">
@@ -5858,10 +5688,9 @@
               <a:rPr sz="2800"/>
               <a:t>AUTHORITATIVE NAMESERVER</a:t>
             </a:r>
-            <a:endParaRPr sz="2800"/>
-          </a:p>
-          <a:p>
-            <a:pPr lvl="1" marL="720725" indent="-263525">
+          </a:p>
+          <a:p>
+            <a:pPr marL="720725" lvl="1" indent="-263525">
               <a:lnSpc>
                 <a:spcPct val="101000"/>
               </a:lnSpc>
@@ -5904,12 +5733,12 @@
   <p:clrMapOvr>
     <a:masterClrMapping/>
   </p:clrMapOvr>
-  <p:transition spd="med" advClick="1"/>
+  <p:transition spd="med"/>
 </p:sld>
 </file>
 
 <file path=ppt/slides/slide18.xml><?xml version="1.0" encoding="utf-8"?>
-<p:sld xmlns:a="http://schemas.openxmlformats.org/drawingml/2006/main" xmlns:r="http://schemas.openxmlformats.org/officeDocument/2006/relationships" xmlns:p="http://schemas.openxmlformats.org/presentationml/2006/main" showMasterSp="1" showMasterPhAnim="1">
+<p:sld xmlns:a="http://schemas.openxmlformats.org/drawingml/2006/main" xmlns:r="http://schemas.openxmlformats.org/officeDocument/2006/relationships" xmlns:p="http://schemas.openxmlformats.org/presentationml/2006/main">
   <p:cSld>
     <p:spTree>
       <p:nvGrpSpPr>
@@ -5928,7 +5757,9 @@
       <p:sp>
         <p:nvSpPr>
           <p:cNvPr id="110" name="Shape 110"/>
-          <p:cNvSpPr/>
+          <p:cNvSpPr>
+            <a:spLocks noGrp="1"/>
+          </p:cNvSpPr>
           <p:nvPr>
             <p:ph type="title" idx="4294967295"/>
           </p:nvPr>
@@ -5952,7 +5783,7 @@
         </p:spPr>
         <p:txBody>
           <a:bodyPr lIns="0" tIns="0" rIns="0" bIns="0" anchor="ctr">
-            <a:normAutofit fontScale="100000" lnSpcReduction="0"/>
+            <a:normAutofit/>
           </a:bodyPr>
           <a:lstStyle>
             <a:lvl1pPr>
@@ -5997,7 +5828,9 @@
       <p:sp>
         <p:nvSpPr>
           <p:cNvPr id="111" name="Shape 111"/>
-          <p:cNvSpPr/>
+          <p:cNvSpPr>
+            <a:spLocks noGrp="1"/>
+          </p:cNvSpPr>
           <p:nvPr>
             <p:ph type="body" idx="4294967295"/>
           </p:nvPr>
@@ -6021,7 +5854,7 @@
         </p:spPr>
         <p:txBody>
           <a:bodyPr lIns="0" tIns="0" rIns="0" bIns="0">
-            <a:normAutofit fontScale="100000" lnSpcReduction="0"/>
+            <a:normAutofit/>
           </a:bodyPr>
           <a:lstStyle/>
           <a:p>
@@ -6087,7 +5920,6 @@
               <a:rPr sz="2800"/>
               <a:t>auth nameserver</a:t>
             </a:r>
-            <a:endParaRPr sz="2800"/>
           </a:p>
           <a:p>
             <a:pPr lvl="0">
@@ -6126,7 +5958,6 @@
               <a:rPr sz="2800"/>
               <a:t>It is possible to configure a single name server as both a resolver and an authoritative server</a:t>
             </a:r>
-            <a:endParaRPr sz="2800"/>
           </a:p>
           <a:p>
             <a:pPr lvl="0">
@@ -6165,7 +5996,6 @@
               <a:rPr sz="2800"/>
               <a:t>But it still performs only one role for each incoming query</a:t>
             </a:r>
-            <a:endParaRPr sz="2800"/>
           </a:p>
           <a:p>
             <a:pPr lvl="0">
@@ -6212,12 +6042,12 @@
   <p:clrMapOvr>
     <a:masterClrMapping/>
   </p:clrMapOvr>
-  <p:transition spd="med" advClick="1"/>
+  <p:transition spd="med"/>
 </p:sld>
 </file>
 
 <file path=ppt/slides/slide19.xml><?xml version="1.0" encoding="utf-8"?>
-<p:sld xmlns:a="http://schemas.openxmlformats.org/drawingml/2006/main" xmlns:r="http://schemas.openxmlformats.org/officeDocument/2006/relationships" xmlns:p="http://schemas.openxmlformats.org/presentationml/2006/main" showMasterSp="1" showMasterPhAnim="1">
+<p:sld xmlns:a="http://schemas.openxmlformats.org/drawingml/2006/main" xmlns:r="http://schemas.openxmlformats.org/officeDocument/2006/relationships" xmlns:p="http://schemas.openxmlformats.org/presentationml/2006/main">
   <p:cSld>
     <p:spTree>
       <p:nvGrpSpPr>
@@ -6236,7 +6066,9 @@
       <p:sp>
         <p:nvSpPr>
           <p:cNvPr id="113" name="Shape 113"/>
-          <p:cNvSpPr/>
+          <p:cNvSpPr>
+            <a:spLocks noGrp="1"/>
+          </p:cNvSpPr>
           <p:nvPr>
             <p:ph type="title" idx="4294967295"/>
           </p:nvPr>
@@ -6260,7 +6092,7 @@
         </p:spPr>
         <p:txBody>
           <a:bodyPr lIns="0" tIns="0" rIns="0" bIns="0" anchor="ctr">
-            <a:normAutofit fontScale="100000" lnSpcReduction="0"/>
+            <a:normAutofit/>
           </a:bodyPr>
           <a:lstStyle>
             <a:lvl1pPr defTabSz="406908">
@@ -6306,7 +6138,9 @@
       <p:sp>
         <p:nvSpPr>
           <p:cNvPr id="114" name="Shape 114"/>
-          <p:cNvSpPr/>
+          <p:cNvSpPr>
+            <a:spLocks noGrp="1"/>
+          </p:cNvSpPr>
           <p:nvPr>
             <p:ph type="body" idx="4294967295"/>
           </p:nvPr>
@@ -6330,11 +6164,11 @@
         </p:spPr>
         <p:txBody>
           <a:bodyPr lIns="0" tIns="0" rIns="0" bIns="0">
-            <a:normAutofit fontScale="100000" lnSpcReduction="0"/>
+            <a:normAutofit/>
           </a:bodyPr>
           <a:lstStyle/>
           <a:p>
-            <a:pPr lvl="0" marL="314261" indent="-314261" defTabSz="448055">
+            <a:pPr marL="314261" lvl="0" indent="-314261" defTabSz="448055">
               <a:lnSpc>
                 <a:spcPct val="96000"/>
               </a:lnSpc>
@@ -6370,10 +6204,9 @@
               <a:rPr sz="2744"/>
               <a:t>A piece of software which formats a DNS request into a DNS message, sends it to a resolver, and decodes the response when it arrives</a:t>
             </a:r>
-            <a:endParaRPr sz="2744"/>
-          </a:p>
-          <a:p>
-            <a:pPr lvl="0" marL="314261" indent="-314261" defTabSz="448055">
+          </a:p>
+          <a:p>
+            <a:pPr marL="314261" lvl="0" indent="-314261" defTabSz="448055">
               <a:lnSpc>
                 <a:spcPct val="101000"/>
               </a:lnSpc>
@@ -6409,7 +6242,7 @@
             <a:endParaRPr sz="2744"/>
           </a:p>
           <a:p>
-            <a:pPr lvl="0" marL="314261" indent="-314261" defTabSz="448055">
+            <a:pPr marL="314261" lvl="0" indent="-314261" defTabSz="448055">
               <a:lnSpc>
                 <a:spcPct val="101000"/>
               </a:lnSpc>
@@ -6445,10 +6278,9 @@
               <a:rPr sz="2744"/>
               <a:t>Usually a shared library (e.g. libresolv.so under Unix) because so many applications need it</a:t>
             </a:r>
-            <a:endParaRPr sz="2744"/>
-          </a:p>
-          <a:p>
-            <a:pPr lvl="0" marL="314261" indent="-314261" defTabSz="448055">
+          </a:p>
+          <a:p>
+            <a:pPr marL="314261" lvl="0" indent="-314261" defTabSz="448055">
               <a:lnSpc>
                 <a:spcPct val="101000"/>
               </a:lnSpc>
@@ -6484,7 +6316,7 @@
             <a:endParaRPr sz="2744"/>
           </a:p>
           <a:p>
-            <a:pPr lvl="0" marL="314261" indent="-314261" defTabSz="448055">
+            <a:pPr marL="314261" lvl="0" indent="-314261" defTabSz="448055">
               <a:lnSpc>
                 <a:spcPct val="101000"/>
               </a:lnSpc>
@@ -6528,12 +6360,12 @@
   <p:clrMapOvr>
     <a:masterClrMapping/>
   </p:clrMapOvr>
-  <p:transition spd="med" advClick="1"/>
+  <p:transition spd="med"/>
 </p:sld>
 </file>
 
 <file path=ppt/slides/slide2.xml><?xml version="1.0" encoding="utf-8"?>
-<p:sld xmlns:a="http://schemas.openxmlformats.org/drawingml/2006/main" xmlns:r="http://schemas.openxmlformats.org/officeDocument/2006/relationships" xmlns:p="http://schemas.openxmlformats.org/presentationml/2006/main" showMasterSp="1" showMasterPhAnim="1">
+<p:sld xmlns:a="http://schemas.openxmlformats.org/drawingml/2006/main" xmlns:r="http://schemas.openxmlformats.org/officeDocument/2006/relationships" xmlns:p="http://schemas.openxmlformats.org/presentationml/2006/main">
   <p:cSld>
     <p:spTree>
       <p:nvGrpSpPr>
@@ -6552,7 +6384,9 @@
       <p:sp>
         <p:nvSpPr>
           <p:cNvPr id="12" name="Shape 12"/>
-          <p:cNvSpPr/>
+          <p:cNvSpPr>
+            <a:spLocks noGrp="1"/>
+          </p:cNvSpPr>
           <p:nvPr>
             <p:ph type="title" idx="4294967295"/>
           </p:nvPr>
@@ -6576,7 +6410,7 @@
         </p:spPr>
         <p:txBody>
           <a:bodyPr lIns="0" tIns="0" rIns="0" bIns="0" anchor="ctr">
-            <a:normAutofit fontScale="100000" lnSpcReduction="0"/>
+            <a:normAutofit/>
           </a:bodyPr>
           <a:lstStyle/>
           <a:p>
@@ -6625,7 +6459,9 @@
       <p:sp>
         <p:nvSpPr>
           <p:cNvPr id="13" name="Shape 13"/>
-          <p:cNvSpPr/>
+          <p:cNvSpPr>
+            <a:spLocks noGrp="1"/>
+          </p:cNvSpPr>
           <p:nvPr>
             <p:ph type="body" idx="4294967295"/>
           </p:nvPr>
@@ -6649,7 +6485,7 @@
         </p:spPr>
         <p:txBody>
           <a:bodyPr lIns="0" tIns="0" rIns="0" bIns="0">
-            <a:normAutofit fontScale="100000" lnSpcReduction="0"/>
+            <a:normAutofit/>
           </a:bodyPr>
           <a:lstStyle/>
           <a:p>
@@ -6689,7 +6525,6 @@
               <a:rPr sz="2800"/>
               <a:t>Names are easier for people to remember</a:t>
             </a:r>
-            <a:endParaRPr sz="2800"/>
           </a:p>
           <a:p>
             <a:pPr lvl="0">
@@ -6764,7 +6599,6 @@
               <a:rPr sz="2800"/>
               <a:t>Computers may be moved between networks, in which case their IP addresses will change.</a:t>
             </a:r>
-            <a:endParaRPr sz="2800"/>
           </a:p>
           <a:p>
             <a:pPr lvl="0">
@@ -6846,12 +6680,12 @@
   <p:clrMapOvr>
     <a:masterClrMapping/>
   </p:clrMapOvr>
-  <p:transition spd="med" advClick="1"/>
+  <p:transition spd="med"/>
 </p:sld>
 </file>
 
 <file path=ppt/slides/slide20.xml><?xml version="1.0" encoding="utf-8"?>
-<p:sld xmlns:a="http://schemas.openxmlformats.org/drawingml/2006/main" xmlns:r="http://schemas.openxmlformats.org/officeDocument/2006/relationships" xmlns:p="http://schemas.openxmlformats.org/presentationml/2006/main" showMasterSp="1" showMasterPhAnim="1">
+<p:sld xmlns:a="http://schemas.openxmlformats.org/drawingml/2006/main" xmlns:r="http://schemas.openxmlformats.org/officeDocument/2006/relationships" xmlns:p="http://schemas.openxmlformats.org/presentationml/2006/main">
   <p:cSld>
     <p:spTree>
       <p:nvGrpSpPr>
@@ -6870,7 +6704,9 @@
       <p:sp>
         <p:nvSpPr>
           <p:cNvPr id="116" name="Shape 116"/>
-          <p:cNvSpPr/>
+          <p:cNvSpPr>
+            <a:spLocks noGrp="1"/>
+          </p:cNvSpPr>
           <p:nvPr>
             <p:ph type="title" idx="4294967295"/>
           </p:nvPr>
@@ -6894,7 +6730,7 @@
         </p:spPr>
         <p:txBody>
           <a:bodyPr lIns="0" tIns="0" rIns="0" bIns="0" anchor="ctr">
-            <a:normAutofit fontScale="100000" lnSpcReduction="0"/>
+            <a:normAutofit/>
           </a:bodyPr>
           <a:lstStyle>
             <a:lvl1pPr defTabSz="434340">
@@ -6940,7 +6776,9 @@
       <p:sp>
         <p:nvSpPr>
           <p:cNvPr id="117" name="Shape 117"/>
-          <p:cNvSpPr/>
+          <p:cNvSpPr>
+            <a:spLocks noGrp="1"/>
+          </p:cNvSpPr>
           <p:nvPr>
             <p:ph type="body" idx="4294967295"/>
           </p:nvPr>
@@ -6964,7 +6802,7 @@
         </p:spPr>
         <p:txBody>
           <a:bodyPr lIns="0" tIns="0" rIns="0" bIns="0">
-            <a:normAutofit fontScale="100000" lnSpcReduction="0"/>
+            <a:normAutofit/>
           </a:bodyPr>
           <a:lstStyle/>
           <a:p>
@@ -7004,7 +6842,6 @@
               <a:rPr sz="2800"/>
               <a:t>It has to be explicitly configured (statically, or via DHCP etc)</a:t>
             </a:r>
-            <a:endParaRPr sz="2800"/>
           </a:p>
           <a:p>
             <a:pPr lvl="0">
@@ -7079,7 +6916,6 @@
               <a:rPr sz="2800"/>
               <a:t>Must be configured with the IP ADDRESS of a cache (why not name?)</a:t>
             </a:r>
-            <a:endParaRPr sz="2800"/>
           </a:p>
           <a:p>
             <a:pPr lvl="0">
@@ -7162,12 +6998,12 @@
   <p:clrMapOvr>
     <a:masterClrMapping/>
   </p:clrMapOvr>
-  <p:transition spd="med" advClick="1"/>
+  <p:transition spd="med"/>
 </p:sld>
 </file>
 
 <file path=ppt/slides/slide21.xml><?xml version="1.0" encoding="utf-8"?>
-<p:sld xmlns:a="http://schemas.openxmlformats.org/drawingml/2006/main" xmlns:r="http://schemas.openxmlformats.org/officeDocument/2006/relationships" xmlns:p="http://schemas.openxmlformats.org/presentationml/2006/main" showMasterSp="1" showMasterPhAnim="1">
+<p:sld xmlns:a="http://schemas.openxmlformats.org/drawingml/2006/main" xmlns:r="http://schemas.openxmlformats.org/officeDocument/2006/relationships" xmlns:p="http://schemas.openxmlformats.org/presentationml/2006/main">
   <p:cSld>
     <p:spTree>
       <p:nvGrpSpPr>
@@ -7186,7 +7022,9 @@
       <p:sp>
         <p:nvSpPr>
           <p:cNvPr id="119" name="Shape 119"/>
-          <p:cNvSpPr/>
+          <p:cNvSpPr>
+            <a:spLocks noGrp="1"/>
+          </p:cNvSpPr>
           <p:nvPr>
             <p:ph type="title" idx="4294967295"/>
           </p:nvPr>
@@ -7210,7 +7048,7 @@
         </p:spPr>
         <p:txBody>
           <a:bodyPr lIns="0" tIns="0" rIns="0" bIns="0" anchor="ctr">
-            <a:normAutofit fontScale="100000" lnSpcReduction="0"/>
+            <a:normAutofit/>
           </a:bodyPr>
           <a:lstStyle>
             <a:lvl1pPr defTabSz="434340">
@@ -7256,7 +7094,9 @@
       <p:sp>
         <p:nvSpPr>
           <p:cNvPr id="120" name="Shape 120"/>
-          <p:cNvSpPr/>
+          <p:cNvSpPr>
+            <a:spLocks noGrp="1"/>
+          </p:cNvSpPr>
           <p:nvPr>
             <p:ph type="body" idx="4294967295"/>
           </p:nvPr>
@@ -7280,7 +7120,7 @@
         </p:spPr>
         <p:txBody>
           <a:bodyPr lIns="0" tIns="0" rIns="0" bIns="0">
-            <a:normAutofit fontScale="100000" lnSpcReduction="0"/>
+            <a:normAutofit/>
           </a:bodyPr>
           <a:lstStyle/>
           <a:p>
@@ -7320,10 +7160,9 @@
               <a:rPr sz="2800"/>
               <a:t>Must have PERMISSION to use it</a:t>
             </a:r>
-            <a:endParaRPr sz="2800"/>
-          </a:p>
-          <a:p>
-            <a:pPr lvl="1" marL="720725" indent="-263525">
+          </a:p>
+          <a:p>
+            <a:pPr marL="720725" lvl="1" indent="-263525">
               <a:lnSpc>
                 <a:spcPct val="101000"/>
               </a:lnSpc>
@@ -7358,7 +7197,6 @@
               <a:rPr sz="2400"/>
               <a:t>e.g. cache at your ISP, or your own, or a reliably public one</a:t>
             </a:r>
-            <a:endParaRPr sz="2400"/>
           </a:p>
           <a:p>
             <a:pPr lvl="0">
@@ -7397,10 +7235,9 @@
               <a:rPr sz="2800"/>
               <a:t>Prefer a nearby cache</a:t>
             </a:r>
-            <a:endParaRPr sz="2800"/>
-          </a:p>
-          <a:p>
-            <a:pPr lvl="1" marL="720725" indent="-263525">
+          </a:p>
+          <a:p>
+            <a:pPr marL="720725" lvl="1" indent="-263525">
               <a:lnSpc>
                 <a:spcPct val="101000"/>
               </a:lnSpc>
@@ -7435,10 +7272,9 @@
               <a:rPr sz="2400"/>
               <a:t>Minimises round-trip time and packet loss</a:t>
             </a:r>
-            <a:endParaRPr sz="2400"/>
-          </a:p>
-          <a:p>
-            <a:pPr lvl="1" marL="720725" indent="-263525">
+          </a:p>
+          <a:p>
+            <a:pPr marL="720725" lvl="1" indent="-263525">
               <a:lnSpc>
                 <a:spcPct val="101000"/>
               </a:lnSpc>
@@ -7473,7 +7309,6 @@
               <a:rPr sz="2400"/>
               <a:t>Can reduce traffic on your external link, since often the cache can answer without contacting other servers</a:t>
             </a:r>
-            <a:endParaRPr sz="2400"/>
           </a:p>
           <a:p>
             <a:pPr lvl="0">
@@ -7512,10 +7347,9 @@
               <a:rPr sz="2800"/>
               <a:t>Prefer a reliable cache</a:t>
             </a:r>
-            <a:endParaRPr sz="2800"/>
-          </a:p>
-          <a:p>
-            <a:pPr lvl="1" marL="720725" indent="-263525">
+          </a:p>
+          <a:p>
+            <a:pPr marL="720725" lvl="1" indent="-263525">
               <a:lnSpc>
                 <a:spcPct val="101000"/>
               </a:lnSpc>
@@ -7558,12 +7392,12 @@
   <p:clrMapOvr>
     <a:masterClrMapping/>
   </p:clrMapOvr>
-  <p:transition spd="med" advClick="1"/>
+  <p:transition spd="med"/>
 </p:sld>
 </file>
 
 <file path=ppt/slides/slide22.xml><?xml version="1.0" encoding="utf-8"?>
-<p:sld xmlns:a="http://schemas.openxmlformats.org/drawingml/2006/main" xmlns:r="http://schemas.openxmlformats.org/officeDocument/2006/relationships" xmlns:p="http://schemas.openxmlformats.org/presentationml/2006/main" showMasterSp="1" showMasterPhAnim="1">
+<p:sld xmlns:a="http://schemas.openxmlformats.org/drawingml/2006/main" xmlns:r="http://schemas.openxmlformats.org/officeDocument/2006/relationships" xmlns:p="http://schemas.openxmlformats.org/presentationml/2006/main">
   <p:cSld>
     <p:spTree>
       <p:nvGrpSpPr>
@@ -7582,7 +7416,9 @@
       <p:sp>
         <p:nvSpPr>
           <p:cNvPr id="122" name="Shape 122"/>
-          <p:cNvSpPr/>
+          <p:cNvSpPr>
+            <a:spLocks noGrp="1"/>
+          </p:cNvSpPr>
           <p:nvPr>
             <p:ph type="title" idx="4294967295"/>
           </p:nvPr>
@@ -7606,7 +7442,7 @@
         </p:spPr>
         <p:txBody>
           <a:bodyPr lIns="0" tIns="0" rIns="0" bIns="0" anchor="ctr">
-            <a:normAutofit fontScale="100000" lnSpcReduction="0"/>
+            <a:normAutofit/>
           </a:bodyPr>
           <a:lstStyle>
             <a:lvl1pPr defTabSz="434340">
@@ -7652,7 +7488,9 @@
       <p:sp>
         <p:nvSpPr>
           <p:cNvPr id="123" name="Shape 123"/>
-          <p:cNvSpPr/>
+          <p:cNvSpPr>
+            <a:spLocks noGrp="1"/>
+          </p:cNvSpPr>
           <p:nvPr>
             <p:ph type="body" idx="4294967295"/>
           </p:nvPr>
@@ -7676,7 +7514,7 @@
         </p:spPr>
         <p:txBody>
           <a:bodyPr lIns="0" tIns="0" rIns="0" bIns="0">
-            <a:normAutofit fontScale="100000" lnSpcReduction="0"/>
+            <a:normAutofit/>
           </a:bodyPr>
           <a:lstStyle/>
           <a:p>
@@ -7716,7 +7554,6 @@
               <a:rPr sz="2800"/>
               <a:t>If "foo.bar" fails, then retry query as "foo.bar.mydomain.com"</a:t>
             </a:r>
-            <a:endParaRPr sz="2800"/>
           </a:p>
           <a:p>
             <a:pPr lvl="0">
@@ -7755,7 +7592,6 @@
               <a:rPr sz="2800"/>
               <a:t>Can save typing but adds confusion</a:t>
             </a:r>
-            <a:endParaRPr sz="2800"/>
           </a:p>
           <a:p>
             <a:pPr lvl="0">
@@ -7794,7 +7630,6 @@
               <a:rPr sz="2800"/>
               <a:t>May generate extra unnecessary traffic</a:t>
             </a:r>
-            <a:endParaRPr sz="2800"/>
           </a:p>
           <a:p>
             <a:pPr lvl="0">
@@ -7841,12 +7676,12 @@
   <p:clrMapOvr>
     <a:masterClrMapping/>
   </p:clrMapOvr>
-  <p:transition spd="med" advClick="1"/>
+  <p:transition spd="med"/>
 </p:sld>
 </file>
 
 <file path=ppt/slides/slide23.xml><?xml version="1.0" encoding="utf-8"?>
-<p:sld xmlns:a="http://schemas.openxmlformats.org/drawingml/2006/main" xmlns:r="http://schemas.openxmlformats.org/officeDocument/2006/relationships" xmlns:p="http://schemas.openxmlformats.org/presentationml/2006/main" showMasterSp="1" showMasterPhAnim="1">
+<p:sld xmlns:a="http://schemas.openxmlformats.org/drawingml/2006/main" xmlns:r="http://schemas.openxmlformats.org/officeDocument/2006/relationships" xmlns:p="http://schemas.openxmlformats.org/presentationml/2006/main">
   <p:cSld>
     <p:spTree>
       <p:nvGrpSpPr>
@@ -7865,7 +7700,9 @@
       <p:sp>
         <p:nvSpPr>
           <p:cNvPr id="125" name="Shape 125"/>
-          <p:cNvSpPr/>
+          <p:cNvSpPr>
+            <a:spLocks noGrp="1"/>
+          </p:cNvSpPr>
           <p:nvPr>
             <p:ph type="title" idx="4294967295"/>
           </p:nvPr>
@@ -7889,7 +7726,7 @@
         </p:spPr>
         <p:txBody>
           <a:bodyPr lIns="0" tIns="0" rIns="0" bIns="0" anchor="ctr">
-            <a:normAutofit fontScale="100000" lnSpcReduction="0"/>
+            <a:normAutofit/>
           </a:bodyPr>
           <a:lstStyle>
             <a:lvl1pPr defTabSz="443484">
@@ -7935,7 +7772,9 @@
       <p:sp>
         <p:nvSpPr>
           <p:cNvPr id="126" name="Shape 126"/>
-          <p:cNvSpPr/>
+          <p:cNvSpPr>
+            <a:spLocks noGrp="1"/>
+          </p:cNvSpPr>
           <p:nvPr>
             <p:ph type="body" idx="4294967295"/>
           </p:nvPr>
@@ -7959,11 +7798,11 @@
         </p:spPr>
         <p:txBody>
           <a:bodyPr lIns="0" tIns="0" rIns="0" bIns="0">
-            <a:normAutofit fontScale="100000" lnSpcReduction="0"/>
+            <a:normAutofit/>
           </a:bodyPr>
           <a:lstStyle/>
           <a:p>
-            <a:pPr lvl="0" marL="323850" indent="-323850">
+            <a:pPr marL="323850" lvl="0" indent="-323850">
               <a:lnSpc>
                 <a:spcPct val="96000"/>
               </a:lnSpc>
@@ -7997,10 +7836,9 @@
               <a:rPr sz="2800"/>
               <a:t>/etc/resolv.conf</a:t>
             </a:r>
-            <a:endParaRPr sz="2800"/>
-          </a:p>
-          <a:p>
-            <a:pPr lvl="0" marL="323850" indent="-323850">
+          </a:p>
+          <a:p>
+            <a:pPr marL="323850" lvl="0" indent="-323850">
               <a:lnSpc>
                 <a:spcPct val="101000"/>
               </a:lnSpc>
@@ -8033,7 +7871,7 @@
             <a:endParaRPr sz="2800"/>
           </a:p>
           <a:p>
-            <a:pPr lvl="0" marL="323850" indent="-323850">
+            <a:pPr marL="323850" lvl="0" indent="-323850">
               <a:lnSpc>
                 <a:spcPct val="91000"/>
               </a:lnSpc>
@@ -8064,7 +7902,7 @@
               <a:defRPr sz="1800"/>
             </a:pPr>
             <a:r>
-              <a:rPr b="1" i="1" sz="2800">
+              <a:rPr sz="2800" b="1" i="1">
                 <a:latin typeface="Courier New"/>
                 <a:ea typeface="Courier New"/>
                 <a:cs typeface="Courier New"/>
@@ -8072,15 +7910,9 @@
               </a:rPr>
               <a:t>search sse.ws.afnog.org</a:t>
             </a:r>
-            <a:endParaRPr b="1" i="1" sz="2800">
-              <a:latin typeface="Courier New"/>
-              <a:ea typeface="Courier New"/>
-              <a:cs typeface="Courier New"/>
-              <a:sym typeface="Courier New"/>
-            </a:endParaRPr>
-          </a:p>
-          <a:p>
-            <a:pPr lvl="0" marL="323850" indent="-323850">
+          </a:p>
+          <a:p>
+            <a:pPr marL="323850" lvl="0" indent="-323850">
               <a:lnSpc>
                 <a:spcPct val="91000"/>
               </a:lnSpc>
@@ -8111,7 +7943,7 @@
               <a:defRPr sz="1800"/>
             </a:pPr>
             <a:r>
-              <a:rPr b="1" i="1" sz="2800">
+              <a:rPr sz="2800" b="1" i="1">
                 <a:latin typeface="Courier New"/>
                 <a:ea typeface="Courier New"/>
                 <a:cs typeface="Courier New"/>
@@ -8119,15 +7951,9 @@
               </a:rPr>
               <a:t>nameserver 196.200.219.200</a:t>
             </a:r>
-            <a:endParaRPr b="1" i="1" sz="2800">
-              <a:latin typeface="Courier New"/>
-              <a:ea typeface="Courier New"/>
-              <a:cs typeface="Courier New"/>
-              <a:sym typeface="Courier New"/>
-            </a:endParaRPr>
-          </a:p>
-          <a:p>
-            <a:pPr lvl="0" marL="323850" indent="-323850">
+          </a:p>
+          <a:p>
+            <a:pPr marL="323850" lvl="0" indent="-323850">
               <a:lnSpc>
                 <a:spcPct val="91000"/>
               </a:lnSpc>
@@ -8158,7 +7984,7 @@
               <a:defRPr sz="1800"/>
             </a:pPr>
             <a:r>
-              <a:rPr b="1" i="1" sz="2800">
+              <a:rPr sz="2800" b="1" i="1">
                 <a:latin typeface="Courier New"/>
                 <a:ea typeface="Courier New"/>
                 <a:cs typeface="Courier New"/>
@@ -8166,15 +7992,9 @@
               </a:rPr>
               <a:t>nameserver 196.200.223.1</a:t>
             </a:r>
-            <a:endParaRPr b="1" i="1" sz="2800">
-              <a:latin typeface="Courier New"/>
-              <a:ea typeface="Courier New"/>
-              <a:cs typeface="Courier New"/>
-              <a:sym typeface="Courier New"/>
-            </a:endParaRPr>
-          </a:p>
-          <a:p>
-            <a:pPr lvl="0" marL="323850" indent="-323850">
+          </a:p>
+          <a:p>
+            <a:pPr marL="323850" lvl="0" indent="-323850">
               <a:lnSpc>
                 <a:spcPct val="91000"/>
               </a:lnSpc>
@@ -8204,7 +8024,7 @@
               </a:tabLst>
               <a:defRPr sz="1800"/>
             </a:pPr>
-            <a:endParaRPr b="1" i="1" sz="2800">
+            <a:endParaRPr sz="2800" b="1" i="1">
               <a:latin typeface="Courier New"/>
               <a:ea typeface="Courier New"/>
               <a:cs typeface="Courier New"/>
@@ -8212,7 +8032,7 @@
             </a:endParaRPr>
           </a:p>
           <a:p>
-            <a:pPr lvl="0" marL="323850" indent="-323850">
+            <a:pPr marL="323850" lvl="0" indent="-323850">
               <a:lnSpc>
                 <a:spcPct val="101000"/>
               </a:lnSpc>
@@ -8243,7 +8063,7 @@
               <a:defRPr sz="1800"/>
             </a:pPr>
             <a:r>
-              <a:rPr b="1" i="1" sz="2800">
+              <a:rPr sz="2800" b="1" i="1">
                 <a:solidFill>
                   <a:srgbClr val="FF0000"/>
                 </a:solidFill>
@@ -8262,12 +8082,12 @@
   <p:clrMapOvr>
     <a:masterClrMapping/>
   </p:clrMapOvr>
-  <p:transition spd="med" advClick="1"/>
+  <p:transition spd="med"/>
 </p:sld>
 </file>
 
 <file path=ppt/slides/slide24.xml><?xml version="1.0" encoding="utf-8"?>
-<p:sld xmlns:a="http://schemas.openxmlformats.org/drawingml/2006/main" xmlns:r="http://schemas.openxmlformats.org/officeDocument/2006/relationships" xmlns:p="http://schemas.openxmlformats.org/presentationml/2006/main" showMasterSp="1" showMasterPhAnim="1">
+<p:sld xmlns:a="http://schemas.openxmlformats.org/drawingml/2006/main" xmlns:r="http://schemas.openxmlformats.org/officeDocument/2006/relationships" xmlns:p="http://schemas.openxmlformats.org/presentationml/2006/main">
   <p:cSld>
     <p:spTree>
       <p:nvGrpSpPr>
@@ -8286,7 +8106,9 @@
       <p:sp>
         <p:nvSpPr>
           <p:cNvPr id="128" name="Shape 128"/>
-          <p:cNvSpPr/>
+          <p:cNvSpPr>
+            <a:spLocks noGrp="1"/>
+          </p:cNvSpPr>
           <p:nvPr>
             <p:ph type="title" idx="4294967295"/>
           </p:nvPr>
@@ -8310,7 +8132,7 @@
         </p:spPr>
         <p:txBody>
           <a:bodyPr lIns="0" tIns="0" rIns="0" bIns="0" anchor="ctr">
-            <a:normAutofit fontScale="100000" lnSpcReduction="0"/>
+            <a:normAutofit/>
           </a:bodyPr>
           <a:lstStyle>
             <a:lvl1pPr>
@@ -8355,7 +8177,9 @@
       <p:sp>
         <p:nvSpPr>
           <p:cNvPr id="129" name="Shape 129"/>
-          <p:cNvSpPr/>
+          <p:cNvSpPr>
+            <a:spLocks noGrp="1"/>
+          </p:cNvSpPr>
           <p:nvPr>
             <p:ph type="body" idx="4294967295"/>
           </p:nvPr>
@@ -8379,7 +8203,7 @@
         </p:spPr>
         <p:txBody>
           <a:bodyPr lIns="0" tIns="0" rIns="0" bIns="0">
-            <a:normAutofit fontScale="100000" lnSpcReduction="0"/>
+            <a:normAutofit/>
           </a:bodyPr>
           <a:lstStyle/>
           <a:p>
@@ -8419,7 +8243,6 @@
               <a:rPr sz="2800"/>
               <a:t>Just put "www.yahoo.com" in a web browser?</a:t>
             </a:r>
-            <a:endParaRPr sz="2800"/>
           </a:p>
           <a:p>
             <a:pPr lvl="0">
@@ -8466,12 +8289,12 @@
   <p:clrMapOvr>
     <a:masterClrMapping/>
   </p:clrMapOvr>
-  <p:transition spd="med" advClick="1"/>
+  <p:transition spd="med"/>
 </p:sld>
 </file>
 
 <file path=ppt/slides/slide25.xml><?xml version="1.0" encoding="utf-8"?>
-<p:sld xmlns:a="http://schemas.openxmlformats.org/drawingml/2006/main" xmlns:r="http://schemas.openxmlformats.org/officeDocument/2006/relationships" xmlns:p="http://schemas.openxmlformats.org/presentationml/2006/main" showMasterSp="1" showMasterPhAnim="1">
+<p:sld xmlns:a="http://schemas.openxmlformats.org/drawingml/2006/main" xmlns:r="http://schemas.openxmlformats.org/officeDocument/2006/relationships" xmlns:p="http://schemas.openxmlformats.org/presentationml/2006/main">
   <p:cSld>
     <p:spTree>
       <p:nvGrpSpPr>
@@ -8490,7 +8313,9 @@
       <p:sp>
         <p:nvSpPr>
           <p:cNvPr id="131" name="Shape 131"/>
-          <p:cNvSpPr/>
+          <p:cNvSpPr>
+            <a:spLocks noGrp="1"/>
+          </p:cNvSpPr>
           <p:nvPr>
             <p:ph type="title" idx="4294967295"/>
           </p:nvPr>
@@ -8514,7 +8339,7 @@
         </p:spPr>
         <p:txBody>
           <a:bodyPr lIns="0" tIns="0" rIns="0" bIns="0" anchor="ctr">
-            <a:normAutofit fontScale="100000" lnSpcReduction="0"/>
+            <a:normAutofit/>
           </a:bodyPr>
           <a:lstStyle>
             <a:lvl1pPr>
@@ -8559,7 +8384,9 @@
       <p:sp>
         <p:nvSpPr>
           <p:cNvPr id="132" name="Shape 132"/>
-          <p:cNvSpPr/>
+          <p:cNvSpPr>
+            <a:spLocks noGrp="1"/>
+          </p:cNvSpPr>
           <p:nvPr>
             <p:ph type="body" idx="4294967295"/>
           </p:nvPr>
@@ -8583,7 +8410,7 @@
         </p:spPr>
         <p:txBody>
           <a:bodyPr lIns="0" tIns="0" rIns="0" bIns="0">
-            <a:normAutofit fontScale="100000" lnSpcReduction="0"/>
+            <a:normAutofit/>
           </a:bodyPr>
           <a:lstStyle/>
           <a:p>
@@ -8623,7 +8450,6 @@
               <a:rPr sz="2800"/>
               <a:t>"dig" is a program which just makes DNS queries and displays the results</a:t>
             </a:r>
-            <a:endParaRPr sz="2800"/>
           </a:p>
           <a:p>
             <a:pPr lvl="0">
@@ -8662,7 +8488,6 @@
               <a:rPr sz="2800"/>
               <a:t>Better than "nslookup", "host" because it shows the raw information in full</a:t>
             </a:r>
-            <a:endParaRPr sz="2800"/>
           </a:p>
           <a:p>
             <a:pPr lvl="0">
@@ -8699,7 +8524,7 @@
               <a:defRPr sz="1800"/>
             </a:pPr>
             <a:r>
-              <a:rPr b="1" i="1" sz="2200">
+              <a:rPr sz="2200" b="1" i="1">
                 <a:latin typeface="Courier New"/>
                 <a:ea typeface="Courier New"/>
                 <a:cs typeface="Courier New"/>
@@ -8707,12 +8532,6 @@
               </a:rPr>
               <a:t>dig ws.afnog.org.</a:t>
             </a:r>
-            <a:endParaRPr b="1" i="1" sz="2200">
-              <a:latin typeface="Courier New"/>
-              <a:ea typeface="Courier New"/>
-              <a:cs typeface="Courier New"/>
-              <a:sym typeface="Courier New"/>
-            </a:endParaRPr>
           </a:p>
           <a:p>
             <a:pPr lvl="0">
@@ -8755,7 +8574,7 @@
               <a:t>  </a:t>
             </a:r>
             <a:r>
-              <a:rPr b="1" sz="2200">
+              <a:rPr sz="2200" b="1">
                 <a:solidFill>
                   <a:srgbClr val="FF3333"/>
                 </a:solidFill>
@@ -8766,15 +8585,6 @@
               </a:rPr>
               <a:t>-- defaults to query type "A"</a:t>
             </a:r>
-            <a:endParaRPr b="1" sz="2200">
-              <a:solidFill>
-                <a:srgbClr val="FF3333"/>
-              </a:solidFill>
-              <a:latin typeface="Courier New"/>
-              <a:ea typeface="Courier New"/>
-              <a:cs typeface="Courier New"/>
-              <a:sym typeface="Courier New"/>
-            </a:endParaRPr>
           </a:p>
           <a:p>
             <a:pPr lvl="0">
@@ -8808,7 +8618,7 @@
               <a:defRPr sz="1800"/>
             </a:pPr>
             <a:r>
-              <a:rPr b="1" i="1" sz="2200">
+              <a:rPr sz="2200" b="1" i="1">
                 <a:latin typeface="Courier New"/>
                 <a:ea typeface="Courier New"/>
                 <a:cs typeface="Courier New"/>
@@ -8816,12 +8626,6 @@
               </a:rPr>
               <a:t>dig afnog.org. mx</a:t>
             </a:r>
-            <a:endParaRPr b="1" i="1" sz="2200">
-              <a:latin typeface="Courier New"/>
-              <a:ea typeface="Courier New"/>
-              <a:cs typeface="Courier New"/>
-              <a:sym typeface="Courier New"/>
-            </a:endParaRPr>
           </a:p>
           <a:p>
             <a:pPr lvl="0">
@@ -8864,7 +8668,7 @@
               <a:t>  </a:t>
             </a:r>
             <a:r>
-              <a:rPr b="1" sz="2200">
+              <a:rPr sz="2200" b="1">
                 <a:solidFill>
                   <a:srgbClr val="FF3333"/>
                 </a:solidFill>
@@ -8875,15 +8679,6 @@
               </a:rPr>
               <a:t>-- specified query type</a:t>
             </a:r>
-            <a:endParaRPr b="1" sz="2200">
-              <a:solidFill>
-                <a:srgbClr val="FF3333"/>
-              </a:solidFill>
-              <a:latin typeface="Courier New"/>
-              <a:ea typeface="Courier New"/>
-              <a:cs typeface="Courier New"/>
-              <a:sym typeface="Courier New"/>
-            </a:endParaRPr>
           </a:p>
           <a:p>
             <a:pPr lvl="0">
@@ -8917,7 +8712,7 @@
               <a:defRPr sz="1800"/>
             </a:pPr>
             <a:r>
-              <a:rPr b="1" i="1" sz="2200">
+              <a:rPr sz="2200" b="1" i="1">
                 <a:latin typeface="Courier New"/>
                 <a:ea typeface="Courier New"/>
                 <a:cs typeface="Courier New"/>
@@ -8925,12 +8720,6 @@
               </a:rPr>
               <a:t>dig @196.200.223.1 afnog.org. mx</a:t>
             </a:r>
-            <a:endParaRPr b="1" i="1" sz="2200">
-              <a:latin typeface="Courier New"/>
-              <a:ea typeface="Courier New"/>
-              <a:cs typeface="Courier New"/>
-              <a:sym typeface="Courier New"/>
-            </a:endParaRPr>
           </a:p>
           <a:p>
             <a:pPr lvl="0">
@@ -8973,7 +8762,7 @@
               <a:t>  </a:t>
             </a:r>
             <a:r>
-              <a:rPr b="1" sz="2200">
+              <a:rPr sz="2200" b="1">
                 <a:solidFill>
                   <a:srgbClr val="FF3333"/>
                 </a:solidFill>
@@ -8984,15 +8773,6 @@
               </a:rPr>
               <a:t>-- send to particular cache (overrides</a:t>
             </a:r>
-            <a:endParaRPr b="1" sz="2200">
-              <a:solidFill>
-                <a:srgbClr val="FF3333"/>
-              </a:solidFill>
-              <a:latin typeface="Courier New"/>
-              <a:ea typeface="Courier New"/>
-              <a:cs typeface="Courier New"/>
-              <a:sym typeface="Courier New"/>
-            </a:endParaRPr>
           </a:p>
           <a:p>
             <a:pPr lvl="0">
@@ -9026,7 +8806,7 @@
               <a:defRPr sz="1800"/>
             </a:pPr>
             <a:r>
-              <a:rPr b="1" sz="2200">
+              <a:rPr sz="2200" b="1">
                 <a:solidFill>
                   <a:srgbClr val="FF3333"/>
                 </a:solidFill>
@@ -9045,12 +8825,12 @@
   <p:clrMapOvr>
     <a:masterClrMapping/>
   </p:clrMapOvr>
-  <p:transition spd="med" advClick="1"/>
+  <p:transition spd="med"/>
 </p:sld>
 </file>
 
 <file path=ppt/slides/slide26.xml><?xml version="1.0" encoding="utf-8"?>
-<p:sld xmlns:a="http://schemas.openxmlformats.org/drawingml/2006/main" xmlns:r="http://schemas.openxmlformats.org/officeDocument/2006/relationships" xmlns:p="http://schemas.openxmlformats.org/presentationml/2006/main" showMasterSp="1" showMasterPhAnim="1">
+<p:sld xmlns:a="http://schemas.openxmlformats.org/drawingml/2006/main" xmlns:r="http://schemas.openxmlformats.org/officeDocument/2006/relationships" xmlns:p="http://schemas.openxmlformats.org/presentationml/2006/main">
   <p:cSld>
     <p:spTree>
       <p:nvGrpSpPr>
@@ -9069,7 +8849,9 @@
       <p:sp>
         <p:nvSpPr>
           <p:cNvPr id="134" name="Shape 134"/>
-          <p:cNvSpPr/>
+          <p:cNvSpPr>
+            <a:spLocks noGrp="1"/>
+          </p:cNvSpPr>
           <p:nvPr>
             <p:ph type="title" idx="4294967295"/>
           </p:nvPr>
@@ -9093,7 +8875,7 @@
         </p:spPr>
         <p:txBody>
           <a:bodyPr lIns="0" tIns="0" rIns="0" bIns="0" anchor="ctr">
-            <a:normAutofit fontScale="100000" lnSpcReduction="0"/>
+            <a:normAutofit/>
           </a:bodyPr>
           <a:lstStyle>
             <a:lvl1pPr>
@@ -9138,7 +8920,9 @@
       <p:sp>
         <p:nvSpPr>
           <p:cNvPr id="135" name="Shape 135"/>
-          <p:cNvSpPr/>
+          <p:cNvSpPr>
+            <a:spLocks noGrp="1"/>
+          </p:cNvSpPr>
           <p:nvPr>
             <p:ph type="body" idx="4294967295"/>
           </p:nvPr>
@@ -9162,11 +8946,11 @@
         </p:spPr>
         <p:txBody>
           <a:bodyPr lIns="0" tIns="0" rIns="0" bIns="0">
-            <a:normAutofit fontScale="100000" lnSpcReduction="0"/>
+            <a:normAutofit/>
           </a:bodyPr>
           <a:lstStyle/>
           <a:p>
-            <a:pPr lvl="0" marL="143129" indent="-143129" defTabSz="448055">
+            <a:pPr marL="143129" lvl="0" indent="-143129" defTabSz="448055">
               <a:lnSpc>
                 <a:spcPct val="90000"/>
               </a:lnSpc>
@@ -9200,7 +8984,7 @@
               <a:defRPr sz="1800"/>
             </a:pPr>
             <a:r>
-              <a:rPr b="1" sz="2744">
+              <a:rPr sz="2744" b="1">
                 <a:latin typeface="Courier New"/>
                 <a:ea typeface="Courier New"/>
                 <a:cs typeface="Courier New"/>
@@ -9209,7 +8993,7 @@
               <a:t># dig ws.afnog.org</a:t>
             </a:r>
             <a:r>
-              <a:rPr b="1" sz="3528">
+              <a:rPr sz="3528" b="1">
                 <a:latin typeface="Courier New"/>
                 <a:ea typeface="Courier New"/>
                 <a:cs typeface="Courier New"/>
@@ -9217,15 +9001,9 @@
               </a:rPr>
               <a:t>.</a:t>
             </a:r>
-            <a:endParaRPr b="1" sz="3528">
-              <a:latin typeface="Courier New"/>
-              <a:ea typeface="Courier New"/>
-              <a:cs typeface="Courier New"/>
-              <a:sym typeface="Courier New"/>
-            </a:endParaRPr>
-          </a:p>
-          <a:p>
-            <a:pPr lvl="0" marL="143129" indent="-143129" defTabSz="448055">
+          </a:p>
+          <a:p>
+            <a:pPr marL="143129" lvl="0" indent="-143129" defTabSz="448055">
               <a:lnSpc>
                 <a:spcPct val="115000"/>
               </a:lnSpc>
@@ -9258,7 +9036,7 @@
               </a:tabLst>
               <a:defRPr sz="1800"/>
             </a:pPr>
-            <a:endParaRPr b="1" sz="3528">
+            <a:endParaRPr sz="3528" b="1">
               <a:latin typeface="Courier New"/>
               <a:ea typeface="Courier New"/>
               <a:cs typeface="Courier New"/>
@@ -9266,7 +9044,7 @@
             </a:endParaRPr>
           </a:p>
           <a:p>
-            <a:pPr lvl="0" marL="143129" indent="-143129" defTabSz="448055">
+            <a:pPr marL="143129" lvl="0" indent="-143129" defTabSz="448055">
               <a:lnSpc>
                 <a:spcPct val="115000"/>
               </a:lnSpc>
@@ -9307,10 +9085,9 @@
               <a:rPr sz="2744"/>
               <a:t>Prevents any default domain being appended</a:t>
             </a:r>
-            <a:endParaRPr sz="2744"/>
-          </a:p>
-          <a:p>
-            <a:pPr lvl="0" marL="143129" indent="-143129" defTabSz="448055">
+          </a:p>
+          <a:p>
+            <a:pPr marL="143129" lvl="0" indent="-143129" defTabSz="448055">
               <a:lnSpc>
                 <a:spcPct val="115000"/>
               </a:lnSpc>
@@ -9351,10 +9128,9 @@
               <a:rPr sz="2744"/>
               <a:t>Get into the habit of using it always when testing DNS</a:t>
             </a:r>
-            <a:endParaRPr sz="2744"/>
-          </a:p>
-          <a:p>
-            <a:pPr lvl="1" marL="706310" indent="-258254" defTabSz="448055">
+          </a:p>
+          <a:p>
+            <a:pPr marL="706310" lvl="1" indent="-258254" defTabSz="448055">
               <a:lnSpc>
                 <a:spcPct val="101000"/>
               </a:lnSpc>
@@ -9429,6 +9205,7 @@
                 <a:sym typeface="Helvetica"/>
               </a:defRPr>
             </a:pPr>
+            <a:endParaRPr/>
           </a:p>
         </p:txBody>
       </p:sp>
@@ -9437,12 +9214,12 @@
   <p:clrMapOvr>
     <a:masterClrMapping/>
   </p:clrMapOvr>
-  <p:transition spd="med" advClick="1"/>
+  <p:transition spd="med"/>
 </p:sld>
 </file>
 
 <file path=ppt/slides/slide27.xml><?xml version="1.0" encoding="utf-8"?>
-<p:sld xmlns:a="http://schemas.openxmlformats.org/drawingml/2006/main" xmlns:r="http://schemas.openxmlformats.org/officeDocument/2006/relationships" xmlns:p="http://schemas.openxmlformats.org/presentationml/2006/main" showMasterSp="1" showMasterPhAnim="1">
+<p:sld xmlns:a="http://schemas.openxmlformats.org/drawingml/2006/main" xmlns:r="http://schemas.openxmlformats.org/officeDocument/2006/relationships" xmlns:p="http://schemas.openxmlformats.org/presentationml/2006/main">
   <p:cSld>
     <p:spTree>
       <p:nvGrpSpPr>
@@ -9507,7 +9284,7 @@
               <a:defRPr sz="1800"/>
             </a:pPr>
             <a:r>
-              <a:rPr b="1" sz="1500">
+              <a:rPr sz="1500" b="1">
                 <a:latin typeface="Courier New"/>
                 <a:ea typeface="Courier New"/>
                 <a:cs typeface="Courier New"/>
@@ -9515,12 +9292,6 @@
               </a:rPr>
               <a:t>[field@term /usr/home/field]$ dig @zoe.dns.gh. downloads.dns.gh. a </a:t>
             </a:r>
-            <a:endParaRPr b="1" sz="1500">
-              <a:latin typeface="Courier New"/>
-              <a:ea typeface="Courier New"/>
-              <a:cs typeface="Courier New"/>
-              <a:sym typeface="Courier New"/>
-            </a:endParaRPr>
           </a:p>
           <a:p>
             <a:pPr lvl="0" defTabSz="914400">
@@ -9542,7 +9313,7 @@
               </a:tabLst>
               <a:defRPr sz="1800"/>
             </a:pPr>
-            <a:endParaRPr b="1" sz="1500">
+            <a:endParaRPr sz="1500" b="1">
               <a:latin typeface="Courier New"/>
               <a:ea typeface="Courier New"/>
               <a:cs typeface="Courier New"/>
@@ -9570,7 +9341,7 @@
               <a:defRPr sz="1800"/>
             </a:pPr>
             <a:r>
-              <a:rPr b="1" sz="1500">
+              <a:rPr sz="1500" b="1">
                 <a:latin typeface="Courier New"/>
                 <a:ea typeface="Courier New"/>
                 <a:cs typeface="Courier New"/>
@@ -9578,12 +9349,6 @@
               </a:rPr>
               <a:t>; &lt;&lt;&gt;&gt; DiG 9.3.1 &lt;&lt;&gt;&gt; @zoe.dns.gh. downloads.dns.gh. a</a:t>
             </a:r>
-            <a:endParaRPr b="1" sz="1500">
-              <a:latin typeface="Courier New"/>
-              <a:ea typeface="Courier New"/>
-              <a:cs typeface="Courier New"/>
-              <a:sym typeface="Courier New"/>
-            </a:endParaRPr>
           </a:p>
           <a:p>
             <a:pPr lvl="0" defTabSz="914400">
@@ -9606,7 +9371,7 @@
               <a:defRPr sz="1800"/>
             </a:pPr>
             <a:r>
-              <a:rPr b="1" sz="1500">
+              <a:rPr sz="1500" b="1">
                 <a:latin typeface="Courier New"/>
                 <a:ea typeface="Courier New"/>
                 <a:cs typeface="Courier New"/>
@@ -9614,12 +9379,6 @@
               </a:rPr>
               <a:t>; (1 server found)</a:t>
             </a:r>
-            <a:endParaRPr b="1" sz="1500">
-              <a:latin typeface="Courier New"/>
-              <a:ea typeface="Courier New"/>
-              <a:cs typeface="Courier New"/>
-              <a:sym typeface="Courier New"/>
-            </a:endParaRPr>
           </a:p>
           <a:p>
             <a:pPr lvl="0" defTabSz="914400">
@@ -9642,7 +9401,7 @@
               <a:defRPr sz="1800"/>
             </a:pPr>
             <a:r>
-              <a:rPr b="1" sz="1500">
+              <a:rPr sz="1500" b="1">
                 <a:latin typeface="Courier New"/>
                 <a:ea typeface="Courier New"/>
                 <a:cs typeface="Courier New"/>
@@ -9650,12 +9409,6 @@
               </a:rPr>
               <a:t>;; global options:  printcmd</a:t>
             </a:r>
-            <a:endParaRPr b="1" sz="1500">
-              <a:latin typeface="Courier New"/>
-              <a:ea typeface="Courier New"/>
-              <a:cs typeface="Courier New"/>
-              <a:sym typeface="Courier New"/>
-            </a:endParaRPr>
           </a:p>
           <a:p>
             <a:pPr lvl="0" defTabSz="914400">
@@ -9678,7 +9431,7 @@
               <a:defRPr sz="1800"/>
             </a:pPr>
             <a:r>
-              <a:rPr b="1" sz="1500">
+              <a:rPr sz="1500" b="1">
                 <a:latin typeface="Courier New"/>
                 <a:ea typeface="Courier New"/>
                 <a:cs typeface="Courier New"/>
@@ -9686,12 +9439,6 @@
               </a:rPr>
               <a:t>;; Got answer:</a:t>
             </a:r>
-            <a:endParaRPr b="1" sz="1500">
-              <a:latin typeface="Courier New"/>
-              <a:ea typeface="Courier New"/>
-              <a:cs typeface="Courier New"/>
-              <a:sym typeface="Courier New"/>
-            </a:endParaRPr>
           </a:p>
           <a:p>
             <a:pPr lvl="0" defTabSz="914400">
@@ -9714,7 +9461,7 @@
               <a:defRPr sz="1800"/>
             </a:pPr>
             <a:r>
-              <a:rPr b="1" sz="1500">
+              <a:rPr sz="1500" b="1">
                 <a:latin typeface="Courier New"/>
                 <a:ea typeface="Courier New"/>
                 <a:cs typeface="Courier New"/>
@@ -9722,12 +9469,6 @@
               </a:rPr>
               <a:t>;; -&gt;&gt;HEADER&lt;&lt;- opcode: QUERY, status: NOERROR, id: 34963</a:t>
             </a:r>
-            <a:endParaRPr b="1" sz="1500">
-              <a:latin typeface="Courier New"/>
-              <a:ea typeface="Courier New"/>
-              <a:cs typeface="Courier New"/>
-              <a:sym typeface="Courier New"/>
-            </a:endParaRPr>
           </a:p>
           <a:p>
             <a:pPr lvl="0" defTabSz="914400">
@@ -9750,7 +9491,7 @@
               <a:defRPr sz="1800"/>
             </a:pPr>
             <a:r>
-              <a:rPr b="1" sz="1500">
+              <a:rPr sz="1500" b="1">
                 <a:latin typeface="Courier New"/>
                 <a:ea typeface="Courier New"/>
                 <a:cs typeface="Courier New"/>
@@ -9758,12 +9499,6 @@
               </a:rPr>
               <a:t>;; flags: qr aa rd ra; QUERY: 1, ANSWER: 2, AUTHORITY: 3, ADDITIONAL: 0</a:t>
             </a:r>
-            <a:endParaRPr b="1" sz="1500">
-              <a:latin typeface="Courier New"/>
-              <a:ea typeface="Courier New"/>
-              <a:cs typeface="Courier New"/>
-              <a:sym typeface="Courier New"/>
-            </a:endParaRPr>
           </a:p>
           <a:p>
             <a:pPr lvl="0" defTabSz="914400">
@@ -9785,7 +9520,7 @@
               </a:tabLst>
               <a:defRPr sz="1800"/>
             </a:pPr>
-            <a:endParaRPr b="1" sz="1500">
+            <a:endParaRPr sz="1500" b="1">
               <a:latin typeface="Courier New"/>
               <a:ea typeface="Courier New"/>
               <a:cs typeface="Courier New"/>
@@ -9813,7 +9548,7 @@
               <a:defRPr sz="1800"/>
             </a:pPr>
             <a:r>
-              <a:rPr b="1" sz="1500">
+              <a:rPr sz="1500" b="1">
                 <a:latin typeface="Courier New"/>
                 <a:ea typeface="Courier New"/>
                 <a:cs typeface="Courier New"/>
@@ -9821,12 +9556,6 @@
               </a:rPr>
               <a:t>;; QUESTION SECTION:</a:t>
             </a:r>
-            <a:endParaRPr b="1" sz="1500">
-              <a:latin typeface="Courier New"/>
-              <a:ea typeface="Courier New"/>
-              <a:cs typeface="Courier New"/>
-              <a:sym typeface="Courier New"/>
-            </a:endParaRPr>
           </a:p>
           <a:p>
             <a:pPr lvl="0" defTabSz="914400">
@@ -9849,7 +9578,7 @@
               <a:defRPr sz="1800"/>
             </a:pPr>
             <a:r>
-              <a:rPr b="1" sz="1500">
+              <a:rPr sz="1500" b="1">
                 <a:latin typeface="Courier New"/>
                 <a:ea typeface="Courier New"/>
                 <a:cs typeface="Courier New"/>
@@ -9857,12 +9586,6 @@
               </a:rPr>
               <a:t>;downloads.dns.gh.              IN      A</a:t>
             </a:r>
-            <a:endParaRPr b="1" sz="1500">
-              <a:latin typeface="Courier New"/>
-              <a:ea typeface="Courier New"/>
-              <a:cs typeface="Courier New"/>
-              <a:sym typeface="Courier New"/>
-            </a:endParaRPr>
           </a:p>
           <a:p>
             <a:pPr lvl="0" defTabSz="914400">
@@ -9884,7 +9607,7 @@
               </a:tabLst>
               <a:defRPr sz="1800"/>
             </a:pPr>
-            <a:endParaRPr b="1" sz="1500">
+            <a:endParaRPr sz="1500" b="1">
               <a:latin typeface="Courier New"/>
               <a:ea typeface="Courier New"/>
               <a:cs typeface="Courier New"/>
@@ -9912,7 +9635,7 @@
               <a:defRPr sz="1800"/>
             </a:pPr>
             <a:r>
-              <a:rPr b="1" sz="1500">
+              <a:rPr sz="1500" b="1">
                 <a:latin typeface="Courier New"/>
                 <a:ea typeface="Courier New"/>
                 <a:cs typeface="Courier New"/>
@@ -9920,12 +9643,6 @@
               </a:rPr>
               <a:t>;; ANSWER SECTION:</a:t>
             </a:r>
-            <a:endParaRPr b="1" sz="1500">
-              <a:latin typeface="Courier New"/>
-              <a:ea typeface="Courier New"/>
-              <a:cs typeface="Courier New"/>
-              <a:sym typeface="Courier New"/>
-            </a:endParaRPr>
           </a:p>
           <a:p>
             <a:pPr lvl="0" defTabSz="914400">
@@ -9948,7 +9665,7 @@
               <a:defRPr sz="1800"/>
             </a:pPr>
             <a:r>
-              <a:rPr b="1" sz="1500">
+              <a:rPr sz="1500" b="1">
                 <a:latin typeface="Courier New"/>
                 <a:ea typeface="Courier New"/>
                 <a:cs typeface="Courier New"/>
@@ -9956,12 +9673,6 @@
               </a:rPr>
               <a:t>downloads.dns.gh.       3600    IN      CNAME   zoe.dns.gh.</a:t>
             </a:r>
-            <a:endParaRPr b="1" sz="1500">
-              <a:latin typeface="Courier New"/>
-              <a:ea typeface="Courier New"/>
-              <a:cs typeface="Courier New"/>
-              <a:sym typeface="Courier New"/>
-            </a:endParaRPr>
           </a:p>
           <a:p>
             <a:pPr lvl="0" defTabSz="914400">
@@ -9984,7 +9695,7 @@
               <a:defRPr sz="1800"/>
             </a:pPr>
             <a:r>
-              <a:rPr b="1" sz="1500">
+              <a:rPr sz="1500" b="1">
                 <a:latin typeface="Courier New"/>
                 <a:ea typeface="Courier New"/>
                 <a:cs typeface="Courier New"/>
@@ -9992,12 +9703,6 @@
               </a:rPr>
               <a:t>zoe.dns.gh.             3600    IN      A       147.28.0.23</a:t>
             </a:r>
-            <a:endParaRPr b="1" sz="1500">
-              <a:latin typeface="Courier New"/>
-              <a:ea typeface="Courier New"/>
-              <a:cs typeface="Courier New"/>
-              <a:sym typeface="Courier New"/>
-            </a:endParaRPr>
           </a:p>
           <a:p>
             <a:pPr lvl="0" defTabSz="914400">
@@ -10019,7 +9724,7 @@
               </a:tabLst>
               <a:defRPr sz="1800"/>
             </a:pPr>
-            <a:endParaRPr b="1" sz="1500">
+            <a:endParaRPr sz="1500" b="1">
               <a:latin typeface="Courier New"/>
               <a:ea typeface="Courier New"/>
               <a:cs typeface="Courier New"/>
@@ -10047,7 +9752,7 @@
               <a:defRPr sz="1800"/>
             </a:pPr>
             <a:r>
-              <a:rPr b="1" sz="1500">
+              <a:rPr sz="1500" b="1">
                 <a:latin typeface="Courier New"/>
                 <a:ea typeface="Courier New"/>
                 <a:cs typeface="Courier New"/>
@@ -10055,12 +9760,6 @@
               </a:rPr>
               <a:t>;; AUTHORITY SECTION:</a:t>
             </a:r>
-            <a:endParaRPr b="1" sz="1500">
-              <a:latin typeface="Courier New"/>
-              <a:ea typeface="Courier New"/>
-              <a:cs typeface="Courier New"/>
-              <a:sym typeface="Courier New"/>
-            </a:endParaRPr>
           </a:p>
           <a:p>
             <a:pPr lvl="0" defTabSz="914400">
@@ -10083,7 +9782,7 @@
               <a:defRPr sz="1800"/>
             </a:pPr>
             <a:r>
-              <a:rPr b="1" sz="1500">
+              <a:rPr sz="1500" b="1">
                 <a:latin typeface="Courier New"/>
                 <a:ea typeface="Courier New"/>
                 <a:cs typeface="Courier New"/>
@@ -10091,12 +9790,6 @@
               </a:rPr>
               <a:t>dns.gh.                 3600    IN      NS      zoe.dns.gh.</a:t>
             </a:r>
-            <a:endParaRPr b="1" sz="1500">
-              <a:latin typeface="Courier New"/>
-              <a:ea typeface="Courier New"/>
-              <a:cs typeface="Courier New"/>
-              <a:sym typeface="Courier New"/>
-            </a:endParaRPr>
           </a:p>
           <a:p>
             <a:pPr lvl="0" defTabSz="914400">
@@ -10119,7 +9812,7 @@
               <a:defRPr sz="1800"/>
             </a:pPr>
             <a:r>
-              <a:rPr b="1" sz="1500">
+              <a:rPr sz="1500" b="1">
                 <a:latin typeface="Courier New"/>
                 <a:ea typeface="Courier New"/>
                 <a:cs typeface="Courier New"/>
@@ -10127,12 +9820,6 @@
               </a:rPr>
               <a:t>dns.gh.                 3600    IN      NS      mantse.gh.com.</a:t>
             </a:r>
-            <a:endParaRPr b="1" sz="1500">
-              <a:latin typeface="Courier New"/>
-              <a:ea typeface="Courier New"/>
-              <a:cs typeface="Courier New"/>
-              <a:sym typeface="Courier New"/>
-            </a:endParaRPr>
           </a:p>
           <a:p>
             <a:pPr lvl="0" defTabSz="914400">
@@ -10155,7 +9842,7 @@
               <a:defRPr sz="1800"/>
             </a:pPr>
             <a:r>
-              <a:rPr b="1" sz="1500">
+              <a:rPr sz="1500" b="1">
                 <a:latin typeface="Courier New"/>
                 <a:ea typeface="Courier New"/>
                 <a:cs typeface="Courier New"/>
@@ -10163,12 +9850,6 @@
               </a:rPr>
               <a:t>dns.gh.                 3600    IN      NS      snshq902.ghanatel.com.gh.</a:t>
             </a:r>
-            <a:endParaRPr b="1" sz="1500">
-              <a:latin typeface="Courier New"/>
-              <a:ea typeface="Courier New"/>
-              <a:cs typeface="Courier New"/>
-              <a:sym typeface="Courier New"/>
-            </a:endParaRPr>
           </a:p>
           <a:p>
             <a:pPr lvl="0" defTabSz="914400">
@@ -10190,7 +9871,7 @@
               </a:tabLst>
               <a:defRPr sz="1800"/>
             </a:pPr>
-            <a:endParaRPr b="1" sz="1500">
+            <a:endParaRPr sz="1500" b="1">
               <a:latin typeface="Courier New"/>
               <a:ea typeface="Courier New"/>
               <a:cs typeface="Courier New"/>
@@ -10218,7 +9899,7 @@
               <a:defRPr sz="1800"/>
             </a:pPr>
             <a:r>
-              <a:rPr b="1" sz="1500">
+              <a:rPr sz="1500" b="1">
                 <a:latin typeface="Courier New"/>
                 <a:ea typeface="Courier New"/>
                 <a:cs typeface="Courier New"/>
@@ -10226,12 +9907,6 @@
               </a:rPr>
               <a:t>;; Query time: 275 msec</a:t>
             </a:r>
-            <a:endParaRPr b="1" sz="1500">
-              <a:latin typeface="Courier New"/>
-              <a:ea typeface="Courier New"/>
-              <a:cs typeface="Courier New"/>
-              <a:sym typeface="Courier New"/>
-            </a:endParaRPr>
           </a:p>
           <a:p>
             <a:pPr lvl="0" defTabSz="914400">
@@ -10254,7 +9929,7 @@
               <a:defRPr sz="1800"/>
             </a:pPr>
             <a:r>
-              <a:rPr b="1" sz="1500">
+              <a:rPr sz="1500" b="1">
                 <a:latin typeface="Courier New"/>
                 <a:ea typeface="Courier New"/>
                 <a:cs typeface="Courier New"/>
@@ -10262,12 +9937,6 @@
               </a:rPr>
               <a:t>;; SERVER: 147.28.0.23#53(147.28.0.23)</a:t>
             </a:r>
-            <a:endParaRPr b="1" sz="1500">
-              <a:latin typeface="Courier New"/>
-              <a:ea typeface="Courier New"/>
-              <a:cs typeface="Courier New"/>
-              <a:sym typeface="Courier New"/>
-            </a:endParaRPr>
           </a:p>
           <a:p>
             <a:pPr lvl="0" defTabSz="914400">
@@ -10290,7 +9959,7 @@
               <a:defRPr sz="1800"/>
             </a:pPr>
             <a:r>
-              <a:rPr b="1" sz="1500">
+              <a:rPr sz="1500" b="1">
                 <a:latin typeface="Courier New"/>
                 <a:ea typeface="Courier New"/>
                 <a:cs typeface="Courier New"/>
@@ -10298,12 +9967,6 @@
               </a:rPr>
               <a:t>;; WHEN: Sat May 24 00:17:53 2008</a:t>
             </a:r>
-            <a:endParaRPr b="1" sz="1500">
-              <a:latin typeface="Courier New"/>
-              <a:ea typeface="Courier New"/>
-              <a:cs typeface="Courier New"/>
-              <a:sym typeface="Courier New"/>
-            </a:endParaRPr>
           </a:p>
           <a:p>
             <a:pPr lvl="0" defTabSz="914400">
@@ -10326,7 +9989,7 @@
               <a:defRPr sz="1800"/>
             </a:pPr>
             <a:r>
-              <a:rPr b="1" sz="1500">
+              <a:rPr sz="1500" b="1">
                 <a:latin typeface="Courier New"/>
                 <a:ea typeface="Courier New"/>
                 <a:cs typeface="Courier New"/>
@@ -10334,12 +9997,6 @@
               </a:rPr>
               <a:t>;; MSG SIZE  rcvd: 145</a:t>
             </a:r>
-            <a:endParaRPr b="1" sz="1500">
-              <a:latin typeface="Courier New"/>
-              <a:ea typeface="Courier New"/>
-              <a:cs typeface="Courier New"/>
-              <a:sym typeface="Courier New"/>
-            </a:endParaRPr>
           </a:p>
         </p:txBody>
       </p:sp>
@@ -10376,6 +10033,7 @@
               </a:lnSpc>
               <a:defRPr sz="1800"/>
             </a:pPr>
+            <a:endParaRPr/>
           </a:p>
         </p:txBody>
       </p:sp>
@@ -10412,6 +10070,7 @@
               </a:lnSpc>
               <a:defRPr sz="1800"/>
             </a:pPr>
+            <a:endParaRPr/>
           </a:p>
         </p:txBody>
       </p:sp>
@@ -10448,6 +10107,7 @@
               </a:lnSpc>
               <a:defRPr sz="1800"/>
             </a:pPr>
+            <a:endParaRPr/>
           </a:p>
         </p:txBody>
       </p:sp>
@@ -10484,6 +10144,7 @@
               </a:lnSpc>
               <a:defRPr sz="1800"/>
             </a:pPr>
+            <a:endParaRPr/>
           </a:p>
         </p:txBody>
       </p:sp>
@@ -10520,6 +10181,7 @@
               </a:lnSpc>
               <a:defRPr sz="1800"/>
             </a:pPr>
+            <a:endParaRPr/>
           </a:p>
         </p:txBody>
       </p:sp>
@@ -10528,12 +10190,12 @@
   <p:clrMapOvr>
     <a:masterClrMapping/>
   </p:clrMapOvr>
-  <p:transition spd="med" advClick="1"/>
+  <p:transition spd="med"/>
 </p:sld>
 </file>
 
 <file path=ppt/slides/slide28.xml><?xml version="1.0" encoding="utf-8"?>
-<p:sld xmlns:a="http://schemas.openxmlformats.org/drawingml/2006/main" xmlns:r="http://schemas.openxmlformats.org/officeDocument/2006/relationships" xmlns:p="http://schemas.openxmlformats.org/presentationml/2006/main" showMasterSp="1" showMasterPhAnim="1">
+<p:sld xmlns:a="http://schemas.openxmlformats.org/drawingml/2006/main" xmlns:r="http://schemas.openxmlformats.org/officeDocument/2006/relationships" xmlns:p="http://schemas.openxmlformats.org/presentationml/2006/main">
   <p:cSld>
     <p:spTree>
       <p:nvGrpSpPr>
@@ -10552,7 +10214,9 @@
       <p:sp>
         <p:nvSpPr>
           <p:cNvPr id="145" name="Shape 145"/>
-          <p:cNvSpPr/>
+          <p:cNvSpPr>
+            <a:spLocks noGrp="1"/>
+          </p:cNvSpPr>
           <p:nvPr>
             <p:ph type="title" idx="4294967295"/>
           </p:nvPr>
@@ -10576,7 +10240,7 @@
         </p:spPr>
         <p:txBody>
           <a:bodyPr lIns="0" tIns="0" rIns="0" bIns="0" anchor="ctr">
-            <a:normAutofit fontScale="100000" lnSpcReduction="0"/>
+            <a:normAutofit/>
           </a:bodyPr>
           <a:lstStyle>
             <a:lvl1pPr>
@@ -10621,7 +10285,9 @@
       <p:sp>
         <p:nvSpPr>
           <p:cNvPr id="146" name="Shape 146"/>
-          <p:cNvSpPr/>
+          <p:cNvSpPr>
+            <a:spLocks noGrp="1"/>
+          </p:cNvSpPr>
           <p:nvPr>
             <p:ph type="body" idx="4294967295"/>
           </p:nvPr>
@@ -10645,7 +10311,7 @@
         </p:spPr>
         <p:txBody>
           <a:bodyPr lIns="0" tIns="0" rIns="0" bIns="0">
-            <a:normAutofit fontScale="100000" lnSpcReduction="0"/>
+            <a:normAutofit/>
           </a:bodyPr>
           <a:lstStyle/>
           <a:p>
@@ -10685,10 +10351,9 @@
               <a:rPr sz="2800"/>
               <a:t>STATUS</a:t>
             </a:r>
-            <a:endParaRPr sz="2800"/>
-          </a:p>
-          <a:p>
-            <a:pPr lvl="1" marL="720725" indent="-263525">
+          </a:p>
+          <a:p>
+            <a:pPr marL="720725" lvl="1" indent="-263525">
               <a:lnSpc>
                 <a:spcPct val="101000"/>
               </a:lnSpc>
@@ -10723,10 +10388,9 @@
               <a:rPr sz="2400"/>
               <a:t>NOERROR: 0 or more RRs returned</a:t>
             </a:r>
-            <a:endParaRPr sz="2400"/>
-          </a:p>
-          <a:p>
-            <a:pPr lvl="1" marL="720725" indent="-263525">
+          </a:p>
+          <a:p>
+            <a:pPr marL="720725" lvl="1" indent="-263525">
               <a:lnSpc>
                 <a:spcPct val="101000"/>
               </a:lnSpc>
@@ -10761,10 +10425,9 @@
               <a:rPr sz="2400"/>
               <a:t>NXDOMAIN: non-existent domain</a:t>
             </a:r>
-            <a:endParaRPr sz="2400"/>
-          </a:p>
-          <a:p>
-            <a:pPr lvl="1" marL="720725" indent="-263525">
+          </a:p>
+          <a:p>
+            <a:pPr marL="720725" lvl="1" indent="-263525">
               <a:lnSpc>
                 <a:spcPct val="101000"/>
               </a:lnSpc>
@@ -10799,10 +10462,9 @@
               <a:rPr sz="2400"/>
               <a:t>SERVFAIL: cache could not locate answer</a:t>
             </a:r>
-            <a:endParaRPr sz="2400"/>
-          </a:p>
-          <a:p>
-            <a:pPr lvl="1" marL="720725" indent="-263525">
+          </a:p>
+          <a:p>
+            <a:pPr marL="720725" lvl="1" indent="-263525">
               <a:lnSpc>
                 <a:spcPct val="101000"/>
               </a:lnSpc>
@@ -10837,7 +10499,6 @@
               <a:rPr sz="2400"/>
               <a:t>REFUSED: query not available on cache server</a:t>
             </a:r>
-            <a:endParaRPr sz="2400"/>
           </a:p>
           <a:p>
             <a:pPr lvl="0">
@@ -10876,10 +10537,9 @@
               <a:rPr sz="2800"/>
               <a:t>FLAGS</a:t>
             </a:r>
-            <a:endParaRPr sz="2800"/>
-          </a:p>
-          <a:p>
-            <a:pPr lvl="1" marL="720725" indent="-263525">
+          </a:p>
+          <a:p>
+            <a:pPr marL="720725" lvl="1" indent="-263525">
               <a:lnSpc>
                 <a:spcPct val="101000"/>
               </a:lnSpc>
@@ -10914,10 +10574,9 @@
               <a:rPr sz="2400"/>
               <a:t>AA: Authoritative answer (not from cache)</a:t>
             </a:r>
-            <a:endParaRPr sz="2400"/>
-          </a:p>
-          <a:p>
-            <a:pPr lvl="1" marL="720725" indent="-263525">
+          </a:p>
+          <a:p>
+            <a:pPr marL="720725" lvl="1" indent="-263525">
               <a:lnSpc>
                 <a:spcPct val="101000"/>
               </a:lnSpc>
@@ -10952,10 +10611,9 @@
               <a:rPr sz="2400"/>
               <a:t>You can ignore the others</a:t>
             </a:r>
-            <a:endParaRPr sz="2400"/>
-          </a:p>
-          <a:p>
-            <a:pPr lvl="2" marL="1143000" indent="-228600">
+          </a:p>
+          <a:p>
+            <a:pPr marL="1143000" lvl="2" indent="-228600">
               <a:lnSpc>
                 <a:spcPct val="101000"/>
               </a:lnSpc>
@@ -10991,7 +10649,7 @@
             </a:r>
           </a:p>
           <a:p>
-            <a:pPr lvl="2" marL="1143000" indent="-228600">
+            <a:pPr marL="1143000" lvl="2" indent="-228600">
               <a:lnSpc>
                 <a:spcPct val="101000"/>
               </a:lnSpc>
@@ -11027,7 +10685,7 @@
             </a:r>
           </a:p>
           <a:p>
-            <a:pPr lvl="2" marL="1143000" indent="-228600">
+            <a:pPr marL="1143000" lvl="2" indent="-228600">
               <a:lnSpc>
                 <a:spcPct val="101000"/>
               </a:lnSpc>
@@ -11104,12 +10762,12 @@
   <p:clrMapOvr>
     <a:masterClrMapping/>
   </p:clrMapOvr>
-  <p:transition spd="med" advClick="1"/>
+  <p:transition spd="med"/>
 </p:sld>
 </file>
 
 <file path=ppt/slides/slide29.xml><?xml version="1.0" encoding="utf-8"?>
-<p:sld xmlns:a="http://schemas.openxmlformats.org/drawingml/2006/main" xmlns:r="http://schemas.openxmlformats.org/officeDocument/2006/relationships" xmlns:p="http://schemas.openxmlformats.org/presentationml/2006/main" showMasterSp="1" showMasterPhAnim="1">
+<p:sld xmlns:a="http://schemas.openxmlformats.org/drawingml/2006/main" xmlns:r="http://schemas.openxmlformats.org/officeDocument/2006/relationships" xmlns:p="http://schemas.openxmlformats.org/presentationml/2006/main">
   <p:cSld>
     <p:spTree>
       <p:nvGrpSpPr>
@@ -11128,7 +10786,9 @@
       <p:sp>
         <p:nvSpPr>
           <p:cNvPr id="148" name="Shape 148"/>
-          <p:cNvSpPr/>
+          <p:cNvSpPr>
+            <a:spLocks noGrp="1"/>
+          </p:cNvSpPr>
           <p:nvPr>
             <p:ph type="title" idx="4294967295"/>
           </p:nvPr>
@@ -11152,7 +10812,7 @@
         </p:spPr>
         <p:txBody>
           <a:bodyPr lIns="0" tIns="0" rIns="0" bIns="0" anchor="ctr">
-            <a:normAutofit fontScale="100000" lnSpcReduction="0"/>
+            <a:normAutofit/>
           </a:bodyPr>
           <a:lstStyle>
             <a:lvl1pPr>
@@ -11197,7 +10857,9 @@
       <p:sp>
         <p:nvSpPr>
           <p:cNvPr id="149" name="Shape 149"/>
-          <p:cNvSpPr/>
+          <p:cNvSpPr>
+            <a:spLocks noGrp="1"/>
+          </p:cNvSpPr>
           <p:nvPr>
             <p:ph type="body" idx="4294967295"/>
           </p:nvPr>
@@ -11221,11 +10883,11 @@
         </p:spPr>
         <p:txBody>
           <a:bodyPr lIns="0" tIns="0" rIns="0" bIns="0">
-            <a:normAutofit fontScale="100000" lnSpcReduction="0"/>
+            <a:normAutofit/>
           </a:bodyPr>
           <a:lstStyle/>
           <a:p>
-            <a:pPr lvl="0" marL="314261" indent="-314261" defTabSz="448055">
+            <a:pPr marL="314261" lvl="0" indent="-314261" defTabSz="448055">
               <a:lnSpc>
                 <a:spcPct val="96000"/>
               </a:lnSpc>
@@ -11261,10 +10923,9 @@
               <a:rPr sz="2744"/>
               <a:t>Answer section (RRs requested)</a:t>
             </a:r>
-            <a:endParaRPr sz="2744"/>
-          </a:p>
-          <a:p>
-            <a:pPr lvl="1" marL="706310" indent="-258254" defTabSz="448055">
+          </a:p>
+          <a:p>
+            <a:pPr marL="706310" lvl="1" indent="-258254" defTabSz="448055">
               <a:lnSpc>
                 <a:spcPct val="101000"/>
               </a:lnSpc>
@@ -11299,10 +10960,9 @@
               <a:rPr sz="2352"/>
               <a:t>Each record has a Time To Live (TTL)</a:t>
             </a:r>
-            <a:endParaRPr sz="2352"/>
-          </a:p>
-          <a:p>
-            <a:pPr lvl="1" marL="706310" indent="-258254" defTabSz="448055">
+          </a:p>
+          <a:p>
+            <a:pPr marL="706310" lvl="1" indent="-258254" defTabSz="448055">
               <a:lnSpc>
                 <a:spcPct val="101000"/>
               </a:lnSpc>
@@ -11337,10 +10997,9 @@
               <a:rPr sz="2352"/>
               <a:t>Says how long the cache will keep it</a:t>
             </a:r>
-            <a:endParaRPr sz="2352"/>
-          </a:p>
-          <a:p>
-            <a:pPr lvl="0" marL="314261" indent="-314261" defTabSz="448055">
+          </a:p>
+          <a:p>
+            <a:pPr marL="314261" lvl="0" indent="-314261" defTabSz="448055">
               <a:lnSpc>
                 <a:spcPct val="101000"/>
               </a:lnSpc>
@@ -11376,10 +11035,9 @@
               <a:rPr sz="2744"/>
               <a:t>Authority section</a:t>
             </a:r>
-            <a:endParaRPr sz="2744"/>
-          </a:p>
-          <a:p>
-            <a:pPr lvl="1" marL="706310" indent="-258254" defTabSz="448055">
+          </a:p>
+          <a:p>
+            <a:pPr marL="706310" lvl="1" indent="-258254" defTabSz="448055">
               <a:lnSpc>
                 <a:spcPct val="101000"/>
               </a:lnSpc>
@@ -11414,10 +11072,9 @@
               <a:rPr sz="2352"/>
               <a:t>Which nameservers are authoritative for this domain</a:t>
             </a:r>
-            <a:endParaRPr sz="2352"/>
-          </a:p>
-          <a:p>
-            <a:pPr lvl="0" marL="314261" indent="-314261" defTabSz="448055">
+          </a:p>
+          <a:p>
+            <a:pPr marL="314261" lvl="0" indent="-314261" defTabSz="448055">
               <a:lnSpc>
                 <a:spcPct val="101000"/>
               </a:lnSpc>
@@ -11453,10 +11110,9 @@
               <a:rPr sz="2744"/>
               <a:t>Additional section</a:t>
             </a:r>
-            <a:endParaRPr sz="2744"/>
-          </a:p>
-          <a:p>
-            <a:pPr lvl="1" marL="706310" indent="-258254" defTabSz="448055">
+          </a:p>
+          <a:p>
+            <a:pPr marL="706310" lvl="1" indent="-258254" defTabSz="448055">
               <a:lnSpc>
                 <a:spcPct val="101000"/>
               </a:lnSpc>
@@ -11491,10 +11147,9 @@
               <a:rPr sz="2352"/>
               <a:t>More RRs (typically IP addresses for the authoritative nameservers)</a:t>
             </a:r>
-            <a:endParaRPr sz="2352"/>
-          </a:p>
-          <a:p>
-            <a:pPr lvl="0" marL="314261" indent="-314261" defTabSz="448055">
+          </a:p>
+          <a:p>
+            <a:pPr marL="314261" lvl="0" indent="-314261" defTabSz="448055">
               <a:lnSpc>
                 <a:spcPct val="96000"/>
               </a:lnSpc>
@@ -11530,10 +11185,9 @@
               <a:rPr sz="2744"/>
               <a:t>Total query time</a:t>
             </a:r>
-            <a:endParaRPr sz="2744"/>
-          </a:p>
-          <a:p>
-            <a:pPr lvl="0" marL="314261" indent="-314261" defTabSz="448055">
+          </a:p>
+          <a:p>
+            <a:pPr marL="314261" lvl="0" indent="-314261" defTabSz="448055">
               <a:lnSpc>
                 <a:spcPct val="101000"/>
               </a:lnSpc>
@@ -11569,10 +11223,9 @@
               <a:rPr sz="2744"/>
               <a:t>Check which server gave the response!</a:t>
             </a:r>
-            <a:endParaRPr sz="2744"/>
-          </a:p>
-          <a:p>
-            <a:pPr lvl="1" marL="706310" indent="-258254" defTabSz="448055">
+          </a:p>
+          <a:p>
+            <a:pPr marL="706310" lvl="1" indent="-258254" defTabSz="448055">
               <a:lnSpc>
                 <a:spcPct val="101000"/>
               </a:lnSpc>
@@ -11615,12 +11268,12 @@
   <p:clrMapOvr>
     <a:masterClrMapping/>
   </p:clrMapOvr>
-  <p:transition spd="med" advClick="1"/>
+  <p:transition spd="med"/>
 </p:sld>
 </file>
 
 <file path=ppt/slides/slide3.xml><?xml version="1.0" encoding="utf-8"?>
-<p:sld xmlns:a="http://schemas.openxmlformats.org/drawingml/2006/main" xmlns:r="http://schemas.openxmlformats.org/officeDocument/2006/relationships" xmlns:p="http://schemas.openxmlformats.org/presentationml/2006/main" showMasterSp="1" showMasterPhAnim="1">
+<p:sld xmlns:a="http://schemas.openxmlformats.org/drawingml/2006/main" xmlns:r="http://schemas.openxmlformats.org/officeDocument/2006/relationships" xmlns:p="http://schemas.openxmlformats.org/presentationml/2006/main">
   <p:cSld>
     <p:spTree>
       <p:nvGrpSpPr>
@@ -11639,7 +11292,9 @@
       <p:sp>
         <p:nvSpPr>
           <p:cNvPr id="15" name="Shape 15"/>
-          <p:cNvSpPr/>
+          <p:cNvSpPr>
+            <a:spLocks noGrp="1"/>
+          </p:cNvSpPr>
           <p:nvPr>
             <p:ph type="title" idx="4294967295"/>
           </p:nvPr>
@@ -11663,7 +11318,7 @@
         </p:spPr>
         <p:txBody>
           <a:bodyPr lIns="0" tIns="0" rIns="0" bIns="0" anchor="ctr">
-            <a:normAutofit fontScale="100000" lnSpcReduction="0"/>
+            <a:normAutofit/>
           </a:bodyPr>
           <a:lstStyle>
             <a:lvl1pPr>
@@ -11708,7 +11363,9 @@
       <p:sp>
         <p:nvSpPr>
           <p:cNvPr id="16" name="Shape 16"/>
-          <p:cNvSpPr/>
+          <p:cNvSpPr>
+            <a:spLocks noGrp="1"/>
+          </p:cNvSpPr>
           <p:nvPr>
             <p:ph type="body" idx="4294967295"/>
           </p:nvPr>
@@ -11732,7 +11389,7 @@
         </p:spPr>
         <p:txBody>
           <a:bodyPr lIns="0" tIns="0" rIns="0" bIns="0">
-            <a:normAutofit fontScale="100000" lnSpcReduction="0"/>
+            <a:normAutofit/>
           </a:bodyPr>
           <a:lstStyle/>
           <a:p>
@@ -11772,7 +11429,6 @@
               <a:rPr sz="2800"/>
               <a:t>A centrally-maintained file, distributed to all hosts on the Internet</a:t>
             </a:r>
-            <a:endParaRPr sz="2800"/>
           </a:p>
           <a:p>
             <a:pPr lvl="0">
@@ -11811,7 +11467,7 @@
             <a:endParaRPr sz="2800"/>
           </a:p>
           <a:p>
-            <a:pPr lvl="1" marL="0" indent="0">
+            <a:pPr marL="0" lvl="1" indent="0">
               <a:lnSpc>
                 <a:spcPct val="91000"/>
               </a:lnSpc>
@@ -11852,15 +11508,9 @@
               </a:rPr>
               <a:t>SPARKY                    128.4.13.9</a:t>
             </a:r>
-            <a:endParaRPr b="1" i="1">
-              <a:latin typeface="Courier New"/>
-              <a:ea typeface="Courier New"/>
-              <a:cs typeface="Courier New"/>
-              <a:sym typeface="Courier New"/>
-            </a:endParaRPr>
-          </a:p>
-          <a:p>
-            <a:pPr lvl="1" marL="0" indent="0">
+          </a:p>
+          <a:p>
+            <a:pPr marL="0" lvl="1" indent="0">
               <a:lnSpc>
                 <a:spcPct val="91000"/>
               </a:lnSpc>
@@ -11901,15 +11551,9 @@
               </a:rPr>
               <a:t>UCB-MAILGATE              4.98.133.7</a:t>
             </a:r>
-            <a:endParaRPr b="1" i="1">
-              <a:latin typeface="Courier New"/>
-              <a:ea typeface="Courier New"/>
-              <a:cs typeface="Courier New"/>
-              <a:sym typeface="Courier New"/>
-            </a:endParaRPr>
-          </a:p>
-          <a:p>
-            <a:pPr lvl="1" marL="0" indent="0">
+          </a:p>
+          <a:p>
+            <a:pPr marL="0" lvl="1" indent="0">
               <a:lnSpc>
                 <a:spcPct val="91000"/>
               </a:lnSpc>
@@ -11950,15 +11594,9 @@
               </a:rPr>
               <a:t>FTPHOST                   200.10.194.33</a:t>
             </a:r>
-            <a:endParaRPr b="1" i="1">
-              <a:latin typeface="Courier New"/>
-              <a:ea typeface="Courier New"/>
-              <a:cs typeface="Courier New"/>
-              <a:sym typeface="Courier New"/>
-            </a:endParaRPr>
-          </a:p>
-          <a:p>
-            <a:pPr lvl="1" marL="0" indent="0">
+          </a:p>
+          <a:p>
+            <a:pPr marL="0" lvl="1" indent="0">
               <a:lnSpc>
                 <a:spcPct val="91000"/>
               </a:lnSpc>
@@ -11999,15 +11637,9 @@
               </a:rPr>
               <a:t>... etc</a:t>
             </a:r>
-            <a:endParaRPr>
-              <a:latin typeface="Courier New"/>
-              <a:ea typeface="Courier New"/>
-              <a:cs typeface="Courier New"/>
-              <a:sym typeface="Courier New"/>
-            </a:endParaRPr>
-          </a:p>
-          <a:p>
-            <a:pPr lvl="1" marL="0" indent="0">
+          </a:p>
+          <a:p>
+            <a:pPr marL="0" lvl="1" indent="0">
               <a:lnSpc>
                 <a:spcPct val="91000"/>
               </a:lnSpc>
@@ -12084,10 +11716,9 @@
               <a:rPr sz="2800"/>
               <a:t>This feature still exists:</a:t>
             </a:r>
-            <a:endParaRPr sz="2800"/>
-          </a:p>
-          <a:p>
-            <a:pPr lvl="2" marL="1143000" indent="-228600">
+          </a:p>
+          <a:p>
+            <a:pPr marL="1143000" lvl="2" indent="-228600">
               <a:lnSpc>
                 <a:spcPct val="101000"/>
               </a:lnSpc>
@@ -12126,14 +11757,9 @@
               </a:rPr>
               <a:t>/etc/hosts (UNIX)</a:t>
             </a:r>
-            <a:endParaRPr>
-              <a:solidFill>
-                <a:srgbClr val="FF0000"/>
-              </a:solidFill>
-            </a:endParaRPr>
-          </a:p>
-          <a:p>
-            <a:pPr lvl="2" marL="1143000" indent="-228600">
+          </a:p>
+          <a:p>
+            <a:pPr marL="1143000" lvl="2" indent="-228600">
               <a:lnSpc>
                 <a:spcPct val="101000"/>
               </a:lnSpc>
@@ -12175,12 +11801,12 @@
   <p:clrMapOvr>
     <a:masterClrMapping/>
   </p:clrMapOvr>
-  <p:transition spd="med" advClick="1"/>
+  <p:transition spd="med"/>
 </p:sld>
 </file>
 
 <file path=ppt/slides/slide4.xml><?xml version="1.0" encoding="utf-8"?>
-<p:sld xmlns:a="http://schemas.openxmlformats.org/drawingml/2006/main" xmlns:r="http://schemas.openxmlformats.org/officeDocument/2006/relationships" xmlns:p="http://schemas.openxmlformats.org/presentationml/2006/main" showMasterSp="1" showMasterPhAnim="1">
+<p:sld xmlns:a="http://schemas.openxmlformats.org/drawingml/2006/main" xmlns:r="http://schemas.openxmlformats.org/officeDocument/2006/relationships" xmlns:p="http://schemas.openxmlformats.org/presentationml/2006/main">
   <p:cSld>
     <p:spTree>
       <p:nvGrpSpPr>
@@ -12199,7 +11825,9 @@
       <p:sp>
         <p:nvSpPr>
           <p:cNvPr id="20" name="Shape 20"/>
-          <p:cNvSpPr/>
+          <p:cNvSpPr>
+            <a:spLocks noGrp="1"/>
+          </p:cNvSpPr>
           <p:nvPr>
             <p:ph type="title" idx="4294967295"/>
           </p:nvPr>
@@ -12223,7 +11851,7 @@
         </p:spPr>
         <p:txBody>
           <a:bodyPr lIns="0" tIns="0" rIns="0" bIns="0" anchor="ctr">
-            <a:normAutofit fontScale="100000" lnSpcReduction="0"/>
+            <a:normAutofit/>
           </a:bodyPr>
           <a:lstStyle>
             <a:lvl1pPr>
@@ -12268,7 +11896,9 @@
       <p:sp>
         <p:nvSpPr>
           <p:cNvPr id="21" name="Shape 21"/>
-          <p:cNvSpPr/>
+          <p:cNvSpPr>
+            <a:spLocks noGrp="1"/>
+          </p:cNvSpPr>
           <p:nvPr>
             <p:ph type="body" idx="4294967295"/>
           </p:nvPr>
@@ -12292,7 +11922,7 @@
         </p:spPr>
         <p:txBody>
           <a:bodyPr lIns="0" tIns="0" rIns="0" bIns="0">
-            <a:normAutofit fontScale="100000" lnSpcReduction="0"/>
+            <a:normAutofit/>
           </a:bodyPr>
           <a:lstStyle/>
           <a:p>
@@ -12331,7 +11961,6 @@
               <a:rPr sz="2800"/>
               <a:t>Huge file (traffic and load)</a:t>
             </a:r>
-            <a:endParaRPr sz="2800"/>
           </a:p>
           <a:p>
             <a:pPr lvl="0">
@@ -12369,7 +11998,6 @@
               <a:rPr sz="2800"/>
               <a:t>Name collisions (name uniqueness)</a:t>
             </a:r>
-            <a:endParaRPr sz="2800"/>
           </a:p>
           <a:p>
             <a:pPr lvl="0">
@@ -12407,7 +12035,6 @@
               <a:rPr sz="2800"/>
               <a:t>Consistency</a:t>
             </a:r>
-            <a:endParaRPr sz="2800"/>
           </a:p>
           <a:p>
             <a:pPr lvl="0">
@@ -12445,7 +12072,6 @@
               <a:rPr sz="2800"/>
               <a:t>Always out of date</a:t>
             </a:r>
-            <a:endParaRPr sz="2800"/>
           </a:p>
           <a:p>
             <a:pPr lvl="0">
@@ -12483,7 +12109,6 @@
               <a:rPr sz="2800"/>
               <a:t>Single point of Administration</a:t>
             </a:r>
-            <a:endParaRPr sz="2800"/>
           </a:p>
           <a:p>
             <a:pPr lvl="0">
@@ -12529,12 +12154,12 @@
   <p:clrMapOvr>
     <a:masterClrMapping/>
   </p:clrMapOvr>
-  <p:transition spd="med" advClick="1"/>
+  <p:transition spd="med"/>
 </p:sld>
 </file>
 
 <file path=ppt/slides/slide5.xml><?xml version="1.0" encoding="utf-8"?>
-<p:sld xmlns:a="http://schemas.openxmlformats.org/drawingml/2006/main" xmlns:r="http://schemas.openxmlformats.org/officeDocument/2006/relationships" xmlns:p="http://schemas.openxmlformats.org/presentationml/2006/main" showMasterSp="1" showMasterPhAnim="1">
+<p:sld xmlns:a="http://schemas.openxmlformats.org/drawingml/2006/main" xmlns:r="http://schemas.openxmlformats.org/officeDocument/2006/relationships" xmlns:p="http://schemas.openxmlformats.org/presentationml/2006/main">
   <p:cSld>
     <p:spTree>
       <p:nvGrpSpPr>
@@ -12553,7 +12178,9 @@
       <p:sp>
         <p:nvSpPr>
           <p:cNvPr id="23" name="Shape 23"/>
-          <p:cNvSpPr/>
+          <p:cNvSpPr>
+            <a:spLocks noGrp="1"/>
+          </p:cNvSpPr>
           <p:nvPr>
             <p:ph type="title" idx="4294967295"/>
           </p:nvPr>
@@ -12577,7 +12204,7 @@
         </p:spPr>
         <p:txBody>
           <a:bodyPr lIns="0" tIns="0" rIns="0" bIns="0" anchor="ctr">
-            <a:normAutofit fontScale="100000" lnSpcReduction="0"/>
+            <a:normAutofit/>
           </a:bodyPr>
           <a:lstStyle>
             <a:lvl1pPr>
@@ -12622,7 +12249,9 @@
       <p:sp>
         <p:nvSpPr>
           <p:cNvPr id="24" name="Shape 24"/>
-          <p:cNvSpPr/>
+          <p:cNvSpPr>
+            <a:spLocks noGrp="1"/>
+          </p:cNvSpPr>
           <p:nvPr>
             <p:ph type="body" idx="4294967295"/>
           </p:nvPr>
@@ -12646,11 +12275,11 @@
         </p:spPr>
         <p:txBody>
           <a:bodyPr lIns="0" tIns="0" rIns="0" bIns="0">
-            <a:normAutofit fontScale="100000" lnSpcReduction="0"/>
+            <a:normAutofit/>
           </a:bodyPr>
           <a:lstStyle/>
           <a:p>
-            <a:pPr lvl="0" marL="314261" indent="-314261" defTabSz="448055">
+            <a:pPr marL="314261" lvl="0" indent="-314261" defTabSz="448055">
               <a:lnSpc>
                 <a:spcPct val="89000"/>
               </a:lnSpc>
@@ -12686,10 +12315,9 @@
               <a:rPr sz="2744"/>
               <a:t>DNS is a distributed database for holding name to IP address (and other) information </a:t>
             </a:r>
-            <a:endParaRPr sz="2744"/>
-          </a:p>
-          <a:p>
-            <a:pPr lvl="0" marL="314261" indent="-314261" defTabSz="448055">
+          </a:p>
+          <a:p>
+            <a:pPr marL="314261" lvl="0" indent="-314261" defTabSz="448055">
               <a:lnSpc>
                 <a:spcPct val="89000"/>
               </a:lnSpc>
@@ -12725,10 +12353,9 @@
               <a:rPr sz="2744"/>
               <a:t>Distributed:</a:t>
             </a:r>
-            <a:endParaRPr sz="2744"/>
-          </a:p>
-          <a:p>
-            <a:pPr lvl="1" marL="706310" indent="-258254" defTabSz="448055">
+          </a:p>
+          <a:p>
+            <a:pPr marL="706310" lvl="1" indent="-258254" defTabSz="448055">
               <a:lnSpc>
                 <a:spcPct val="101000"/>
               </a:lnSpc>
@@ -12763,10 +12390,9 @@
               <a:rPr sz="2352"/>
               <a:t>Shares the Administration</a:t>
             </a:r>
-            <a:endParaRPr sz="2352"/>
-          </a:p>
-          <a:p>
-            <a:pPr lvl="1" marL="706310" indent="-258254" defTabSz="448055">
+          </a:p>
+          <a:p>
+            <a:pPr marL="706310" lvl="1" indent="-258254" defTabSz="448055">
               <a:lnSpc>
                 <a:spcPct val="101000"/>
               </a:lnSpc>
@@ -12801,10 +12427,9 @@
               <a:rPr sz="2352"/>
               <a:t>Shares the Load</a:t>
             </a:r>
-            <a:endParaRPr sz="2352"/>
-          </a:p>
-          <a:p>
-            <a:pPr lvl="0" marL="314261" indent="-314261" defTabSz="448055">
+          </a:p>
+          <a:p>
+            <a:pPr marL="314261" lvl="0" indent="-314261" defTabSz="448055">
               <a:lnSpc>
                 <a:spcPct val="89000"/>
               </a:lnSpc>
@@ -12840,10 +12465,9 @@
               <a:rPr sz="2744"/>
               <a:t>Robustness and improved performance achieved through </a:t>
             </a:r>
-            <a:endParaRPr sz="2744"/>
-          </a:p>
-          <a:p>
-            <a:pPr lvl="1" marL="749352" indent="-301296" defTabSz="448055">
+          </a:p>
+          <a:p>
+            <a:pPr marL="749352" lvl="1" indent="-301296" defTabSz="448055">
               <a:lnSpc>
                 <a:spcPct val="101000"/>
               </a:lnSpc>
@@ -12878,10 +12502,9 @@
               <a:rPr sz="2744"/>
               <a:t>replication </a:t>
             </a:r>
-            <a:endParaRPr sz="2744"/>
-          </a:p>
-          <a:p>
-            <a:pPr lvl="1" marL="749352" indent="-301296" defTabSz="448055">
+          </a:p>
+          <a:p>
+            <a:pPr marL="749352" lvl="1" indent="-301296" defTabSz="448055">
               <a:lnSpc>
                 <a:spcPct val="101000"/>
               </a:lnSpc>
@@ -12916,10 +12539,9 @@
               <a:rPr sz="2744"/>
               <a:t>and caching</a:t>
             </a:r>
-            <a:endParaRPr sz="2744"/>
-          </a:p>
-          <a:p>
-            <a:pPr lvl="0" marL="314261" indent="-314261" defTabSz="448055">
+          </a:p>
+          <a:p>
+            <a:pPr marL="314261" lvl="0" indent="-314261" defTabSz="448055">
               <a:lnSpc>
                 <a:spcPct val="89000"/>
               </a:lnSpc>
@@ -12955,10 +12577,9 @@
               <a:rPr sz="2744"/>
               <a:t>Employs a client-server architecture</a:t>
             </a:r>
-            <a:endParaRPr sz="2744"/>
-          </a:p>
-          <a:p>
-            <a:pPr lvl="0" marL="314261" indent="-314261" defTabSz="448055">
+          </a:p>
+          <a:p>
+            <a:pPr marL="314261" lvl="0" indent="-314261" defTabSz="448055">
               <a:lnSpc>
                 <a:spcPct val="89000"/>
               </a:lnSpc>
@@ -13002,12 +12623,12 @@
   <p:clrMapOvr>
     <a:masterClrMapping/>
   </p:clrMapOvr>
-  <p:transition spd="med" advClick="1"/>
+  <p:transition spd="med"/>
 </p:sld>
 </file>
 
 <file path=ppt/slides/slide6.xml><?xml version="1.0" encoding="utf-8"?>
-<p:sld xmlns:a="http://schemas.openxmlformats.org/drawingml/2006/main" xmlns:r="http://schemas.openxmlformats.org/officeDocument/2006/relationships" xmlns:p="http://schemas.openxmlformats.org/presentationml/2006/main" showMasterSp="1" showMasterPhAnim="1">
+<p:sld xmlns:a="http://schemas.openxmlformats.org/drawingml/2006/main" xmlns:r="http://schemas.openxmlformats.org/officeDocument/2006/relationships" xmlns:p="http://schemas.openxmlformats.org/presentationml/2006/main">
   <p:cSld>
     <p:spTree>
       <p:nvGrpSpPr>
@@ -13026,7 +12647,9 @@
       <p:sp>
         <p:nvSpPr>
           <p:cNvPr id="26" name="Shape 26"/>
-          <p:cNvSpPr/>
+          <p:cNvSpPr>
+            <a:spLocks noGrp="1"/>
+          </p:cNvSpPr>
           <p:nvPr>
             <p:ph type="title" idx="4294967295"/>
           </p:nvPr>
@@ -13050,7 +12673,7 @@
         </p:spPr>
         <p:txBody>
           <a:bodyPr lIns="0" tIns="0" rIns="0" bIns="0" anchor="ctr">
-            <a:normAutofit fontScale="100000" lnSpcReduction="0"/>
+            <a:normAutofit/>
           </a:bodyPr>
           <a:lstStyle>
             <a:lvl1pPr algn="ctr">
@@ -13126,6 +12749,7 @@
                 <a:sym typeface="Helvetica"/>
               </a:defRPr>
             </a:pPr>
+            <a:endParaRPr/>
           </a:p>
         </p:txBody>
       </p:sp>
@@ -13163,6 +12787,7 @@
                 <a:sym typeface="Helvetica"/>
               </a:defRPr>
             </a:pPr>
+            <a:endParaRPr/>
           </a:p>
         </p:txBody>
       </p:sp>
@@ -13200,6 +12825,7 @@
                 <a:sym typeface="Helvetica"/>
               </a:defRPr>
             </a:pPr>
+            <a:endParaRPr/>
           </a:p>
         </p:txBody>
       </p:sp>
@@ -13237,6 +12863,7 @@
                 <a:sym typeface="Helvetica"/>
               </a:defRPr>
             </a:pPr>
+            <a:endParaRPr/>
           </a:p>
         </p:txBody>
       </p:sp>
@@ -13569,6 +13196,7 @@
                 <a:sym typeface="Helvetica"/>
               </a:defRPr>
             </a:pPr>
+            <a:endParaRPr/>
           </a:p>
         </p:txBody>
       </p:sp>
@@ -13606,6 +13234,7 @@
                 <a:sym typeface="Helvetica"/>
               </a:defRPr>
             </a:pPr>
+            <a:endParaRPr/>
           </a:p>
         </p:txBody>
       </p:sp>
@@ -13939,6 +13568,7 @@
                 <a:sym typeface="Helvetica"/>
               </a:defRPr>
             </a:pPr>
+            <a:endParaRPr/>
           </a:p>
         </p:txBody>
       </p:sp>
@@ -14165,6 +13795,7 @@
                 <a:sym typeface="Helvetica"/>
               </a:defRPr>
             </a:pPr>
+            <a:endParaRPr/>
           </a:p>
         </p:txBody>
       </p:sp>
@@ -14261,6 +13892,7 @@
                 <a:sym typeface="Helvetica"/>
               </a:defRPr>
             </a:pPr>
+            <a:endParaRPr/>
           </a:p>
         </p:txBody>
       </p:sp>
@@ -14416,6 +14048,7 @@
                 <a:sym typeface="Helvetica"/>
               </a:defRPr>
             </a:pPr>
+            <a:endParaRPr/>
           </a:p>
         </p:txBody>
       </p:sp>
@@ -14453,6 +14086,7 @@
                 <a:sym typeface="Helvetica"/>
               </a:defRPr>
             </a:pPr>
+            <a:endParaRPr/>
           </a:p>
         </p:txBody>
       </p:sp>
@@ -14549,6 +14183,7 @@
                 <a:sym typeface="Helvetica"/>
               </a:defRPr>
             </a:pPr>
+            <a:endParaRPr/>
           </a:p>
         </p:txBody>
       </p:sp>
@@ -14586,6 +14221,7 @@
                 <a:sym typeface="Helvetica"/>
               </a:defRPr>
             </a:pPr>
+            <a:endParaRPr/>
           </a:p>
         </p:txBody>
       </p:sp>
@@ -14623,6 +14259,7 @@
                 <a:sym typeface="Helvetica"/>
               </a:defRPr>
             </a:pPr>
+            <a:endParaRPr/>
           </a:p>
         </p:txBody>
       </p:sp>
@@ -14660,6 +14297,7 @@
                 <a:sym typeface="Helvetica"/>
               </a:defRPr>
             </a:pPr>
+            <a:endParaRPr/>
           </a:p>
         </p:txBody>
       </p:sp>
@@ -14697,6 +14335,7 @@
                 <a:sym typeface="Helvetica"/>
               </a:defRPr>
             </a:pPr>
+            <a:endParaRPr/>
           </a:p>
         </p:txBody>
       </p:sp>
@@ -14911,6 +14550,7 @@
                 <a:sym typeface="Helvetica"/>
               </a:defRPr>
             </a:pPr>
+            <a:endParaRPr/>
           </a:p>
         </p:txBody>
       </p:sp>
@@ -14978,12 +14618,12 @@
   <p:clrMapOvr>
     <a:masterClrMapping/>
   </p:clrMapOvr>
-  <p:transition spd="med" advClick="1"/>
+  <p:transition spd="med"/>
 </p:sld>
 </file>
 
 <file path=ppt/slides/slide7.xml><?xml version="1.0" encoding="utf-8"?>
-<p:sld xmlns:a="http://schemas.openxmlformats.org/drawingml/2006/main" xmlns:r="http://schemas.openxmlformats.org/officeDocument/2006/relationships" xmlns:p="http://schemas.openxmlformats.org/presentationml/2006/main" showMasterSp="1" showMasterPhAnim="1">
+<p:sld xmlns:a="http://schemas.openxmlformats.org/drawingml/2006/main" xmlns:r="http://schemas.openxmlformats.org/officeDocument/2006/relationships" xmlns:p="http://schemas.openxmlformats.org/presentationml/2006/main">
   <p:cSld>
     <p:spTree>
       <p:nvGrpSpPr>
@@ -15002,7 +14642,9 @@
       <p:sp>
         <p:nvSpPr>
           <p:cNvPr id="66" name="Shape 66"/>
-          <p:cNvSpPr/>
+          <p:cNvSpPr>
+            <a:spLocks noGrp="1"/>
+          </p:cNvSpPr>
           <p:nvPr>
             <p:ph type="title" idx="4294967295"/>
           </p:nvPr>
@@ -15026,7 +14668,7 @@
         </p:spPr>
         <p:txBody>
           <a:bodyPr lIns="0" tIns="0" rIns="0" bIns="0" anchor="ctr">
-            <a:normAutofit fontScale="100000" lnSpcReduction="0"/>
+            <a:normAutofit/>
           </a:bodyPr>
           <a:lstStyle>
             <a:lvl1pPr>
@@ -15071,7 +14713,9 @@
       <p:sp>
         <p:nvSpPr>
           <p:cNvPr id="67" name="Shape 67"/>
-          <p:cNvSpPr/>
+          <p:cNvSpPr>
+            <a:spLocks noGrp="1"/>
+          </p:cNvSpPr>
           <p:nvPr>
             <p:ph type="body" idx="4294967295"/>
           </p:nvPr>
@@ -15095,7 +14739,7 @@
         </p:spPr>
         <p:txBody>
           <a:bodyPr lIns="0" tIns="0" rIns="0" bIns="0">
-            <a:normAutofit fontScale="100000" lnSpcReduction="0"/>
+            <a:normAutofit/>
           </a:bodyPr>
           <a:lstStyle/>
           <a:p>
@@ -15132,7 +14776,6 @@
               <a:rPr sz="2800"/>
               <a:t>Globally unique names</a:t>
             </a:r>
-            <a:endParaRPr sz="2800"/>
           </a:p>
           <a:p>
             <a:pPr lvl="0">
@@ -15171,7 +14814,6 @@
               <a:rPr sz="2800"/>
               <a:t>Administered in zones (parts of the tree)</a:t>
             </a:r>
-            <a:endParaRPr sz="2800"/>
           </a:p>
           <a:p>
             <a:pPr lvl="0">
@@ -15210,7 +14852,6 @@
               <a:rPr sz="2800"/>
               <a:t>You can give away ("delegate") control of part of the tree underneath you</a:t>
             </a:r>
-            <a:endParaRPr sz="2800"/>
           </a:p>
           <a:p>
             <a:pPr lvl="0">
@@ -15249,10 +14890,9 @@
               <a:rPr sz="2800"/>
               <a:t>Example:</a:t>
             </a:r>
-            <a:endParaRPr sz="2800"/>
-          </a:p>
-          <a:p>
-            <a:pPr lvl="1" marL="720725" indent="-263525">
+          </a:p>
+          <a:p>
+            <a:pPr marL="720725" lvl="1" indent="-263525">
               <a:lnSpc>
                 <a:spcPct val="101000"/>
               </a:lnSpc>
@@ -15287,10 +14927,9 @@
               <a:rPr sz="2400"/>
               <a:t>org on one set of nameservers</a:t>
             </a:r>
-            <a:endParaRPr sz="2400"/>
-          </a:p>
-          <a:p>
-            <a:pPr lvl="1" marL="720725" indent="-263525">
+          </a:p>
+          <a:p>
+            <a:pPr marL="720725" lvl="1" indent="-263525">
               <a:lnSpc>
                 <a:spcPct val="101000"/>
               </a:lnSpc>
@@ -15325,10 +14964,9 @@
               <a:rPr sz="2400"/>
               <a:t>afnog.org on a different set</a:t>
             </a:r>
-            <a:endParaRPr sz="2400"/>
-          </a:p>
-          <a:p>
-            <a:pPr lvl="1" marL="720725" indent="-263525">
+          </a:p>
+          <a:p>
+            <a:pPr marL="720725" lvl="1" indent="-263525">
               <a:lnSpc>
                 <a:spcPct val="101000"/>
               </a:lnSpc>
@@ -15371,12 +15009,12 @@
   <p:clrMapOvr>
     <a:masterClrMapping/>
   </p:clrMapOvr>
-  <p:transition spd="med" advClick="1"/>
+  <p:transition spd="med"/>
 </p:sld>
 </file>
 
 <file path=ppt/slides/slide8.xml><?xml version="1.0" encoding="utf-8"?>
-<p:sld xmlns:a="http://schemas.openxmlformats.org/drawingml/2006/main" xmlns:r="http://schemas.openxmlformats.org/officeDocument/2006/relationships" xmlns:p="http://schemas.openxmlformats.org/presentationml/2006/main" showMasterSp="1" showMasterPhAnim="1">
+<p:sld xmlns:a="http://schemas.openxmlformats.org/drawingml/2006/main" xmlns:r="http://schemas.openxmlformats.org/officeDocument/2006/relationships" xmlns:p="http://schemas.openxmlformats.org/presentationml/2006/main">
   <p:cSld>
     <p:spTree>
       <p:nvGrpSpPr>
@@ -15395,7 +15033,9 @@
       <p:sp>
         <p:nvSpPr>
           <p:cNvPr id="69" name="Shape 69"/>
-          <p:cNvSpPr/>
+          <p:cNvSpPr>
+            <a:spLocks noGrp="1"/>
+          </p:cNvSpPr>
           <p:nvPr>
             <p:ph type="title" idx="4294967295"/>
           </p:nvPr>
@@ -15419,7 +15059,7 @@
         </p:spPr>
         <p:txBody>
           <a:bodyPr lIns="0" tIns="0" rIns="0" bIns="0" anchor="ctr">
-            <a:normAutofit fontScale="100000" lnSpcReduction="0"/>
+            <a:normAutofit/>
           </a:bodyPr>
           <a:lstStyle>
             <a:lvl1pPr>
@@ -15464,7 +15104,9 @@
       <p:sp>
         <p:nvSpPr>
           <p:cNvPr id="70" name="Shape 70"/>
-          <p:cNvSpPr/>
+          <p:cNvSpPr>
+            <a:spLocks noGrp="1"/>
+          </p:cNvSpPr>
           <p:nvPr>
             <p:ph type="body" idx="4294967295"/>
           </p:nvPr>
@@ -15488,7 +15130,7 @@
         </p:spPr>
         <p:txBody>
           <a:bodyPr lIns="46079" tIns="46079" rIns="46079" bIns="46079">
-            <a:normAutofit fontScale="100000" lnSpcReduction="0"/>
+            <a:normAutofit/>
           </a:bodyPr>
           <a:lstStyle/>
           <a:p>
@@ -15528,7 +15170,6 @@
               <a:rPr sz="2800"/>
               <a:t>Max 255 characters total length</a:t>
             </a:r>
-            <a:endParaRPr sz="2800"/>
           </a:p>
           <a:p>
             <a:pPr lvl="0">
@@ -15567,10 +15208,9 @@
               <a:rPr sz="2800"/>
               <a:t>Max 63 characters in each label</a:t>
             </a:r>
-            <a:endParaRPr sz="2800"/>
-          </a:p>
-          <a:p>
-            <a:pPr lvl="1" marL="720725" indent="-263525">
+          </a:p>
+          <a:p>
+            <a:pPr marL="720725" lvl="1" indent="-263525">
               <a:lnSpc>
                 <a:spcPct val="101000"/>
               </a:lnSpc>
@@ -15605,7 +15245,6 @@
               <a:rPr sz="2400"/>
               <a:t>RFC 1034, RFC 1035</a:t>
             </a:r>
-            <a:endParaRPr sz="2400"/>
           </a:p>
           <a:p>
             <a:pPr lvl="0">
@@ -15644,10 +15283,9 @@
               <a:rPr sz="2800"/>
               <a:t>If a domain name is being used as a host name, you should abide by some restrictions</a:t>
             </a:r>
-            <a:endParaRPr sz="2800"/>
-          </a:p>
-          <a:p>
-            <a:pPr lvl="1" marL="720725" indent="-263525">
+          </a:p>
+          <a:p>
+            <a:pPr marL="720725" lvl="1" indent="-263525">
               <a:lnSpc>
                 <a:spcPct val="101000"/>
               </a:lnSpc>
@@ -15682,10 +15320,9 @@
               <a:rPr sz="2400"/>
               <a:t>RFC 952 (old!)</a:t>
             </a:r>
-            <a:endParaRPr sz="2400"/>
-          </a:p>
-          <a:p>
-            <a:pPr lvl="1" marL="720725" indent="-263525">
+          </a:p>
+          <a:p>
+            <a:pPr marL="720725" lvl="1" indent="-263525">
               <a:lnSpc>
                 <a:spcPct val="101000"/>
               </a:lnSpc>
@@ -15720,10 +15357,9 @@
               <a:rPr sz="2400"/>
               <a:t>a-z 0-9 and minus (-) only</a:t>
             </a:r>
-            <a:endParaRPr sz="2400"/>
-          </a:p>
-          <a:p>
-            <a:pPr lvl="1" marL="720725" indent="-263525">
+          </a:p>
+          <a:p>
+            <a:pPr marL="720725" lvl="1" indent="-263525">
               <a:lnSpc>
                 <a:spcPct val="101000"/>
               </a:lnSpc>
@@ -15766,12 +15402,12 @@
   <p:clrMapOvr>
     <a:masterClrMapping/>
   </p:clrMapOvr>
-  <p:transition spd="med" advClick="1"/>
+  <p:transition spd="med"/>
 </p:sld>
 </file>
 
 <file path=ppt/slides/slide9.xml><?xml version="1.0" encoding="utf-8"?>
-<p:sld xmlns:a="http://schemas.openxmlformats.org/drawingml/2006/main" xmlns:r="http://schemas.openxmlformats.org/officeDocument/2006/relationships" xmlns:p="http://schemas.openxmlformats.org/presentationml/2006/main" showMasterSp="1" showMasterPhAnim="1">
+<p:sld xmlns:a="http://schemas.openxmlformats.org/drawingml/2006/main" xmlns:r="http://schemas.openxmlformats.org/officeDocument/2006/relationships" xmlns:p="http://schemas.openxmlformats.org/presentationml/2006/main">
   <p:cSld>
     <p:spTree>
       <p:nvGrpSpPr>
@@ -15790,7 +15426,9 @@
       <p:sp>
         <p:nvSpPr>
           <p:cNvPr id="72" name="Shape 72"/>
-          <p:cNvSpPr/>
+          <p:cNvSpPr>
+            <a:spLocks noGrp="1"/>
+          </p:cNvSpPr>
           <p:nvPr>
             <p:ph type="title" idx="4294967295"/>
           </p:nvPr>
@@ -15814,7 +15452,7 @@
         </p:spPr>
         <p:txBody>
           <a:bodyPr lIns="0" tIns="0" rIns="0" bIns="0" anchor="ctr">
-            <a:normAutofit fontScale="100000" lnSpcReduction="0"/>
+            <a:normAutofit/>
           </a:bodyPr>
           <a:lstStyle>
             <a:lvl1pPr>
@@ -15859,7 +15497,9 @@
       <p:sp>
         <p:nvSpPr>
           <p:cNvPr id="73" name="Shape 73"/>
-          <p:cNvSpPr/>
+          <p:cNvSpPr>
+            <a:spLocks noGrp="1"/>
+          </p:cNvSpPr>
           <p:nvPr>
             <p:ph type="body" idx="4294967295"/>
           </p:nvPr>
@@ -15883,7 +15523,7 @@
         </p:spPr>
         <p:txBody>
           <a:bodyPr lIns="0" tIns="0" rIns="0" bIns="0">
-            <a:normAutofit fontScale="100000" lnSpcReduction="0"/>
+            <a:normAutofit/>
           </a:bodyPr>
           <a:lstStyle/>
           <a:p>
@@ -15923,7 +15563,6 @@
               <a:rPr sz="2800"/>
               <a:t>A Domain Name (like www.ws.afnog.org) is the KEY to look up information</a:t>
             </a:r>
-            <a:endParaRPr sz="2800"/>
           </a:p>
           <a:p>
             <a:pPr lvl="0">
@@ -15962,7 +15601,6 @@
               <a:rPr sz="2800"/>
               <a:t>The result is one or more RESOURCE RECORDS (RRs)</a:t>
             </a:r>
-            <a:endParaRPr sz="2800"/>
           </a:p>
           <a:p>
             <a:pPr lvl="0">
@@ -16001,7 +15639,6 @@
               <a:rPr sz="2800"/>
               <a:t>There are different RRs for different types of information</a:t>
             </a:r>
-            <a:endParaRPr sz="2800"/>
           </a:p>
           <a:p>
             <a:pPr lvl="0">
@@ -16048,12 +15685,12 @@
   <p:clrMapOvr>
     <a:masterClrMapping/>
   </p:clrMapOvr>
-  <p:transition spd="med" advClick="1"/>
+  <p:transition spd="med"/>
 </p:sld>
 </file>
 
 <file path=ppt/theme/theme1.xml><?xml version="1.0" encoding="utf-8"?>
-<a:theme xmlns:a="http://schemas.openxmlformats.org/drawingml/2006/main" xmlns:r="http://schemas.openxmlformats.org/officeDocument/2006/relationships" name="Default">
+<a:theme xmlns:a="http://schemas.openxmlformats.org/drawingml/2006/main" name="Default">
   <a:themeElements>
     <a:clrScheme name="Default">
       <a:dk1>
@@ -16185,7 +15822,7 @@
         </a:effectStyle>
         <a:effectStyle>
           <a:effectLst>
-            <a:outerShdw sx="100000" sy="100000" kx="0" ky="0" algn="b" rotWithShape="0" blurRad="38100" dist="20000" dir="5400000">
+            <a:outerShdw blurRad="38100" dist="20000" dir="5400000" rotWithShape="0">
               <a:srgbClr val="000000">
                 <a:alpha val="38000"/>
               </a:srgbClr>
@@ -16260,7 +15897,7 @@
         </a:ln>
         <a:effectLst/>
       </a:spPr>
-      <a:bodyPr rot="0" spcFirstLastPara="1" vertOverflow="overflow" horzOverflow="overflow" vert="horz" wrap="square" lIns="45719" tIns="45719" rIns="45719" bIns="45719" numCol="1" spcCol="38100" rtlCol="0" anchor="t" upright="0">
+      <a:bodyPr rot="0" spcFirstLastPara="1" vertOverflow="overflow" horzOverflow="overflow" vert="horz" wrap="square" lIns="45719" tIns="45719" rIns="45719" bIns="45719" numCol="1" spcCol="38100" rtlCol="0" anchor="t">
         <a:spAutoFit/>
       </a:bodyPr>
       <a:lstStyle>
@@ -16279,7 +15916,7 @@
           <a:buFontTx/>
           <a:buNone/>
           <a:tabLst/>
-          <a:defRPr b="0" baseline="0" cap="none" i="0" spc="0" strike="noStrike" sz="2400" u="none" kumimoji="0" normalizeH="0">
+          <a:defRPr kumimoji="0" sz="2400" b="0" i="0" u="none" strike="noStrike" cap="none" spc="0" normalizeH="0" baseline="0">
             <a:ln>
               <a:noFill/>
             </a:ln>
@@ -16309,7 +15946,7 @@
           <a:buFontTx/>
           <a:buNone/>
           <a:tabLst/>
-          <a:defRPr b="0" baseline="0" cap="none" i="0" spc="0" strike="noStrike" sz="1800" u="none" kumimoji="0" normalizeH="0">
+          <a:defRPr kumimoji="0" sz="1800" b="0" i="0" u="none" strike="noStrike" cap="none" spc="0" normalizeH="0" baseline="0">
             <a:ln>
               <a:noFill/>
             </a:ln>
@@ -16335,7 +15972,7 @@
           <a:buFontTx/>
           <a:buNone/>
           <a:tabLst/>
-          <a:defRPr b="0" baseline="0" cap="none" i="0" spc="0" strike="noStrike" sz="1800" u="none" kumimoji="0" normalizeH="0">
+          <a:defRPr kumimoji="0" sz="1800" b="0" i="0" u="none" strike="noStrike" cap="none" spc="0" normalizeH="0" baseline="0">
             <a:ln>
               <a:noFill/>
             </a:ln>
@@ -16361,7 +15998,7 @@
           <a:buFontTx/>
           <a:buNone/>
           <a:tabLst/>
-          <a:defRPr b="0" baseline="0" cap="none" i="0" spc="0" strike="noStrike" sz="1800" u="none" kumimoji="0" normalizeH="0">
+          <a:defRPr kumimoji="0" sz="1800" b="0" i="0" u="none" strike="noStrike" cap="none" spc="0" normalizeH="0" baseline="0">
             <a:ln>
               <a:noFill/>
             </a:ln>
@@ -16387,7 +16024,7 @@
           <a:buFontTx/>
           <a:buNone/>
           <a:tabLst/>
-          <a:defRPr b="0" baseline="0" cap="none" i="0" spc="0" strike="noStrike" sz="1800" u="none" kumimoji="0" normalizeH="0">
+          <a:defRPr kumimoji="0" sz="1800" b="0" i="0" u="none" strike="noStrike" cap="none" spc="0" normalizeH="0" baseline="0">
             <a:ln>
               <a:noFill/>
             </a:ln>
@@ -16413,7 +16050,7 @@
           <a:buFontTx/>
           <a:buNone/>
           <a:tabLst/>
-          <a:defRPr b="0" baseline="0" cap="none" i="0" spc="0" strike="noStrike" sz="1800" u="none" kumimoji="0" normalizeH="0">
+          <a:defRPr kumimoji="0" sz="1800" b="0" i="0" u="none" strike="noStrike" cap="none" spc="0" normalizeH="0" baseline="0">
             <a:ln>
               <a:noFill/>
             </a:ln>
@@ -16439,7 +16076,7 @@
           <a:buFontTx/>
           <a:buNone/>
           <a:tabLst/>
-          <a:defRPr b="0" baseline="0" cap="none" i="0" spc="0" strike="noStrike" sz="1800" u="none" kumimoji="0" normalizeH="0">
+          <a:defRPr kumimoji="0" sz="1800" b="0" i="0" u="none" strike="noStrike" cap="none" spc="0" normalizeH="0" baseline="0">
             <a:ln>
               <a:noFill/>
             </a:ln>
@@ -16465,7 +16102,7 @@
           <a:buFontTx/>
           <a:buNone/>
           <a:tabLst/>
-          <a:defRPr b="0" baseline="0" cap="none" i="0" spc="0" strike="noStrike" sz="1800" u="none" kumimoji="0" normalizeH="0">
+          <a:defRPr kumimoji="0" sz="1800" b="0" i="0" u="none" strike="noStrike" cap="none" spc="0" normalizeH="0" baseline="0">
             <a:ln>
               <a:noFill/>
             </a:ln>
@@ -16491,7 +16128,7 @@
           <a:buFontTx/>
           <a:buNone/>
           <a:tabLst/>
-          <a:defRPr b="0" baseline="0" cap="none" i="0" spc="0" strike="noStrike" sz="1800" u="none" kumimoji="0" normalizeH="0">
+          <a:defRPr kumimoji="0" sz="1800" b="0" i="0" u="none" strike="noStrike" cap="none" spc="0" normalizeH="0" baseline="0">
             <a:ln>
               <a:noFill/>
             </a:ln>
@@ -16517,7 +16154,7 @@
           <a:buFontTx/>
           <a:buNone/>
           <a:tabLst/>
-          <a:defRPr b="0" baseline="0" cap="none" i="0" spc="0" strike="noStrike" sz="1800" u="none" kumimoji="0" normalizeH="0">
+          <a:defRPr kumimoji="0" sz="1800" b="0" i="0" u="none" strike="noStrike" cap="none" spc="0" normalizeH="0" baseline="0">
             <a:ln>
               <a:noFill/>
             </a:ln>
@@ -16530,9 +16167,15 @@
         </a:lvl9pPr>
       </a:lstStyle>
       <a:style>
-        <a:lnRef idx="0"/>
-        <a:fillRef idx="0"/>
-        <a:effectRef idx="0"/>
+        <a:lnRef idx="0">
+          <a:scrgbClr r="0" g="0" b="0"/>
+        </a:lnRef>
+        <a:fillRef idx="0">
+          <a:scrgbClr r="0" g="0" b="0"/>
+        </a:fillRef>
+        <a:effectRef idx="0">
+          <a:scrgbClr r="0" g="0" b="0"/>
+        </a:effectRef>
         <a:fontRef idx="none"/>
       </a:style>
     </a:spDef>
@@ -16547,14 +16190,14 @@
           <a:bevel/>
         </a:ln>
         <a:effectLst>
-          <a:outerShdw sx="100000" sy="100000" kx="0" ky="0" algn="b" rotWithShape="0" blurRad="38100" dist="20000" dir="5400000">
+          <a:outerShdw blurRad="38100" dist="20000" dir="5400000" rotWithShape="0">
             <a:srgbClr val="000000">
               <a:alpha val="38000"/>
             </a:srgbClr>
           </a:outerShdw>
         </a:effectLst>
       </a:spPr>
-      <a:bodyPr rot="0" spcFirstLastPara="1" vertOverflow="overflow" horzOverflow="overflow" vert="horz" wrap="square" lIns="91439" tIns="45719" rIns="91439" bIns="45719" numCol="1" spcCol="38100" rtlCol="0" anchor="t" upright="0">
+      <a:bodyPr rot="0" spcFirstLastPara="1" vertOverflow="overflow" horzOverflow="overflow" vert="horz" wrap="square" lIns="91439" tIns="45719" rIns="91439" bIns="45719" numCol="1" spcCol="38100" rtlCol="0" anchor="t">
         <a:noAutofit/>
       </a:bodyPr>
       <a:lstStyle>
@@ -16573,7 +16216,7 @@
           <a:buFontTx/>
           <a:buNone/>
           <a:tabLst/>
-          <a:defRPr b="0" baseline="0" cap="none" i="0" spc="0" strike="noStrike" sz="1800" u="none" kumimoji="0" normalizeH="0">
+          <a:defRPr kumimoji="0" sz="1800" b="0" i="0" u="none" strike="noStrike" cap="none" spc="0" normalizeH="0" baseline="0">
             <a:ln>
               <a:noFill/>
             </a:ln>
@@ -16599,7 +16242,7 @@
           <a:buFontTx/>
           <a:buNone/>
           <a:tabLst/>
-          <a:defRPr b="0" baseline="0" cap="none" i="0" spc="0" strike="noStrike" sz="1800" u="none" kumimoji="0" normalizeH="0">
+          <a:defRPr kumimoji="0" sz="1800" b="0" i="0" u="none" strike="noStrike" cap="none" spc="0" normalizeH="0" baseline="0">
             <a:ln>
               <a:noFill/>
             </a:ln>
@@ -16625,7 +16268,7 @@
           <a:buFontTx/>
           <a:buNone/>
           <a:tabLst/>
-          <a:defRPr b="0" baseline="0" cap="none" i="0" spc="0" strike="noStrike" sz="1800" u="none" kumimoji="0" normalizeH="0">
+          <a:defRPr kumimoji="0" sz="1800" b="0" i="0" u="none" strike="noStrike" cap="none" spc="0" normalizeH="0" baseline="0">
             <a:ln>
               <a:noFill/>
             </a:ln>
@@ -16651,7 +16294,7 @@
           <a:buFontTx/>
           <a:buNone/>
           <a:tabLst/>
-          <a:defRPr b="0" baseline="0" cap="none" i="0" spc="0" strike="noStrike" sz="1800" u="none" kumimoji="0" normalizeH="0">
+          <a:defRPr kumimoji="0" sz="1800" b="0" i="0" u="none" strike="noStrike" cap="none" spc="0" normalizeH="0" baseline="0">
             <a:ln>
               <a:noFill/>
             </a:ln>
@@ -16677,7 +16320,7 @@
           <a:buFontTx/>
           <a:buNone/>
           <a:tabLst/>
-          <a:defRPr b="0" baseline="0" cap="none" i="0" spc="0" strike="noStrike" sz="1800" u="none" kumimoji="0" normalizeH="0">
+          <a:defRPr kumimoji="0" sz="1800" b="0" i="0" u="none" strike="noStrike" cap="none" spc="0" normalizeH="0" baseline="0">
             <a:ln>
               <a:noFill/>
             </a:ln>
@@ -16703,7 +16346,7 @@
           <a:buFontTx/>
           <a:buNone/>
           <a:tabLst/>
-          <a:defRPr b="0" baseline="0" cap="none" i="0" spc="0" strike="noStrike" sz="1800" u="none" kumimoji="0" normalizeH="0">
+          <a:defRPr kumimoji="0" sz="1800" b="0" i="0" u="none" strike="noStrike" cap="none" spc="0" normalizeH="0" baseline="0">
             <a:ln>
               <a:noFill/>
             </a:ln>
@@ -16729,7 +16372,7 @@
           <a:buFontTx/>
           <a:buNone/>
           <a:tabLst/>
-          <a:defRPr b="0" baseline="0" cap="none" i="0" spc="0" strike="noStrike" sz="1800" u="none" kumimoji="0" normalizeH="0">
+          <a:defRPr kumimoji="0" sz="1800" b="0" i="0" u="none" strike="noStrike" cap="none" spc="0" normalizeH="0" baseline="0">
             <a:ln>
               <a:noFill/>
             </a:ln>
@@ -16755,7 +16398,7 @@
           <a:buFontTx/>
           <a:buNone/>
           <a:tabLst/>
-          <a:defRPr b="0" baseline="0" cap="none" i="0" spc="0" strike="noStrike" sz="1800" u="none" kumimoji="0" normalizeH="0">
+          <a:defRPr kumimoji="0" sz="1800" b="0" i="0" u="none" strike="noStrike" cap="none" spc="0" normalizeH="0" baseline="0">
             <a:ln>
               <a:noFill/>
             </a:ln>
@@ -16781,7 +16424,7 @@
           <a:buFontTx/>
           <a:buNone/>
           <a:tabLst/>
-          <a:defRPr b="0" baseline="0" cap="none" i="0" spc="0" strike="noStrike" sz="1800" u="none" kumimoji="0" normalizeH="0">
+          <a:defRPr kumimoji="0" sz="1800" b="0" i="0" u="none" strike="noStrike" cap="none" spc="0" normalizeH="0" baseline="0">
             <a:ln>
               <a:noFill/>
             </a:ln>
@@ -16807,7 +16450,7 @@
           <a:buFontTx/>
           <a:buNone/>
           <a:tabLst/>
-          <a:defRPr b="0" baseline="0" cap="none" i="0" spc="0" strike="noStrike" sz="1800" u="none" kumimoji="0" normalizeH="0">
+          <a:defRPr kumimoji="0" sz="1800" b="0" i="0" u="none" strike="noStrike" cap="none" spc="0" normalizeH="0" baseline="0">
             <a:ln>
               <a:noFill/>
             </a:ln>
@@ -16820,9 +16463,15 @@
         </a:lvl9pPr>
       </a:lstStyle>
       <a:style>
-        <a:lnRef idx="0"/>
-        <a:fillRef idx="0"/>
-        <a:effectRef idx="0"/>
+        <a:lnRef idx="0">
+          <a:scrgbClr r="0" g="0" b="0"/>
+        </a:lnRef>
+        <a:fillRef idx="0">
+          <a:scrgbClr r="0" g="0" b="0"/>
+        </a:fillRef>
+        <a:effectRef idx="0">
+          <a:scrgbClr r="0" g="0" b="0"/>
+        </a:effectRef>
         <a:fontRef idx="none"/>
       </a:style>
     </a:lnDef>
@@ -16835,7 +16484,7 @@
         </a:ln>
         <a:effectLst/>
       </a:spPr>
-      <a:bodyPr rot="0" spcFirstLastPara="1" vertOverflow="overflow" horzOverflow="overflow" vert="horz" wrap="square" lIns="45719" tIns="45719" rIns="45719" bIns="45719" numCol="1" spcCol="38100" rtlCol="0" anchor="t" upright="0">
+      <a:bodyPr rot="0" spcFirstLastPara="1" vertOverflow="overflow" horzOverflow="overflow" vert="horz" wrap="square" lIns="45719" tIns="45719" rIns="45719" bIns="45719" numCol="1" spcCol="38100" rtlCol="0" anchor="t">
         <a:spAutoFit/>
       </a:bodyPr>
       <a:lstStyle>
@@ -16854,7 +16503,7 @@
           <a:buFontTx/>
           <a:buNone/>
           <a:tabLst/>
-          <a:defRPr b="0" baseline="0" cap="none" i="0" spc="0" strike="noStrike" sz="2400" u="none" kumimoji="0" normalizeH="0">
+          <a:defRPr kumimoji="0" sz="2400" b="0" i="0" u="none" strike="noStrike" cap="none" spc="0" normalizeH="0" baseline="0">
             <a:ln>
               <a:noFill/>
             </a:ln>
@@ -16884,7 +16533,7 @@
           <a:buFontTx/>
           <a:buNone/>
           <a:tabLst/>
-          <a:defRPr b="0" baseline="0" cap="none" i="0" spc="0" strike="noStrike" sz="1800" u="none" kumimoji="0" normalizeH="0">
+          <a:defRPr kumimoji="0" sz="1800" b="0" i="0" u="none" strike="noStrike" cap="none" spc="0" normalizeH="0" baseline="0">
             <a:ln>
               <a:noFill/>
             </a:ln>
@@ -16910,7 +16559,7 @@
           <a:buFontTx/>
           <a:buNone/>
           <a:tabLst/>
-          <a:defRPr b="0" baseline="0" cap="none" i="0" spc="0" strike="noStrike" sz="1800" u="none" kumimoji="0" normalizeH="0">
+          <a:defRPr kumimoji="0" sz="1800" b="0" i="0" u="none" strike="noStrike" cap="none" spc="0" normalizeH="0" baseline="0">
             <a:ln>
               <a:noFill/>
             </a:ln>
@@ -16936,7 +16585,7 @@
           <a:buFontTx/>
           <a:buNone/>
           <a:tabLst/>
-          <a:defRPr b="0" baseline="0" cap="none" i="0" spc="0" strike="noStrike" sz="1800" u="none" kumimoji="0" normalizeH="0">
+          <a:defRPr kumimoji="0" sz="1800" b="0" i="0" u="none" strike="noStrike" cap="none" spc="0" normalizeH="0" baseline="0">
             <a:ln>
               <a:noFill/>
             </a:ln>
@@ -16962,7 +16611,7 @@
           <a:buFontTx/>
           <a:buNone/>
           <a:tabLst/>
-          <a:defRPr b="0" baseline="0" cap="none" i="0" spc="0" strike="noStrike" sz="1800" u="none" kumimoji="0" normalizeH="0">
+          <a:defRPr kumimoji="0" sz="1800" b="0" i="0" u="none" strike="noStrike" cap="none" spc="0" normalizeH="0" baseline="0">
             <a:ln>
               <a:noFill/>
             </a:ln>
@@ -16988,7 +16637,7 @@
           <a:buFontTx/>
           <a:buNone/>
           <a:tabLst/>
-          <a:defRPr b="0" baseline="0" cap="none" i="0" spc="0" strike="noStrike" sz="1800" u="none" kumimoji="0" normalizeH="0">
+          <a:defRPr kumimoji="0" sz="1800" b="0" i="0" u="none" strike="noStrike" cap="none" spc="0" normalizeH="0" baseline="0">
             <a:ln>
               <a:noFill/>
             </a:ln>
@@ -17014,7 +16663,7 @@
           <a:buFontTx/>
           <a:buNone/>
           <a:tabLst/>
-          <a:defRPr b="0" baseline="0" cap="none" i="0" spc="0" strike="noStrike" sz="1800" u="none" kumimoji="0" normalizeH="0">
+          <a:defRPr kumimoji="0" sz="1800" b="0" i="0" u="none" strike="noStrike" cap="none" spc="0" normalizeH="0" baseline="0">
             <a:ln>
               <a:noFill/>
             </a:ln>
@@ -17040,7 +16689,7 @@
           <a:buFontTx/>
           <a:buNone/>
           <a:tabLst/>
-          <a:defRPr b="0" baseline="0" cap="none" i="0" spc="0" strike="noStrike" sz="1800" u="none" kumimoji="0" normalizeH="0">
+          <a:defRPr kumimoji="0" sz="1800" b="0" i="0" u="none" strike="noStrike" cap="none" spc="0" normalizeH="0" baseline="0">
             <a:ln>
               <a:noFill/>
             </a:ln>
@@ -17066,7 +16715,7 @@
           <a:buFontTx/>
           <a:buNone/>
           <a:tabLst/>
-          <a:defRPr b="0" baseline="0" cap="none" i="0" spc="0" strike="noStrike" sz="1800" u="none" kumimoji="0" normalizeH="0">
+          <a:defRPr kumimoji="0" sz="1800" b="0" i="0" u="none" strike="noStrike" cap="none" spc="0" normalizeH="0" baseline="0">
             <a:ln>
               <a:noFill/>
             </a:ln>
@@ -17092,7 +16741,7 @@
           <a:buFontTx/>
           <a:buNone/>
           <a:tabLst/>
-          <a:defRPr b="0" baseline="0" cap="none" i="0" spc="0" strike="noStrike" sz="1800" u="none" kumimoji="0" normalizeH="0">
+          <a:defRPr kumimoji="0" sz="1800" b="0" i="0" u="none" strike="noStrike" cap="none" spc="0" normalizeH="0" baseline="0">
             <a:ln>
               <a:noFill/>
             </a:ln>
@@ -17105,18 +16754,25 @@
         </a:lvl9pPr>
       </a:lstStyle>
       <a:style>
-        <a:lnRef idx="0"/>
-        <a:fillRef idx="0"/>
-        <a:effectRef idx="0"/>
+        <a:lnRef idx="0">
+          <a:scrgbClr r="0" g="0" b="0"/>
+        </a:lnRef>
+        <a:fillRef idx="0">
+          <a:scrgbClr r="0" g="0" b="0"/>
+        </a:fillRef>
+        <a:effectRef idx="0">
+          <a:scrgbClr r="0" g="0" b="0"/>
+        </a:effectRef>
         <a:fontRef idx="none"/>
       </a:style>
     </a:txDef>
   </a:objectDefaults>
+  <a:extraClrSchemeLst/>
 </a:theme>
 </file>
 
 <file path=ppt/theme/theme2.xml><?xml version="1.0" encoding="utf-8"?>
-<a:theme xmlns:a="http://schemas.openxmlformats.org/drawingml/2006/main" xmlns:r="http://schemas.openxmlformats.org/officeDocument/2006/relationships" name="Default">
+<a:theme xmlns:a="http://schemas.openxmlformats.org/drawingml/2006/main" name="Default">
   <a:themeElements>
     <a:clrScheme name="Default">
       <a:dk1>
@@ -17248,7 +16904,7 @@
         </a:effectStyle>
         <a:effectStyle>
           <a:effectLst>
-            <a:outerShdw sx="100000" sy="100000" kx="0" ky="0" algn="b" rotWithShape="0" blurRad="38100" dist="20000" dir="5400000">
+            <a:outerShdw blurRad="38100" dist="20000" dir="5400000" rotWithShape="0">
               <a:srgbClr val="000000">
                 <a:alpha val="38000"/>
               </a:srgbClr>
@@ -17323,7 +16979,7 @@
         </a:ln>
         <a:effectLst/>
       </a:spPr>
-      <a:bodyPr rot="0" spcFirstLastPara="1" vertOverflow="overflow" horzOverflow="overflow" vert="horz" wrap="square" lIns="45719" tIns="45719" rIns="45719" bIns="45719" numCol="1" spcCol="38100" rtlCol="0" anchor="t" upright="0">
+      <a:bodyPr rot="0" spcFirstLastPara="1" vertOverflow="overflow" horzOverflow="overflow" vert="horz" wrap="square" lIns="45719" tIns="45719" rIns="45719" bIns="45719" numCol="1" spcCol="38100" rtlCol="0" anchor="t">
         <a:spAutoFit/>
       </a:bodyPr>
       <a:lstStyle>
@@ -17342,7 +16998,7 @@
           <a:buFontTx/>
           <a:buNone/>
           <a:tabLst/>
-          <a:defRPr b="0" baseline="0" cap="none" i="0" spc="0" strike="noStrike" sz="2400" u="none" kumimoji="0" normalizeH="0">
+          <a:defRPr kumimoji="0" sz="2400" b="0" i="0" u="none" strike="noStrike" cap="none" spc="0" normalizeH="0" baseline="0">
             <a:ln>
               <a:noFill/>
             </a:ln>
@@ -17372,7 +17028,7 @@
           <a:buFontTx/>
           <a:buNone/>
           <a:tabLst/>
-          <a:defRPr b="0" baseline="0" cap="none" i="0" spc="0" strike="noStrike" sz="1800" u="none" kumimoji="0" normalizeH="0">
+          <a:defRPr kumimoji="0" sz="1800" b="0" i="0" u="none" strike="noStrike" cap="none" spc="0" normalizeH="0" baseline="0">
             <a:ln>
               <a:noFill/>
             </a:ln>
@@ -17398,7 +17054,7 @@
           <a:buFontTx/>
           <a:buNone/>
           <a:tabLst/>
-          <a:defRPr b="0" baseline="0" cap="none" i="0" spc="0" strike="noStrike" sz="1800" u="none" kumimoji="0" normalizeH="0">
+          <a:defRPr kumimoji="0" sz="1800" b="0" i="0" u="none" strike="noStrike" cap="none" spc="0" normalizeH="0" baseline="0">
             <a:ln>
               <a:noFill/>
             </a:ln>
@@ -17424,7 +17080,7 @@
           <a:buFontTx/>
           <a:buNone/>
           <a:tabLst/>
-          <a:defRPr b="0" baseline="0" cap="none" i="0" spc="0" strike="noStrike" sz="1800" u="none" kumimoji="0" normalizeH="0">
+          <a:defRPr kumimoji="0" sz="1800" b="0" i="0" u="none" strike="noStrike" cap="none" spc="0" normalizeH="0" baseline="0">
             <a:ln>
               <a:noFill/>
             </a:ln>
@@ -17450,7 +17106,7 @@
           <a:buFontTx/>
           <a:buNone/>
           <a:tabLst/>
-          <a:defRPr b="0" baseline="0" cap="none" i="0" spc="0" strike="noStrike" sz="1800" u="none" kumimoji="0" normalizeH="0">
+          <a:defRPr kumimoji="0" sz="1800" b="0" i="0" u="none" strike="noStrike" cap="none" spc="0" normalizeH="0" baseline="0">
             <a:ln>
               <a:noFill/>
             </a:ln>
@@ -17476,7 +17132,7 @@
           <a:buFontTx/>
           <a:buNone/>
           <a:tabLst/>
-          <a:defRPr b="0" baseline="0" cap="none" i="0" spc="0" strike="noStrike" sz="1800" u="none" kumimoji="0" normalizeH="0">
+          <a:defRPr kumimoji="0" sz="1800" b="0" i="0" u="none" strike="noStrike" cap="none" spc="0" normalizeH="0" baseline="0">
             <a:ln>
               <a:noFill/>
             </a:ln>
@@ -17502,7 +17158,7 @@
           <a:buFontTx/>
           <a:buNone/>
           <a:tabLst/>
-          <a:defRPr b="0" baseline="0" cap="none" i="0" spc="0" strike="noStrike" sz="1800" u="none" kumimoji="0" normalizeH="0">
+          <a:defRPr kumimoji="0" sz="1800" b="0" i="0" u="none" strike="noStrike" cap="none" spc="0" normalizeH="0" baseline="0">
             <a:ln>
               <a:noFill/>
             </a:ln>
@@ -17528,7 +17184,7 @@
           <a:buFontTx/>
           <a:buNone/>
           <a:tabLst/>
-          <a:defRPr b="0" baseline="0" cap="none" i="0" spc="0" strike="noStrike" sz="1800" u="none" kumimoji="0" normalizeH="0">
+          <a:defRPr kumimoji="0" sz="1800" b="0" i="0" u="none" strike="noStrike" cap="none" spc="0" normalizeH="0" baseline="0">
             <a:ln>
               <a:noFill/>
             </a:ln>
@@ -17554,7 +17210,7 @@
           <a:buFontTx/>
           <a:buNone/>
           <a:tabLst/>
-          <a:defRPr b="0" baseline="0" cap="none" i="0" spc="0" strike="noStrike" sz="1800" u="none" kumimoji="0" normalizeH="0">
+          <a:defRPr kumimoji="0" sz="1800" b="0" i="0" u="none" strike="noStrike" cap="none" spc="0" normalizeH="0" baseline="0">
             <a:ln>
               <a:noFill/>
             </a:ln>
@@ -17580,7 +17236,7 @@
           <a:buFontTx/>
           <a:buNone/>
           <a:tabLst/>
-          <a:defRPr b="0" baseline="0" cap="none" i="0" spc="0" strike="noStrike" sz="1800" u="none" kumimoji="0" normalizeH="0">
+          <a:defRPr kumimoji="0" sz="1800" b="0" i="0" u="none" strike="noStrike" cap="none" spc="0" normalizeH="0" baseline="0">
             <a:ln>
               <a:noFill/>
             </a:ln>
@@ -17593,9 +17249,15 @@
         </a:lvl9pPr>
       </a:lstStyle>
       <a:style>
-        <a:lnRef idx="0"/>
-        <a:fillRef idx="0"/>
-        <a:effectRef idx="0"/>
+        <a:lnRef idx="0">
+          <a:scrgbClr r="0" g="0" b="0"/>
+        </a:lnRef>
+        <a:fillRef idx="0">
+          <a:scrgbClr r="0" g="0" b="0"/>
+        </a:fillRef>
+        <a:effectRef idx="0">
+          <a:scrgbClr r="0" g="0" b="0"/>
+        </a:effectRef>
         <a:fontRef idx="none"/>
       </a:style>
     </a:spDef>
@@ -17610,14 +17272,14 @@
           <a:bevel/>
         </a:ln>
         <a:effectLst>
-          <a:outerShdw sx="100000" sy="100000" kx="0" ky="0" algn="b" rotWithShape="0" blurRad="38100" dist="20000" dir="5400000">
+          <a:outerShdw blurRad="38100" dist="20000" dir="5400000" rotWithShape="0">
             <a:srgbClr val="000000">
               <a:alpha val="38000"/>
             </a:srgbClr>
           </a:outerShdw>
         </a:effectLst>
       </a:spPr>
-      <a:bodyPr rot="0" spcFirstLastPara="1" vertOverflow="overflow" horzOverflow="overflow" vert="horz" wrap="square" lIns="91439" tIns="45719" rIns="91439" bIns="45719" numCol="1" spcCol="38100" rtlCol="0" anchor="t" upright="0">
+      <a:bodyPr rot="0" spcFirstLastPara="1" vertOverflow="overflow" horzOverflow="overflow" vert="horz" wrap="square" lIns="91439" tIns="45719" rIns="91439" bIns="45719" numCol="1" spcCol="38100" rtlCol="0" anchor="t">
         <a:noAutofit/>
       </a:bodyPr>
       <a:lstStyle>
@@ -17636,7 +17298,7 @@
           <a:buFontTx/>
           <a:buNone/>
           <a:tabLst/>
-          <a:defRPr b="0" baseline="0" cap="none" i="0" spc="0" strike="noStrike" sz="1800" u="none" kumimoji="0" normalizeH="0">
+          <a:defRPr kumimoji="0" sz="1800" b="0" i="0" u="none" strike="noStrike" cap="none" spc="0" normalizeH="0" baseline="0">
             <a:ln>
               <a:noFill/>
             </a:ln>
@@ -17662,7 +17324,7 @@
           <a:buFontTx/>
           <a:buNone/>
           <a:tabLst/>
-          <a:defRPr b="0" baseline="0" cap="none" i="0" spc="0" strike="noStrike" sz="1800" u="none" kumimoji="0" normalizeH="0">
+          <a:defRPr kumimoji="0" sz="1800" b="0" i="0" u="none" strike="noStrike" cap="none" spc="0" normalizeH="0" baseline="0">
             <a:ln>
               <a:noFill/>
             </a:ln>
@@ -17688,7 +17350,7 @@
           <a:buFontTx/>
           <a:buNone/>
           <a:tabLst/>
-          <a:defRPr b="0" baseline="0" cap="none" i="0" spc="0" strike="noStrike" sz="1800" u="none" kumimoji="0" normalizeH="0">
+          <a:defRPr kumimoji="0" sz="1800" b="0" i="0" u="none" strike="noStrike" cap="none" spc="0" normalizeH="0" baseline="0">
             <a:ln>
               <a:noFill/>
             </a:ln>
@@ -17714,7 +17376,7 @@
           <a:buFontTx/>
           <a:buNone/>
           <a:tabLst/>
-          <a:defRPr b="0" baseline="0" cap="none" i="0" spc="0" strike="noStrike" sz="1800" u="none" kumimoji="0" normalizeH="0">
+          <a:defRPr kumimoji="0" sz="1800" b="0" i="0" u="none" strike="noStrike" cap="none" spc="0" normalizeH="0" baseline="0">
             <a:ln>
               <a:noFill/>
             </a:ln>
@@ -17740,7 +17402,7 @@
           <a:buFontTx/>
           <a:buNone/>
           <a:tabLst/>
-          <a:defRPr b="0" baseline="0" cap="none" i="0" spc="0" strike="noStrike" sz="1800" u="none" kumimoji="0" normalizeH="0">
+          <a:defRPr kumimoji="0" sz="1800" b="0" i="0" u="none" strike="noStrike" cap="none" spc="0" normalizeH="0" baseline="0">
             <a:ln>
               <a:noFill/>
             </a:ln>
@@ -17766,7 +17428,7 @@
           <a:buFontTx/>
           <a:buNone/>
           <a:tabLst/>
-          <a:defRPr b="0" baseline="0" cap="none" i="0" spc="0" strike="noStrike" sz="1800" u="none" kumimoji="0" normalizeH="0">
+          <a:defRPr kumimoji="0" sz="1800" b="0" i="0" u="none" strike="noStrike" cap="none" spc="0" normalizeH="0" baseline="0">
             <a:ln>
               <a:noFill/>
             </a:ln>
@@ -17792,7 +17454,7 @@
           <a:buFontTx/>
           <a:buNone/>
           <a:tabLst/>
-          <a:defRPr b="0" baseline="0" cap="none" i="0" spc="0" strike="noStrike" sz="1800" u="none" kumimoji="0" normalizeH="0">
+          <a:defRPr kumimoji="0" sz="1800" b="0" i="0" u="none" strike="noStrike" cap="none" spc="0" normalizeH="0" baseline="0">
             <a:ln>
               <a:noFill/>
             </a:ln>
@@ -17818,7 +17480,7 @@
           <a:buFontTx/>
           <a:buNone/>
           <a:tabLst/>
-          <a:defRPr b="0" baseline="0" cap="none" i="0" spc="0" strike="noStrike" sz="1800" u="none" kumimoji="0" normalizeH="0">
+          <a:defRPr kumimoji="0" sz="1800" b="0" i="0" u="none" strike="noStrike" cap="none" spc="0" normalizeH="0" baseline="0">
             <a:ln>
               <a:noFill/>
             </a:ln>
@@ -17844,7 +17506,7 @@
           <a:buFontTx/>
           <a:buNone/>
           <a:tabLst/>
-          <a:defRPr b="0" baseline="0" cap="none" i="0" spc="0" strike="noStrike" sz="1800" u="none" kumimoji="0" normalizeH="0">
+          <a:defRPr kumimoji="0" sz="1800" b="0" i="0" u="none" strike="noStrike" cap="none" spc="0" normalizeH="0" baseline="0">
             <a:ln>
               <a:noFill/>
             </a:ln>
@@ -17870,7 +17532,7 @@
           <a:buFontTx/>
           <a:buNone/>
           <a:tabLst/>
-          <a:defRPr b="0" baseline="0" cap="none" i="0" spc="0" strike="noStrike" sz="1800" u="none" kumimoji="0" normalizeH="0">
+          <a:defRPr kumimoji="0" sz="1800" b="0" i="0" u="none" strike="noStrike" cap="none" spc="0" normalizeH="0" baseline="0">
             <a:ln>
               <a:noFill/>
             </a:ln>
@@ -17883,9 +17545,15 @@
         </a:lvl9pPr>
       </a:lstStyle>
       <a:style>
-        <a:lnRef idx="0"/>
-        <a:fillRef idx="0"/>
-        <a:effectRef idx="0"/>
+        <a:lnRef idx="0">
+          <a:scrgbClr r="0" g="0" b="0"/>
+        </a:lnRef>
+        <a:fillRef idx="0">
+          <a:scrgbClr r="0" g="0" b="0"/>
+        </a:fillRef>
+        <a:effectRef idx="0">
+          <a:scrgbClr r="0" g="0" b="0"/>
+        </a:effectRef>
         <a:fontRef idx="none"/>
       </a:style>
     </a:lnDef>
@@ -17898,7 +17566,7 @@
         </a:ln>
         <a:effectLst/>
       </a:spPr>
-      <a:bodyPr rot="0" spcFirstLastPara="1" vertOverflow="overflow" horzOverflow="overflow" vert="horz" wrap="square" lIns="45719" tIns="45719" rIns="45719" bIns="45719" numCol="1" spcCol="38100" rtlCol="0" anchor="t" upright="0">
+      <a:bodyPr rot="0" spcFirstLastPara="1" vertOverflow="overflow" horzOverflow="overflow" vert="horz" wrap="square" lIns="45719" tIns="45719" rIns="45719" bIns="45719" numCol="1" spcCol="38100" rtlCol="0" anchor="t">
         <a:spAutoFit/>
       </a:bodyPr>
       <a:lstStyle>
@@ -17917,7 +17585,7 @@
           <a:buFontTx/>
           <a:buNone/>
           <a:tabLst/>
-          <a:defRPr b="0" baseline="0" cap="none" i="0" spc="0" strike="noStrike" sz="2400" u="none" kumimoji="0" normalizeH="0">
+          <a:defRPr kumimoji="0" sz="2400" b="0" i="0" u="none" strike="noStrike" cap="none" spc="0" normalizeH="0" baseline="0">
             <a:ln>
               <a:noFill/>
             </a:ln>
@@ -17947,7 +17615,7 @@
           <a:buFontTx/>
           <a:buNone/>
           <a:tabLst/>
-          <a:defRPr b="0" baseline="0" cap="none" i="0" spc="0" strike="noStrike" sz="1800" u="none" kumimoji="0" normalizeH="0">
+          <a:defRPr kumimoji="0" sz="1800" b="0" i="0" u="none" strike="noStrike" cap="none" spc="0" normalizeH="0" baseline="0">
             <a:ln>
               <a:noFill/>
             </a:ln>
@@ -17973,7 +17641,7 @@
           <a:buFontTx/>
           <a:buNone/>
           <a:tabLst/>
-          <a:defRPr b="0" baseline="0" cap="none" i="0" spc="0" strike="noStrike" sz="1800" u="none" kumimoji="0" normalizeH="0">
+          <a:defRPr kumimoji="0" sz="1800" b="0" i="0" u="none" strike="noStrike" cap="none" spc="0" normalizeH="0" baseline="0">
             <a:ln>
               <a:noFill/>
             </a:ln>
@@ -17999,7 +17667,7 @@
           <a:buFontTx/>
           <a:buNone/>
           <a:tabLst/>
-          <a:defRPr b="0" baseline="0" cap="none" i="0" spc="0" strike="noStrike" sz="1800" u="none" kumimoji="0" normalizeH="0">
+          <a:defRPr kumimoji="0" sz="1800" b="0" i="0" u="none" strike="noStrike" cap="none" spc="0" normalizeH="0" baseline="0">
             <a:ln>
               <a:noFill/>
             </a:ln>
@@ -18025,7 +17693,7 @@
           <a:buFontTx/>
           <a:buNone/>
           <a:tabLst/>
-          <a:defRPr b="0" baseline="0" cap="none" i="0" spc="0" strike="noStrike" sz="1800" u="none" kumimoji="0" normalizeH="0">
+          <a:defRPr kumimoji="0" sz="1800" b="0" i="0" u="none" strike="noStrike" cap="none" spc="0" normalizeH="0" baseline="0">
             <a:ln>
               <a:noFill/>
             </a:ln>
@@ -18051,7 +17719,7 @@
           <a:buFontTx/>
           <a:buNone/>
           <a:tabLst/>
-          <a:defRPr b="0" baseline="0" cap="none" i="0" spc="0" strike="noStrike" sz="1800" u="none" kumimoji="0" normalizeH="0">
+          <a:defRPr kumimoji="0" sz="1800" b="0" i="0" u="none" strike="noStrike" cap="none" spc="0" normalizeH="0" baseline="0">
             <a:ln>
               <a:noFill/>
             </a:ln>
@@ -18077,7 +17745,7 @@
           <a:buFontTx/>
           <a:buNone/>
           <a:tabLst/>
-          <a:defRPr b="0" baseline="0" cap="none" i="0" spc="0" strike="noStrike" sz="1800" u="none" kumimoji="0" normalizeH="0">
+          <a:defRPr kumimoji="0" sz="1800" b="0" i="0" u="none" strike="noStrike" cap="none" spc="0" normalizeH="0" baseline="0">
             <a:ln>
               <a:noFill/>
             </a:ln>
@@ -18103,7 +17771,7 @@
           <a:buFontTx/>
           <a:buNone/>
           <a:tabLst/>
-          <a:defRPr b="0" baseline="0" cap="none" i="0" spc="0" strike="noStrike" sz="1800" u="none" kumimoji="0" normalizeH="0">
+          <a:defRPr kumimoji="0" sz="1800" b="0" i="0" u="none" strike="noStrike" cap="none" spc="0" normalizeH="0" baseline="0">
             <a:ln>
               <a:noFill/>
             </a:ln>
@@ -18129,7 +17797,7 @@
           <a:buFontTx/>
           <a:buNone/>
           <a:tabLst/>
-          <a:defRPr b="0" baseline="0" cap="none" i="0" spc="0" strike="noStrike" sz="1800" u="none" kumimoji="0" normalizeH="0">
+          <a:defRPr kumimoji="0" sz="1800" b="0" i="0" u="none" strike="noStrike" cap="none" spc="0" normalizeH="0" baseline="0">
             <a:ln>
               <a:noFill/>
             </a:ln>
@@ -18155,7 +17823,7 @@
           <a:buFontTx/>
           <a:buNone/>
           <a:tabLst/>
-          <a:defRPr b="0" baseline="0" cap="none" i="0" spc="0" strike="noStrike" sz="1800" u="none" kumimoji="0" normalizeH="0">
+          <a:defRPr kumimoji="0" sz="1800" b="0" i="0" u="none" strike="noStrike" cap="none" spc="0" normalizeH="0" baseline="0">
             <a:ln>
               <a:noFill/>
             </a:ln>
@@ -18168,12 +17836,19 @@
         </a:lvl9pPr>
       </a:lstStyle>
       <a:style>
-        <a:lnRef idx="0"/>
-        <a:fillRef idx="0"/>
-        <a:effectRef idx="0"/>
+        <a:lnRef idx="0">
+          <a:scrgbClr r="0" g="0" b="0"/>
+        </a:lnRef>
+        <a:fillRef idx="0">
+          <a:scrgbClr r="0" g="0" b="0"/>
+        </a:fillRef>
+        <a:effectRef idx="0">
+          <a:scrgbClr r="0" g="0" b="0"/>
+        </a:effectRef>
         <a:fontRef idx="none"/>
       </a:style>
     </a:txDef>
   </a:objectDefaults>
+  <a:extraClrSchemeLst/>
 </a:theme>
 </file>
--- a/dns/dns1-presentation.pptx
+++ b/dns/dns1-presentation.pptx
@@ -141,6 +141,11 @@
       </a:defRPr>
     </a:lvl9pPr>
   </p:defaultTextStyle>
+  <p:extLst>
+    <p:ext uri="{EFAFB233-063F-42B5-8137-9DF3F51BA10A}">
+      <p15:sldGuideLst xmlns:p15="http://schemas.microsoft.com/office/powerpoint/2012/main"/>
+    </p:ext>
+  </p:extLst>
 </p:presentation>
 </file>
 
@@ -1958,8 +1963,40 @@
               <a:defRPr sz="1800"/>
             </a:pPr>
             <a:r>
-              <a:rPr sz="2890"/>
-              <a:t>Commonly seen Resource Records (RRs)</a:t>
+              <a:rPr sz="2890" dirty="0"/>
+              <a:t>Commonly seen Resource </a:t>
+            </a:r>
+            <a:r>
+              <a:rPr sz="2890" dirty="0" smtClean="0"/>
+              <a:t>Record</a:t>
+            </a:r>
+            <a:r>
+              <a:rPr lang="en-US" sz="2890" dirty="0" smtClean="0"/>
+              <a:t> Type</a:t>
+            </a:r>
+            <a:r>
+              <a:rPr sz="2890" dirty="0" smtClean="0"/>
+              <a:t>s </a:t>
+            </a:r>
+            <a:r>
+              <a:rPr sz="2890" dirty="0"/>
+              <a:t>(</a:t>
+            </a:r>
+            <a:r>
+              <a:rPr sz="2890" dirty="0" smtClean="0"/>
+              <a:t>RR</a:t>
+            </a:r>
+            <a:r>
+              <a:rPr lang="en-US" sz="2890" dirty="0" smtClean="0"/>
+              <a:t>TYPE</a:t>
+            </a:r>
+            <a:r>
+              <a:rPr sz="2890" dirty="0" smtClean="0"/>
+              <a:t>s</a:t>
+            </a:r>
+            <a:r>
+              <a:rPr sz="2890" dirty="0"/>
+              <a:t>)</a:t>
             </a:r>
           </a:p>
         </p:txBody>
@@ -2030,7 +2067,7 @@
               <a:defRPr sz="1800"/>
             </a:pPr>
             <a:r>
-              <a:rPr sz="2600"/>
+              <a:rPr sz="2600" dirty="0"/>
               <a:t>A (address): map hostname to IPv4 address</a:t>
             </a:r>
           </a:p>
@@ -2068,7 +2105,7 @@
               <a:defRPr sz="1800"/>
             </a:pPr>
             <a:r>
-              <a:rPr sz="2600"/>
+              <a:rPr sz="2600" dirty="0"/>
               <a:t>AAAA (quad A): map a hostname to IPv6 address</a:t>
             </a:r>
           </a:p>
@@ -2106,7 +2143,7 @@
               <a:defRPr sz="1800"/>
             </a:pPr>
             <a:r>
-              <a:rPr sz="2600"/>
+              <a:rPr sz="2600" dirty="0"/>
               <a:t>PTR (pointer): map IP address to hostname</a:t>
             </a:r>
           </a:p>
@@ -2144,9 +2181,14 @@
               <a:defRPr sz="1800"/>
             </a:pPr>
             <a:r>
-              <a:rPr sz="2600"/>
-              <a:t>MX (mail exchanger): where to deliver mail for user@domain</a:t>
-            </a:r>
+              <a:rPr sz="2600" dirty="0"/>
+              <a:t>MX (mail exchanger): where to deliver mail for </a:t>
+            </a:r>
+            <a:r>
+              <a:rPr lang="en-US" sz="2600" dirty="0" smtClean="0"/>
+              <a:t>a mail domain</a:t>
+            </a:r>
+            <a:endParaRPr sz="2600" dirty="0"/>
           </a:p>
           <a:p>
             <a:pPr marL="297769" lvl="0" indent="-297769">
@@ -2182,7 +2224,7 @@
               <a:defRPr sz="1800"/>
             </a:pPr>
             <a:r>
-              <a:rPr sz="2600"/>
+              <a:rPr sz="2600" dirty="0"/>
               <a:t>CNAME (canonical name): map alternative hostname to real hostname</a:t>
             </a:r>
           </a:p>
@@ -2220,7 +2262,7 @@
               <a:defRPr sz="1800"/>
             </a:pPr>
             <a:r>
-              <a:rPr sz="2600"/>
+              <a:rPr sz="2600" dirty="0"/>
               <a:t>TXT (text): any descriptive text</a:t>
             </a:r>
           </a:p>
@@ -2258,7 +2300,7 @@
               <a:defRPr sz="1800"/>
             </a:pPr>
             <a:r>
-              <a:rPr sz="2600"/>
+              <a:rPr sz="2600" dirty="0"/>
               <a:t>NS (name server), SOA (start of authority): used for delegation and management of the DNS itself</a:t>
             </a:r>
           </a:p>
@@ -2438,11 +2480,11 @@
               <a:defRPr sz="1800"/>
             </a:pPr>
             <a:r>
-              <a:rPr sz="2800"/>
+              <a:rPr sz="2800" dirty="0"/>
               <a:t>Query: 			</a:t>
             </a:r>
             <a:r>
-              <a:rPr sz="2800" b="1">
+              <a:rPr sz="2800" b="1" dirty="0">
                 <a:solidFill>
                   <a:srgbClr val="4700B8"/>
                 </a:solidFill>
@@ -2499,11 +2541,11 @@
               <a:defRPr sz="1800"/>
             </a:pPr>
             <a:r>
-              <a:rPr sz="2800"/>
+              <a:rPr sz="2800" dirty="0"/>
               <a:t>Query type: </a:t>
             </a:r>
             <a:r>
-              <a:rPr sz="2800">
+              <a:rPr sz="2800" dirty="0">
                 <a:solidFill>
                   <a:srgbClr val="4700B8"/>
                 </a:solidFill>
@@ -2511,7 +2553,7 @@
               <a:t>	</a:t>
             </a:r>
             <a:r>
-              <a:rPr sz="2800" b="1">
+              <a:rPr sz="2800" b="1" dirty="0">
                 <a:solidFill>
                   <a:srgbClr val="4700B8"/>
                 </a:solidFill>
@@ -2568,7 +2610,7 @@
               <a:defRPr sz="1800"/>
             </a:pPr>
             <a:r>
-              <a:rPr sz="2800"/>
+              <a:rPr sz="2800" dirty="0"/>
               <a:t>Result:</a:t>
             </a:r>
           </a:p>
@@ -2617,7 +2659,7 @@
               </a:tabLst>
               <a:defRPr sz="1800"/>
             </a:pPr>
-            <a:endParaRPr sz="2200" b="1" i="1">
+            <a:endParaRPr sz="2200" b="1" i="1" dirty="0">
               <a:solidFill>
                 <a:srgbClr val="4700B8"/>
               </a:solidFill>
@@ -2673,7 +2715,7 @@
               <a:defRPr sz="1800"/>
             </a:pPr>
             <a:r>
-              <a:rPr sz="2200" b="1" i="1">
+              <a:rPr sz="2200" b="1" i="1" dirty="0">
                 <a:solidFill>
                   <a:srgbClr val="4700B8"/>
                 </a:solidFill>
@@ -2730,7 +2772,7 @@
               </a:tabLst>
               <a:defRPr sz="1800"/>
             </a:pPr>
-            <a:endParaRPr sz="2200" b="1" i="1">
+            <a:endParaRPr sz="2200" b="1" i="1" dirty="0">
               <a:solidFill>
                 <a:srgbClr val="FF0000"/>
               </a:solidFill>
@@ -2785,12 +2827,32 @@
               <a:defRPr sz="1800"/>
             </a:pPr>
             <a:r>
-              <a:rPr sz="2600"/>
-              <a:t>In this case a single RR is found, </a:t>
-            </a:r>
-            <a:r>
-              <a:rPr sz="2800"/>
-              <a:t>but in general, multiple RRs may be returned.</a:t>
+              <a:rPr sz="2600" dirty="0"/>
+              <a:t>In this case a single </a:t>
+            </a:r>
+            <a:r>
+              <a:rPr sz="2600" dirty="0" smtClean="0"/>
+              <a:t>RR </a:t>
+            </a:r>
+            <a:r>
+              <a:rPr sz="2600" dirty="0"/>
+              <a:t>is found, </a:t>
+            </a:r>
+            <a:r>
+              <a:rPr sz="2800" dirty="0"/>
+              <a:t>but </a:t>
+            </a:r>
+            <a:r>
+              <a:rPr lang="en-US" sz="2800" dirty="0" smtClean="0"/>
+              <a:t>a set of</a:t>
+            </a:r>
+            <a:r>
+              <a:rPr sz="2800" dirty="0" smtClean="0"/>
+              <a:t> </a:t>
+            </a:r>
+            <a:r>
+              <a:rPr sz="2800" dirty="0"/>
+              <a:t>multiple RRs may be returned.</a:t>
             </a:r>
           </a:p>
           <a:p>
@@ -2837,7 +2899,7 @@
               <a:defRPr sz="1800"/>
             </a:pPr>
             <a:r>
-              <a:rPr sz="2600"/>
+              <a:rPr sz="2600" dirty="0"/>
               <a:t>(IN is the "class" for INTERNET use of the DNS)</a:t>
             </a:r>
           </a:p>
@@ -3006,7 +3068,7 @@
               <a:defRPr sz="1800"/>
             </a:pPr>
             <a:r>
-              <a:rPr sz="2800"/>
+              <a:rPr sz="2800" dirty="0"/>
               <a:t>POSITIVE (“NOERROR”)</a:t>
             </a:r>
           </a:p>
@@ -3043,14 +3105,46 @@
               <a:defRPr sz="1800"/>
             </a:pPr>
             <a:r>
-              <a:rPr sz="2800">
+              <a:rPr sz="2800" dirty="0">
                 <a:solidFill>
                   <a:srgbClr val="2300DC"/>
                 </a:solidFill>
               </a:rPr>
-              <a:t>the name exists, and has zero or more RRs associated with it</a:t>
-            </a:r>
-            <a:endParaRPr sz="2400">
+              <a:t>the name exists, and has zero or more </a:t>
+            </a:r>
+            <a:r>
+              <a:rPr sz="2800" dirty="0" smtClean="0">
+                <a:solidFill>
+                  <a:srgbClr val="2300DC"/>
+                </a:solidFill>
+              </a:rPr>
+              <a:t>RR</a:t>
+            </a:r>
+            <a:r>
+              <a:rPr lang="en-US" sz="2800" dirty="0" smtClean="0">
+                <a:solidFill>
+                  <a:srgbClr val="2300DC"/>
+                </a:solidFill>
+              </a:rPr>
+              <a:t>Set</a:t>
+            </a:r>
+            <a:r>
+              <a:rPr sz="2800" dirty="0" smtClean="0">
+                <a:solidFill>
+                  <a:srgbClr val="2300DC"/>
+                </a:solidFill>
+              </a:rPr>
+              <a:t>s </a:t>
+            </a:r>
+            <a:r>
+              <a:rPr sz="2800" dirty="0">
+                <a:solidFill>
+                  <a:srgbClr val="2300DC"/>
+                </a:solidFill>
+              </a:rPr>
+              <a:t>associated with it</a:t>
+            </a:r>
+            <a:endParaRPr sz="2400" dirty="0">
               <a:solidFill>
                 <a:srgbClr val="2300DC"/>
               </a:solidFill>
@@ -3090,7 +3184,7 @@
               <a:defRPr sz="1800"/>
             </a:pPr>
             <a:r>
-              <a:rPr sz="2800"/>
+              <a:rPr sz="2800" dirty="0"/>
               <a:t>NEGATIVE (“NXDOMAIN”)</a:t>
             </a:r>
           </a:p>
@@ -3127,14 +3221,14 @@
               <a:defRPr sz="1800"/>
             </a:pPr>
             <a:r>
-              <a:rPr sz="2800">
+              <a:rPr sz="2800" dirty="0">
                 <a:solidFill>
                   <a:srgbClr val="2300DC"/>
                 </a:solidFill>
               </a:rPr>
               <a:t>the name does not exist</a:t>
             </a:r>
-            <a:endParaRPr sz="2400">
+            <a:endParaRPr sz="2400" dirty="0">
               <a:solidFill>
                 <a:srgbClr val="2300DC"/>
               </a:solidFill>
@@ -3171,7 +3265,7 @@
               <a:defRPr sz="1800"/>
             </a:pPr>
             <a:r>
-              <a:rPr sz="2800"/>
+              <a:rPr sz="2800" dirty="0"/>
               <a:t>SERVER FAILURE (“SERVFAIL”)</a:t>
             </a:r>
           </a:p>
@@ -3208,14 +3302,14 @@
               <a:defRPr sz="1800"/>
             </a:pPr>
             <a:r>
-              <a:rPr sz="2800">
+              <a:rPr sz="2800" dirty="0">
                 <a:solidFill>
                   <a:srgbClr val="2300DC"/>
                 </a:solidFill>
               </a:rPr>
               <a:t>server is having bad hair day</a:t>
             </a:r>
-            <a:endParaRPr sz="3200">
+            <a:endParaRPr sz="3200" dirty="0">
               <a:solidFill>
                 <a:srgbClr val="2300DC"/>
               </a:solidFill>
@@ -3255,7 +3349,7 @@
               <a:defRPr sz="1800"/>
             </a:pPr>
             <a:r>
-              <a:rPr sz="2800"/>
+              <a:rPr sz="2800" dirty="0"/>
               <a:t>FORMAT ERROR (“FORMERR”)</a:t>
             </a:r>
           </a:p>
@@ -3292,14 +3386,14 @@
               <a:defRPr sz="1800"/>
             </a:pPr>
             <a:r>
-              <a:rPr sz="2400">
+              <a:rPr sz="2400" dirty="0">
                 <a:solidFill>
                   <a:srgbClr val="2300DC"/>
                 </a:solidFill>
               </a:rPr>
               <a:t>the query you sent was broken in some way</a:t>
             </a:r>
-            <a:endParaRPr sz="2400"/>
+            <a:endParaRPr sz="2400" dirty="0"/>
           </a:p>
           <a:p>
             <a:pPr lvl="0">
@@ -3335,7 +3429,7 @@
               <a:defRPr sz="1800"/>
             </a:pPr>
             <a:r>
-              <a:rPr sz="2800"/>
+              <a:rPr sz="2800" dirty="0"/>
               <a:t>REFUSED (“REFUSED”)</a:t>
             </a:r>
           </a:p>
@@ -3372,12 +3466,28 @@
               <a:defRPr sz="1800"/>
             </a:pPr>
             <a:r>
-              <a:rPr sz="2800">
+              <a:rPr lang="en-US" sz="2800" dirty="0" smtClean="0">
                 <a:solidFill>
                   <a:srgbClr val="2300DC"/>
                 </a:solidFill>
               </a:rPr>
-              <a:t>not allowed to query the server</a:t>
+              <a:t>You are </a:t>
+            </a:r>
+            <a:r>
+              <a:rPr sz="2800" dirty="0" smtClean="0">
+                <a:solidFill>
+                  <a:srgbClr val="2300DC"/>
+                </a:solidFill>
+              </a:rPr>
+              <a:t>not </a:t>
+            </a:r>
+            <a:r>
+              <a:rPr sz="2800" dirty="0">
+                <a:solidFill>
+                  <a:srgbClr val="2300DC"/>
+                </a:solidFill>
+              </a:rPr>
+              <a:t>allowed to query the server</a:t>
             </a:r>
           </a:p>
         </p:txBody>
@@ -4227,7 +4337,7 @@
               <a:defRPr sz="1800"/>
             </a:pPr>
             <a:r>
-              <a:rPr sz="2800"/>
+              <a:rPr sz="2800" dirty="0"/>
               <a:t>(Of course - it runs across a network)</a:t>
             </a:r>
           </a:p>
@@ -4265,7 +4375,7 @@
               <a:defRPr sz="1800"/>
             </a:pPr>
             <a:r>
-              <a:rPr sz="2800"/>
+              <a:rPr sz="2800" dirty="0"/>
               <a:t>Requests and responses are most frequently carried in UDP packets, port 53</a:t>
             </a:r>
           </a:p>
@@ -4303,7 +4413,7 @@
               <a:defRPr sz="1800"/>
             </a:pPr>
             <a:r>
-              <a:rPr sz="2800"/>
+              <a:rPr sz="2800" dirty="0"/>
               <a:t>DNS can also use TCP transport, port 53</a:t>
             </a:r>
           </a:p>
@@ -4340,9 +4450,18 @@
               <a:defRPr sz="1800"/>
             </a:pPr>
             <a:r>
-              <a:rPr sz="2400"/>
-              <a:t>for very large responses e.g. zone transfers</a:t>
-            </a:r>
+              <a:rPr sz="2400" dirty="0"/>
+              <a:t>for </a:t>
+            </a:r>
+            <a:r>
+              <a:rPr sz="2400" dirty="0" smtClean="0"/>
+              <a:t>large responses</a:t>
+            </a:r>
+            <a:r>
+              <a:rPr lang="en-US" sz="2400" dirty="0" smtClean="0"/>
+              <a:t> (not just zone transfers)</a:t>
+            </a:r>
+            <a:endParaRPr sz="2400" dirty="0"/>
           </a:p>
           <a:p>
             <a:pPr marL="720725" lvl="1" indent="-263525">
@@ -4377,7 +4496,7 @@
               <a:defRPr sz="1800"/>
             </a:pPr>
             <a:r>
-              <a:rPr sz="2400"/>
+              <a:rPr sz="2400" dirty="0"/>
               <a:t>because you want to exchange more than one query/response on a single session</a:t>
             </a:r>
           </a:p>
@@ -4414,7 +4533,7 @@
               <a:defRPr sz="1800"/>
             </a:pPr>
             <a:r>
-              <a:rPr sz="2400"/>
+              <a:rPr sz="2400" dirty="0"/>
               <a:t>because a response you received told you to with TC=1</a:t>
             </a:r>
           </a:p>
@@ -4451,7 +4570,7 @@
               <a:defRPr sz="1800"/>
             </a:pPr>
             <a:r>
-              <a:rPr sz="2400"/>
+              <a:rPr sz="2400" dirty="0"/>
               <a:t>because UDP is being aggressively rate-limited or blocked (e.g. to mitigate a reflection attack)</a:t>
             </a:r>
           </a:p>
@@ -6839,7 +6958,7 @@
               <a:defRPr sz="1800"/>
             </a:pPr>
             <a:r>
-              <a:rPr sz="2800"/>
+              <a:rPr sz="2800" dirty="0"/>
               <a:t>It has to be explicitly configured (statically, or via DHCP etc)</a:t>
             </a:r>
           </a:p>
@@ -6877,7 +6996,7 @@
               </a:tabLst>
               <a:defRPr sz="1800"/>
             </a:pPr>
-            <a:endParaRPr sz="2800"/>
+            <a:endParaRPr sz="2800" dirty="0"/>
           </a:p>
           <a:p>
             <a:pPr lvl="0">
@@ -6913,8 +7032,20 @@
               <a:defRPr sz="1800"/>
             </a:pPr>
             <a:r>
-              <a:rPr sz="2800"/>
-              <a:t>Must be configured with the IP ADDRESS of a cache (why not name?)</a:t>
+              <a:rPr sz="2800" dirty="0"/>
+              <a:t>Must be configured with the IP ADDRESS of a cache (why not </a:t>
+            </a:r>
+            <a:r>
+              <a:rPr lang="en-US" sz="2800" dirty="0" smtClean="0"/>
+              <a:t>its </a:t>
+            </a:r>
+            <a:r>
+              <a:rPr sz="2800" dirty="0" smtClean="0"/>
+              <a:t>name</a:t>
+            </a:r>
+            <a:r>
+              <a:rPr sz="2800" dirty="0"/>
+              <a:t>?)</a:t>
             </a:r>
           </a:p>
           <a:p>
@@ -6951,7 +7082,7 @@
               </a:tabLst>
               <a:defRPr sz="1800"/>
             </a:pPr>
-            <a:endParaRPr sz="2800"/>
+            <a:endParaRPr sz="2800" dirty="0"/>
           </a:p>
           <a:p>
             <a:pPr lvl="0">
@@ -6987,9 +7118,65 @@
               <a:defRPr sz="1800"/>
             </a:pPr>
             <a:r>
-              <a:rPr sz="2800"/>
-              <a:t>Good idea to configure more than one cache, in case the first one fails</a:t>
-            </a:r>
+              <a:rPr sz="2800" dirty="0"/>
+              <a:t>Good idea to configure more than one </a:t>
+            </a:r>
+            <a:r>
+              <a:rPr lang="en-US" sz="2800" dirty="0" smtClean="0"/>
+              <a:t>recursive nameserver</a:t>
+            </a:r>
+            <a:r>
+              <a:rPr sz="2800" dirty="0" smtClean="0"/>
+              <a:t>, </a:t>
+            </a:r>
+            <a:r>
+              <a:rPr sz="2800" dirty="0"/>
+              <a:t>in case the first one </a:t>
+            </a:r>
+            <a:r>
+              <a:rPr sz="2800" dirty="0" smtClean="0"/>
+              <a:t>fails</a:t>
+            </a:r>
+            <a:endParaRPr lang="en-US" sz="2800" dirty="0" smtClean="0"/>
+          </a:p>
+          <a:p>
+            <a:pPr lvl="1">
+              <a:lnSpc>
+                <a:spcPct val="101000"/>
+              </a:lnSpc>
+              <a:spcBef>
+                <a:spcPts val="300"/>
+              </a:spcBef>
+              <a:buChar char="•"/>
+              <a:tabLst>
+                <a:tab pos="444500" algn="l"/>
+                <a:tab pos="901700" algn="l"/>
+                <a:tab pos="1358900" algn="l"/>
+                <a:tab pos="1816100" algn="l"/>
+                <a:tab pos="2273300" algn="l"/>
+                <a:tab pos="2730500" algn="l"/>
+                <a:tab pos="3187700" algn="l"/>
+                <a:tab pos="3644900" algn="l"/>
+                <a:tab pos="4102100" algn="l"/>
+                <a:tab pos="4559300" algn="l"/>
+                <a:tab pos="5016500" algn="l"/>
+                <a:tab pos="5473700" algn="l"/>
+                <a:tab pos="5930900" algn="l"/>
+                <a:tab pos="6388100" algn="l"/>
+                <a:tab pos="6845300" algn="l"/>
+                <a:tab pos="7302500" algn="l"/>
+                <a:tab pos="7759700" algn="l"/>
+                <a:tab pos="8216900" algn="l"/>
+                <a:tab pos="8674100" algn="l"/>
+                <a:tab pos="9131300" algn="l"/>
+              </a:tabLst>
+              <a:defRPr sz="1800"/>
+            </a:pPr>
+            <a:r>
+              <a:rPr lang="en-US" dirty="0" smtClean="0"/>
+              <a:t>But failover between them might not be quick</a:t>
+            </a:r>
+            <a:endParaRPr dirty="0"/>
           </a:p>
         </p:txBody>
       </p:sp>
@@ -7157,7 +7344,7 @@
               <a:defRPr sz="1800"/>
             </a:pPr>
             <a:r>
-              <a:rPr sz="2800"/>
+              <a:rPr sz="2800" dirty="0"/>
               <a:t>Must have PERMISSION to use it</a:t>
             </a:r>
           </a:p>
@@ -7194,8 +7381,32 @@
               <a:defRPr sz="1800"/>
             </a:pPr>
             <a:r>
-              <a:rPr sz="2400"/>
-              <a:t>e.g. cache at your ISP, or your own, or a reliably public one</a:t>
+              <a:rPr sz="2400" dirty="0"/>
+              <a:t>e.g. </a:t>
+            </a:r>
+            <a:r>
+              <a:rPr lang="en-US" sz="2400" dirty="0" smtClean="0"/>
+              <a:t>recursive resolver </a:t>
+            </a:r>
+            <a:r>
+              <a:rPr sz="2400" dirty="0" smtClean="0"/>
+              <a:t>at </a:t>
+            </a:r>
+            <a:r>
+              <a:rPr sz="2400" dirty="0"/>
+              <a:t>your ISP, or your own, or a </a:t>
+            </a:r>
+            <a:r>
+              <a:rPr lang="en-US" sz="2400" dirty="0" smtClean="0"/>
+              <a:t>deliberately-</a:t>
+            </a:r>
+            <a:r>
+              <a:rPr sz="2400" dirty="0" smtClean="0"/>
+              <a:t>public </a:t>
+            </a:r>
+            <a:r>
+              <a:rPr sz="2400" dirty="0"/>
+              <a:t>one</a:t>
             </a:r>
           </a:p>
           <a:p>
@@ -7232,9 +7443,14 @@
               <a:defRPr sz="1800"/>
             </a:pPr>
             <a:r>
-              <a:rPr sz="2800"/>
-              <a:t>Prefer a nearby cache</a:t>
-            </a:r>
+              <a:rPr sz="2800" dirty="0"/>
+              <a:t>Prefer a nearby </a:t>
+            </a:r>
+            <a:r>
+              <a:rPr lang="en-US" sz="2800" dirty="0" smtClean="0"/>
+              <a:t>recursive resolver</a:t>
+            </a:r>
+            <a:endParaRPr sz="2800" dirty="0"/>
           </a:p>
           <a:p>
             <a:pPr marL="720725" lvl="1" indent="-263525">
@@ -7269,7 +7485,7 @@
               <a:defRPr sz="1800"/>
             </a:pPr>
             <a:r>
-              <a:rPr sz="2400"/>
+              <a:rPr sz="2400" dirty="0"/>
               <a:t>Minimises round-trip time and packet loss</a:t>
             </a:r>
           </a:p>
@@ -7306,9 +7522,14 @@
               <a:defRPr sz="1800"/>
             </a:pPr>
             <a:r>
-              <a:rPr sz="2400"/>
-              <a:t>Can reduce traffic on your external link, since often the cache can answer without contacting other servers</a:t>
-            </a:r>
+              <a:rPr sz="2400" dirty="0"/>
+              <a:t>Can reduce traffic on your external link, since often the cache can answer without contacting other </a:t>
+            </a:r>
+            <a:r>
+              <a:rPr sz="2400" dirty="0" smtClean="0"/>
+              <a:t>servers</a:t>
+            </a:r>
+            <a:endParaRPr lang="en-US" dirty="0" smtClean="0"/>
           </a:p>
           <a:p>
             <a:pPr lvl="0">
@@ -7344,9 +7565,18 @@
               <a:defRPr sz="1800"/>
             </a:pPr>
             <a:r>
-              <a:rPr sz="2800"/>
-              <a:t>Prefer a reliable cache</a:t>
-            </a:r>
+              <a:rPr sz="2800" dirty="0" smtClean="0"/>
+              <a:t>Prefer </a:t>
+            </a:r>
+            <a:r>
+              <a:rPr sz="2800" dirty="0"/>
+              <a:t>a reliable </a:t>
+            </a:r>
+            <a:r>
+              <a:rPr lang="en-US" sz="2800" dirty="0" smtClean="0"/>
+              <a:t>recursive resolver</a:t>
+            </a:r>
+            <a:endParaRPr sz="2800" dirty="0"/>
           </a:p>
           <a:p>
             <a:pPr marL="720725" lvl="1" indent="-263525">
@@ -7381,7 +7611,7 @@
               <a:defRPr sz="1800"/>
             </a:pPr>
             <a:r>
-              <a:rPr sz="2400"/>
+              <a:rPr sz="2400" dirty="0"/>
               <a:t>Perhaps your own?</a:t>
             </a:r>
           </a:p>
@@ -7479,8 +7709,20 @@
               <a:defRPr sz="1800"/>
             </a:pPr>
             <a:r>
-              <a:rPr sz="3230"/>
-              <a:t>Stub resolvers can be configured with default domain(s)</a:t>
+              <a:rPr sz="3230" dirty="0"/>
+              <a:t>Stub resolvers can be configured with </a:t>
+            </a:r>
+            <a:r>
+              <a:rPr lang="en-US" sz="3230" dirty="0" smtClean="0"/>
+              <a:t>search </a:t>
+            </a:r>
+            <a:r>
+              <a:rPr sz="3230" dirty="0" smtClean="0"/>
+              <a:t>domain(s</a:t>
+            </a:r>
+            <a:r>
+              <a:rPr sz="3230" dirty="0"/>
+              <a:t>)</a:t>
             </a:r>
           </a:p>
         </p:txBody>
@@ -9284,7 +9526,7 @@
               <a:defRPr sz="1800"/>
             </a:pPr>
             <a:r>
-              <a:rPr sz="1500" b="1">
+              <a:rPr sz="1500" b="1" dirty="0">
                 <a:latin typeface="Courier New"/>
                 <a:ea typeface="Courier New"/>
                 <a:cs typeface="Courier New"/>
@@ -9313,7 +9555,7 @@
               </a:tabLst>
               <a:defRPr sz="1800"/>
             </a:pPr>
-            <a:endParaRPr sz="1500" b="1">
+            <a:endParaRPr sz="1500" b="1" dirty="0">
               <a:latin typeface="Courier New"/>
               <a:ea typeface="Courier New"/>
               <a:cs typeface="Courier New"/>
@@ -9341,7 +9583,7 @@
               <a:defRPr sz="1800"/>
             </a:pPr>
             <a:r>
-              <a:rPr sz="1500" b="1">
+              <a:rPr sz="1500" b="1" dirty="0">
                 <a:latin typeface="Courier New"/>
                 <a:ea typeface="Courier New"/>
                 <a:cs typeface="Courier New"/>
@@ -9371,7 +9613,7 @@
               <a:defRPr sz="1800"/>
             </a:pPr>
             <a:r>
-              <a:rPr sz="1500" b="1">
+              <a:rPr sz="1500" b="1" dirty="0">
                 <a:latin typeface="Courier New"/>
                 <a:ea typeface="Courier New"/>
                 <a:cs typeface="Courier New"/>
@@ -9401,7 +9643,7 @@
               <a:defRPr sz="1800"/>
             </a:pPr>
             <a:r>
-              <a:rPr sz="1500" b="1">
+              <a:rPr sz="1500" b="1" dirty="0">
                 <a:latin typeface="Courier New"/>
                 <a:ea typeface="Courier New"/>
                 <a:cs typeface="Courier New"/>
@@ -9431,7 +9673,7 @@
               <a:defRPr sz="1800"/>
             </a:pPr>
             <a:r>
-              <a:rPr sz="1500" b="1">
+              <a:rPr sz="1500" b="1" dirty="0">
                 <a:latin typeface="Courier New"/>
                 <a:ea typeface="Courier New"/>
                 <a:cs typeface="Courier New"/>
@@ -9461,7 +9703,7 @@
               <a:defRPr sz="1800"/>
             </a:pPr>
             <a:r>
-              <a:rPr sz="1500" b="1">
+              <a:rPr sz="1500" b="1" dirty="0">
                 <a:latin typeface="Courier New"/>
                 <a:ea typeface="Courier New"/>
                 <a:cs typeface="Courier New"/>
@@ -9491,7 +9733,7 @@
               <a:defRPr sz="1800"/>
             </a:pPr>
             <a:r>
-              <a:rPr sz="1500" b="1">
+              <a:rPr sz="1500" b="1" dirty="0">
                 <a:latin typeface="Courier New"/>
                 <a:ea typeface="Courier New"/>
                 <a:cs typeface="Courier New"/>
@@ -9520,7 +9762,7 @@
               </a:tabLst>
               <a:defRPr sz="1800"/>
             </a:pPr>
-            <a:endParaRPr sz="1500" b="1">
+            <a:endParaRPr sz="1500" b="1" dirty="0">
               <a:latin typeface="Courier New"/>
               <a:ea typeface="Courier New"/>
               <a:cs typeface="Courier New"/>
@@ -9548,7 +9790,7 @@
               <a:defRPr sz="1800"/>
             </a:pPr>
             <a:r>
-              <a:rPr sz="1500" b="1">
+              <a:rPr sz="1500" b="1" dirty="0">
                 <a:latin typeface="Courier New"/>
                 <a:ea typeface="Courier New"/>
                 <a:cs typeface="Courier New"/>
@@ -9578,7 +9820,7 @@
               <a:defRPr sz="1800"/>
             </a:pPr>
             <a:r>
-              <a:rPr sz="1500" b="1">
+              <a:rPr sz="1500" b="1" dirty="0">
                 <a:latin typeface="Courier New"/>
                 <a:ea typeface="Courier New"/>
                 <a:cs typeface="Courier New"/>
@@ -9607,7 +9849,7 @@
               </a:tabLst>
               <a:defRPr sz="1800"/>
             </a:pPr>
-            <a:endParaRPr sz="1500" b="1">
+            <a:endParaRPr sz="1500" b="1" dirty="0">
               <a:latin typeface="Courier New"/>
               <a:ea typeface="Courier New"/>
               <a:cs typeface="Courier New"/>
@@ -9635,7 +9877,7 @@
               <a:defRPr sz="1800"/>
             </a:pPr>
             <a:r>
-              <a:rPr sz="1500" b="1">
+              <a:rPr sz="1500" b="1" dirty="0">
                 <a:latin typeface="Courier New"/>
                 <a:ea typeface="Courier New"/>
                 <a:cs typeface="Courier New"/>
@@ -9665,7 +9907,7 @@
               <a:defRPr sz="1800"/>
             </a:pPr>
             <a:r>
-              <a:rPr sz="1500" b="1">
+              <a:rPr sz="1500" b="1" dirty="0">
                 <a:latin typeface="Courier New"/>
                 <a:ea typeface="Courier New"/>
                 <a:cs typeface="Courier New"/>
@@ -9695,7 +9937,7 @@
               <a:defRPr sz="1800"/>
             </a:pPr>
             <a:r>
-              <a:rPr sz="1500" b="1">
+              <a:rPr sz="1500" b="1" dirty="0">
                 <a:latin typeface="Courier New"/>
                 <a:ea typeface="Courier New"/>
                 <a:cs typeface="Courier New"/>
@@ -9724,7 +9966,7 @@
               </a:tabLst>
               <a:defRPr sz="1800"/>
             </a:pPr>
-            <a:endParaRPr sz="1500" b="1">
+            <a:endParaRPr sz="1500" b="1" dirty="0">
               <a:latin typeface="Courier New"/>
               <a:ea typeface="Courier New"/>
               <a:cs typeface="Courier New"/>
@@ -9752,7 +9994,7 @@
               <a:defRPr sz="1800"/>
             </a:pPr>
             <a:r>
-              <a:rPr sz="1500" b="1">
+              <a:rPr sz="1500" b="1" dirty="0">
                 <a:latin typeface="Courier New"/>
                 <a:ea typeface="Courier New"/>
                 <a:cs typeface="Courier New"/>
@@ -9782,7 +10024,7 @@
               <a:defRPr sz="1800"/>
             </a:pPr>
             <a:r>
-              <a:rPr sz="1500" b="1">
+              <a:rPr sz="1500" b="1" dirty="0">
                 <a:latin typeface="Courier New"/>
                 <a:ea typeface="Courier New"/>
                 <a:cs typeface="Courier New"/>
@@ -9812,7 +10054,7 @@
               <a:defRPr sz="1800"/>
             </a:pPr>
             <a:r>
-              <a:rPr sz="1500" b="1">
+              <a:rPr sz="1500" b="1" dirty="0">
                 <a:latin typeface="Courier New"/>
                 <a:ea typeface="Courier New"/>
                 <a:cs typeface="Courier New"/>
@@ -9842,7 +10084,7 @@
               <a:defRPr sz="1800"/>
             </a:pPr>
             <a:r>
-              <a:rPr sz="1500" b="1">
+              <a:rPr sz="1500" b="1" dirty="0">
                 <a:latin typeface="Courier New"/>
                 <a:ea typeface="Courier New"/>
                 <a:cs typeface="Courier New"/>
@@ -9871,7 +10113,7 @@
               </a:tabLst>
               <a:defRPr sz="1800"/>
             </a:pPr>
-            <a:endParaRPr sz="1500" b="1">
+            <a:endParaRPr sz="1500" b="1" dirty="0">
               <a:latin typeface="Courier New"/>
               <a:ea typeface="Courier New"/>
               <a:cs typeface="Courier New"/>
@@ -9899,7 +10141,7 @@
               <a:defRPr sz="1800"/>
             </a:pPr>
             <a:r>
-              <a:rPr sz="1500" b="1">
+              <a:rPr sz="1500" b="1" dirty="0">
                 <a:latin typeface="Courier New"/>
                 <a:ea typeface="Courier New"/>
                 <a:cs typeface="Courier New"/>
@@ -9929,7 +10171,7 @@
               <a:defRPr sz="1800"/>
             </a:pPr>
             <a:r>
-              <a:rPr sz="1500" b="1">
+              <a:rPr sz="1500" b="1" dirty="0">
                 <a:latin typeface="Courier New"/>
                 <a:ea typeface="Courier New"/>
                 <a:cs typeface="Courier New"/>
@@ -9959,7 +10201,7 @@
               <a:defRPr sz="1800"/>
             </a:pPr>
             <a:r>
-              <a:rPr sz="1500" b="1">
+              <a:rPr sz="1500" b="1" dirty="0">
                 <a:latin typeface="Courier New"/>
                 <a:ea typeface="Courier New"/>
                 <a:cs typeface="Courier New"/>
@@ -9989,7 +10231,7 @@
               <a:defRPr sz="1800"/>
             </a:pPr>
             <a:r>
-              <a:rPr sz="1500" b="1">
+              <a:rPr sz="1500" b="1" dirty="0">
                 <a:latin typeface="Courier New"/>
                 <a:ea typeface="Courier New"/>
                 <a:cs typeface="Courier New"/>
@@ -12934,8 +13176,8 @@
         </p:nvSpPr>
         <p:spPr>
           <a:xfrm>
-            <a:off x="1058608" y="2434089"/>
-            <a:ext cx="452947" cy="398401"/>
+            <a:off x="1071914" y="2434089"/>
+            <a:ext cx="426334" cy="389978"/>
           </a:xfrm>
           <a:prstGeom prst="rect">
             <a:avLst/>
@@ -12979,9 +13221,10 @@
               <a:defRPr sz="1800"/>
             </a:pPr>
             <a:r>
-              <a:rPr sz="2000"/>
-              <a:t>ma</a:t>
-            </a:r>
+              <a:rPr lang="en-US" sz="2000" dirty="0" err="1" smtClean="0"/>
+              <a:t>bw</a:t>
+            </a:r>
+            <a:endParaRPr sz="2000" dirty="0"/>
           </a:p>
         </p:txBody>
       </p:sp>
@@ -13651,8 +13894,8 @@
         </p:nvSpPr>
         <p:spPr>
           <a:xfrm>
-            <a:off x="293235" y="3650114"/>
-            <a:ext cx="780368" cy="398401"/>
+            <a:off x="252244" y="3650114"/>
+            <a:ext cx="862351" cy="389978"/>
           </a:xfrm>
           <a:prstGeom prst="rect">
             <a:avLst/>
@@ -13696,9 +13939,14 @@
               <a:defRPr sz="1800"/>
             </a:pPr>
             <a:r>
-              <a:rPr sz="2000"/>
-              <a:t>ac.ma</a:t>
-            </a:r>
+              <a:rPr lang="en-US" dirty="0" err="1"/>
+              <a:t>o</a:t>
+            </a:r>
+            <a:r>
+              <a:rPr lang="en-US" sz="2000" dirty="0" err="1" smtClean="0"/>
+              <a:t>rg.bw</a:t>
+            </a:r>
+            <a:endParaRPr sz="2000" dirty="0"/>
           </a:p>
         </p:txBody>
       </p:sp>
@@ -13710,8 +13958,8 @@
         </p:nvSpPr>
         <p:spPr>
           <a:xfrm>
-            <a:off x="63370" y="4756601"/>
-            <a:ext cx="1262323" cy="398401"/>
+            <a:off x="0" y="4756601"/>
+            <a:ext cx="1557388" cy="389978"/>
           </a:xfrm>
           <a:prstGeom prst="rect">
             <a:avLst/>
@@ -13726,7 +13974,7 @@
           </a:extLst>
         </p:spPr>
         <p:txBody>
-          <a:bodyPr wrap="none" lIns="46799" tIns="46799" rIns="46799" bIns="46799">
+          <a:bodyPr wrap="square" lIns="46799" tIns="46799" rIns="46799" bIns="46799">
             <a:spAutoFit/>
           </a:bodyPr>
           <a:lstStyle>
@@ -13755,9 +14003,14 @@
               <a:defRPr sz="1800"/>
             </a:pPr>
             <a:r>
-              <a:rPr sz="2000"/>
-              <a:t>emi.ac.ma</a:t>
-            </a:r>
+              <a:rPr lang="en-US" dirty="0" err="1"/>
+              <a:t>b</a:t>
+            </a:r>
+            <a:r>
+              <a:rPr lang="en-US" sz="2000" dirty="0" err="1" smtClean="0"/>
+              <a:t>ocra.org.bw</a:t>
+            </a:r>
+            <a:endParaRPr sz="2000" dirty="0"/>
           </a:p>
         </p:txBody>
       </p:sp>
@@ -14143,7 +14396,7 @@
               <a:defRPr sz="1800"/>
             </a:pPr>
             <a:r>
-              <a:rPr sz="2000"/>
+              <a:rPr sz="2000" dirty="0"/>
               <a:t>ws.afnog.org</a:t>
             </a:r>
           </a:p>
@@ -15560,7 +15813,7 @@
               <a:defRPr sz="1800"/>
             </a:pPr>
             <a:r>
-              <a:rPr sz="2800"/>
+              <a:rPr sz="2800" dirty="0"/>
               <a:t>A Domain Name (like www.ws.afnog.org) is the KEY to look up information</a:t>
             </a:r>
           </a:p>
@@ -15598,8 +15851,60 @@
               <a:defRPr sz="1800"/>
             </a:pPr>
             <a:r>
-              <a:rPr sz="2800"/>
-              <a:t>The result is one or more RESOURCE RECORDS (RRs)</a:t>
+              <a:rPr sz="2800" dirty="0"/>
+              <a:t>The result is </a:t>
+            </a:r>
+            <a:r>
+              <a:rPr lang="en-US" sz="2800" dirty="0" smtClean="0"/>
+              <a:t>zero </a:t>
+            </a:r>
+            <a:r>
+              <a:rPr sz="2800" dirty="0" smtClean="0"/>
+              <a:t>or </a:t>
+            </a:r>
+            <a:r>
+              <a:rPr sz="2800" dirty="0"/>
+              <a:t>more RESOURCE </a:t>
+            </a:r>
+            <a:r>
+              <a:rPr sz="2800" dirty="0" smtClean="0"/>
+              <a:t>RECORD</a:t>
+            </a:r>
+            <a:r>
+              <a:rPr lang="en-US" sz="2800" dirty="0" smtClean="0"/>
+              <a:t> </a:t>
+            </a:r>
+            <a:r>
+              <a:rPr sz="2800" dirty="0" smtClean="0"/>
+              <a:t>S</a:t>
+            </a:r>
+            <a:r>
+              <a:rPr lang="en-US" sz="2800" dirty="0" smtClean="0"/>
+              <a:t>ETS</a:t>
+            </a:r>
+            <a:r>
+              <a:rPr sz="2800" dirty="0" smtClean="0"/>
+              <a:t> </a:t>
+            </a:r>
+            <a:r>
+              <a:rPr sz="2800" dirty="0"/>
+              <a:t>(</a:t>
+            </a:r>
+            <a:r>
+              <a:rPr sz="2800" dirty="0" smtClean="0"/>
+              <a:t>RR</a:t>
+            </a:r>
+            <a:r>
+              <a:rPr lang="en-US" sz="2800" dirty="0" smtClean="0"/>
+              <a:t>Set</a:t>
+            </a:r>
+            <a:r>
+              <a:rPr sz="2800" dirty="0" smtClean="0"/>
+              <a:t>s</a:t>
+            </a:r>
+            <a:r>
+              <a:rPr sz="2800" dirty="0"/>
+              <a:t>)</a:t>
             </a:r>
           </a:p>
           <a:p>
@@ -15636,8 +15941,24 @@
               <a:defRPr sz="1800"/>
             </a:pPr>
             <a:r>
-              <a:rPr sz="2800"/>
-              <a:t>There are different RRs for different types of information</a:t>
+              <a:rPr sz="2800" dirty="0"/>
+              <a:t>There are different </a:t>
+            </a:r>
+            <a:r>
+              <a:rPr sz="2800" dirty="0" smtClean="0"/>
+              <a:t>RR</a:t>
+            </a:r>
+            <a:r>
+              <a:rPr lang="en-US" sz="2800" dirty="0" smtClean="0"/>
+              <a:t>TYPEs</a:t>
+            </a:r>
+            <a:r>
+              <a:rPr sz="2800" dirty="0" smtClean="0"/>
+              <a:t> </a:t>
+            </a:r>
+            <a:r>
+              <a:rPr sz="2800" dirty="0"/>
+              <a:t>for different types of information</a:t>
             </a:r>
           </a:p>
           <a:p>
@@ -15674,7 +15995,7 @@
               <a:defRPr sz="1800"/>
             </a:pPr>
             <a:r>
-              <a:rPr sz="2800"/>
+              <a:rPr sz="2800" dirty="0"/>
               <a:t>You can ask for the specific type you want, or ask for "any" RRs associated with the domain name</a:t>
             </a:r>
           </a:p>

--- a/dns/dns1-presentation.pptx
+++ b/dns/dns1-presentation.pptx
@@ -1777,13 +1777,13 @@
               <a:t>201</a:t>
             </a:r>
             <a:r>
-              <a:rPr lang="en-US" sz="2800" dirty="0" smtClean="0">
+              <a:rPr lang="en-US" sz="2800" dirty="0">
                 <a:latin typeface="Calibri"/>
                 <a:ea typeface="Calibri"/>
                 <a:cs typeface="Calibri"/>
                 <a:sym typeface="Calibri"/>
               </a:rPr>
-              <a:t>6</a:t>
+              <a:t>7</a:t>
             </a:r>
             <a:r>
               <a:rPr sz="2800" dirty="0" smtClean="0">
@@ -1801,7 +1801,7 @@
                 <a:cs typeface="Calibri"/>
                 <a:sym typeface="Calibri"/>
               </a:rPr>
-              <a:t>Gaborone</a:t>
+              <a:t>Nairobi</a:t>
             </a:r>
             <a:endParaRPr sz="2800" dirty="0">
               <a:latin typeface="Calibri"/>

--- a/dns/dns1-presentation.pptx
+++ b/dns/dns1-presentation.pptx
@@ -1629,7 +1629,7 @@
           </a:ln>
           <a:extLst>
             <a:ext uri="{C572A759-6A51-4108-AA02-DFA0A04FC94B}">
-              <ma14:wrappingTextBoxFlag xmlns:ma14="http://schemas.microsoft.com/office/mac/drawingml/2011/main" val="1"/>
+              <ma14:wrappingTextBoxFlag xmlns:ma14="http://schemas.microsoft.com/office/mac/drawingml/2011/main" xmlns="" val="1"/>
             </a:ext>
           </a:extLst>
         </p:spPr>
@@ -1693,7 +1693,7 @@
           </a:ln>
           <a:extLst>
             <a:ext uri="{C572A759-6A51-4108-AA02-DFA0A04FC94B}">
-              <ma14:wrappingTextBoxFlag xmlns:ma14="http://schemas.microsoft.com/office/mac/drawingml/2011/main" val="1"/>
+              <ma14:wrappingTextBoxFlag xmlns:ma14="http://schemas.microsoft.com/office/mac/drawingml/2011/main" xmlns="" val="1"/>
             </a:ext>
           </a:extLst>
         </p:spPr>
@@ -1726,14 +1726,20 @@
               <a:defRPr sz="1800"/>
             </a:pPr>
             <a:r>
-              <a:rPr sz="2800" dirty="0">
+              <a:rPr lang="en-US" sz="2800" dirty="0">
                 <a:latin typeface="Calibri"/>
                 <a:ea typeface="Calibri"/>
                 <a:cs typeface="Calibri"/>
                 <a:sym typeface="Calibri"/>
               </a:rPr>
-              <a:t>Joe Abley</a:t>
-            </a:r>
+              <a:t>Michuki Mwangi</a:t>
+            </a:r>
+            <a:endParaRPr sz="2800" dirty="0">
+              <a:latin typeface="Calibri"/>
+              <a:ea typeface="Calibri"/>
+              <a:cs typeface="Calibri"/>
+              <a:sym typeface="Calibri"/>
+            </a:endParaRPr>
           </a:p>
           <a:p>
             <a:pPr lvl="0" algn="ctr" defTabSz="914400">
@@ -1765,16 +1771,7 @@
                 <a:cs typeface="Calibri"/>
                 <a:sym typeface="Calibri"/>
               </a:rPr>
-              <a:t>AfNOG Workshop, AIS </a:t>
-            </a:r>
-            <a:r>
-              <a:rPr sz="2800" dirty="0" smtClean="0">
-                <a:latin typeface="Calibri"/>
-                <a:ea typeface="Calibri"/>
-                <a:cs typeface="Calibri"/>
-                <a:sym typeface="Calibri"/>
-              </a:rPr>
-              <a:t>201</a:t>
+              <a:t>AfNOG Workshop, AIS 201</a:t>
             </a:r>
             <a:r>
               <a:rPr lang="en-US" sz="2800" dirty="0">
@@ -1783,10 +1780,10 @@
                 <a:cs typeface="Calibri"/>
                 <a:sym typeface="Calibri"/>
               </a:rPr>
-              <a:t>7</a:t>
-            </a:r>
-            <a:r>
-              <a:rPr sz="2800" dirty="0" smtClean="0">
+              <a:t>8</a:t>
+            </a:r>
+            <a:r>
+              <a:rPr sz="2800" dirty="0">
                 <a:latin typeface="Calibri"/>
                 <a:ea typeface="Calibri"/>
                 <a:cs typeface="Calibri"/>
@@ -1795,13 +1792,13 @@
               <a:t>, </a:t>
             </a:r>
             <a:r>
-              <a:rPr lang="en-US" sz="2800" dirty="0" smtClean="0">
+              <a:rPr lang="en-US" sz="2800" dirty="0">
                 <a:latin typeface="Calibri"/>
                 <a:ea typeface="Calibri"/>
                 <a:cs typeface="Calibri"/>
                 <a:sym typeface="Calibri"/>
               </a:rPr>
-              <a:t>Nairobi</a:t>
+              <a:t>Dakar</a:t>
             </a:r>
             <a:endParaRPr sz="2800" dirty="0">
               <a:latin typeface="Calibri"/>
@@ -1831,7 +1828,7 @@
           </a:ln>
           <a:extLst>
             <a:ext uri="{C572A759-6A51-4108-AA02-DFA0A04FC94B}">
-              <ma14:wrappingTextBoxFlag xmlns:ma14="http://schemas.microsoft.com/office/mac/drawingml/2011/main" val="1"/>
+              <ma14:wrappingTextBoxFlag xmlns:ma14="http://schemas.microsoft.com/office/mac/drawingml/2011/main" xmlns="" val="1"/>
             </a:ext>
           </a:extLst>
         </p:spPr>
@@ -1920,7 +1917,7 @@
           </a:ln>
           <a:extLst>
             <a:ext uri="{C572A759-6A51-4108-AA02-DFA0A04FC94B}">
-              <ma14:wrappingTextBoxFlag xmlns:ma14="http://schemas.microsoft.com/office/mac/drawingml/2011/main" val="1"/>
+              <ma14:wrappingTextBoxFlag xmlns:ma14="http://schemas.microsoft.com/office/mac/drawingml/2011/main" xmlns="" val="1"/>
             </a:ext>
           </a:extLst>
         </p:spPr>
@@ -1964,39 +1961,23 @@
             </a:pPr>
             <a:r>
               <a:rPr sz="2890" dirty="0"/>
-              <a:t>Commonly seen Resource </a:t>
-            </a:r>
-            <a:r>
-              <a:rPr sz="2890" dirty="0" smtClean="0"/>
-              <a:t>Record</a:t>
-            </a:r>
-            <a:r>
-              <a:rPr lang="en-US" sz="2890" dirty="0" smtClean="0"/>
+              <a:t>Commonly seen Resource Record</a:t>
+            </a:r>
+            <a:r>
+              <a:rPr lang="en-US" sz="2890" dirty="0"/>
               <a:t> Type</a:t>
             </a:r>
             <a:r>
-              <a:rPr sz="2890" dirty="0" smtClean="0"/>
-              <a:t>s </a:t>
-            </a:r>
-            <a:r>
               <a:rPr sz="2890" dirty="0"/>
-              <a:t>(</a:t>
-            </a:r>
-            <a:r>
-              <a:rPr sz="2890" dirty="0" smtClean="0"/>
-              <a:t>RR</a:t>
-            </a:r>
-            <a:r>
-              <a:rPr lang="en-US" sz="2890" dirty="0" smtClean="0"/>
+              <a:t>s (RR</a:t>
+            </a:r>
+            <a:r>
+              <a:rPr lang="en-US" sz="2890" dirty="0"/>
               <a:t>TYPE</a:t>
             </a:r>
             <a:r>
-              <a:rPr sz="2890" dirty="0" smtClean="0"/>
-              <a:t>s</a:t>
-            </a:r>
-            <a:r>
               <a:rPr sz="2890" dirty="0"/>
-              <a:t>)</a:t>
+              <a:t>s)</a:t>
             </a:r>
           </a:p>
         </p:txBody>
@@ -2024,7 +2005,7 @@
           </a:ln>
           <a:extLst>
             <a:ext uri="{C572A759-6A51-4108-AA02-DFA0A04FC94B}">
-              <ma14:wrappingTextBoxFlag xmlns:ma14="http://schemas.microsoft.com/office/mac/drawingml/2011/main" val="1"/>
+              <ma14:wrappingTextBoxFlag xmlns:ma14="http://schemas.microsoft.com/office/mac/drawingml/2011/main" xmlns="" val="1"/>
             </a:ext>
           </a:extLst>
         </p:spPr>
@@ -2185,7 +2166,7 @@
               <a:t>MX (mail exchanger): where to deliver mail for </a:t>
             </a:r>
             <a:r>
-              <a:rPr lang="en-US" sz="2600" dirty="0" smtClean="0"/>
+              <a:rPr lang="en-US" sz="2600" dirty="0"/>
               <a:t>a mail domain</a:t>
             </a:r>
             <a:endParaRPr sz="2600" dirty="0"/>
@@ -2355,7 +2336,7 @@
           </a:ln>
           <a:extLst>
             <a:ext uri="{C572A759-6A51-4108-AA02-DFA0A04FC94B}">
-              <ma14:wrappingTextBoxFlag xmlns:ma14="http://schemas.microsoft.com/office/mac/drawingml/2011/main" val="1"/>
+              <ma14:wrappingTextBoxFlag xmlns:ma14="http://schemas.microsoft.com/office/mac/drawingml/2011/main" xmlns="" val="1"/>
             </a:ext>
           </a:extLst>
         </p:spPr>
@@ -2426,7 +2407,7 @@
           </a:ln>
           <a:extLst>
             <a:ext uri="{C572A759-6A51-4108-AA02-DFA0A04FC94B}">
-              <ma14:wrappingTextBoxFlag xmlns:ma14="http://schemas.microsoft.com/office/mac/drawingml/2011/main" val="1"/>
+              <ma14:wrappingTextBoxFlag xmlns:ma14="http://schemas.microsoft.com/office/mac/drawingml/2011/main" xmlns="" val="1"/>
             </a:ext>
           </a:extLst>
         </p:spPr>
@@ -2724,7 +2705,31 @@
                 <a:cs typeface="Courier New"/>
                 <a:sym typeface="Courier New"/>
               </a:rPr>
-              <a:t>www.afnog.org.  14400   IN   A    196.216.2.4 </a:t>
+              <a:t>www.afnog.org.  14400   IN   A    196.216.2.</a:t>
+            </a:r>
+            <a:r>
+              <a:rPr lang="en-US" sz="2200" b="1" i="1" dirty="0">
+                <a:solidFill>
+                  <a:srgbClr val="4700B8"/>
+                </a:solidFill>
+                <a:latin typeface="Courier New"/>
+                <a:ea typeface="Courier New"/>
+                <a:cs typeface="Courier New"/>
+                <a:sym typeface="Courier New"/>
+              </a:rPr>
+              <a:t>36</a:t>
+            </a:r>
+            <a:r>
+              <a:rPr sz="2200" b="1" i="1" dirty="0">
+                <a:solidFill>
+                  <a:srgbClr val="4700B8"/>
+                </a:solidFill>
+                <a:latin typeface="Courier New"/>
+                <a:ea typeface="Courier New"/>
+                <a:cs typeface="Courier New"/>
+                <a:sym typeface="Courier New"/>
+              </a:rPr>
+              <a:t> </a:t>
             </a:r>
           </a:p>
           <a:p>
@@ -2828,31 +2833,19 @@
             </a:pPr>
             <a:r>
               <a:rPr sz="2600" dirty="0"/>
-              <a:t>In this case a single </a:t>
-            </a:r>
-            <a:r>
-              <a:rPr sz="2600" dirty="0" smtClean="0"/>
-              <a:t>RR </a:t>
-            </a:r>
-            <a:r>
-              <a:rPr sz="2600" dirty="0"/>
-              <a:t>is found, </a:t>
+              <a:t>In this case a single RR is found, </a:t>
             </a:r>
             <a:r>
               <a:rPr sz="2800" dirty="0"/>
               <a:t>but </a:t>
             </a:r>
             <a:r>
-              <a:rPr lang="en-US" sz="2800" dirty="0" smtClean="0"/>
+              <a:rPr lang="en-US" sz="2800" dirty="0"/>
               <a:t>a set of</a:t>
             </a:r>
             <a:r>
-              <a:rPr sz="2800" dirty="0" smtClean="0"/>
-              <a:t> </a:t>
-            </a:r>
-            <a:r>
               <a:rPr sz="2800" dirty="0"/>
-              <a:t>multiple RRs may be returned.</a:t>
+              <a:t> multiple RRs may be returned.</a:t>
             </a:r>
           </a:p>
           <a:p>
@@ -2954,7 +2947,7 @@
           </a:ln>
           <a:extLst>
             <a:ext uri="{C572A759-6A51-4108-AA02-DFA0A04FC94B}">
-              <ma14:wrappingTextBoxFlag xmlns:ma14="http://schemas.microsoft.com/office/mac/drawingml/2011/main" val="1"/>
+              <ma14:wrappingTextBoxFlag xmlns:ma14="http://schemas.microsoft.com/office/mac/drawingml/2011/main" xmlns="" val="1"/>
             </a:ext>
           </a:extLst>
         </p:spPr>
@@ -3025,7 +3018,7 @@
           </a:ln>
           <a:extLst>
             <a:ext uri="{C572A759-6A51-4108-AA02-DFA0A04FC94B}">
-              <ma14:wrappingTextBoxFlag xmlns:ma14="http://schemas.microsoft.com/office/mac/drawingml/2011/main" val="1"/>
+              <ma14:wrappingTextBoxFlag xmlns:ma14="http://schemas.microsoft.com/office/mac/drawingml/2011/main" xmlns="" val="1"/>
             </a:ext>
           </a:extLst>
         </p:spPr>
@@ -3110,18 +3103,10 @@
                   <a:srgbClr val="2300DC"/>
                 </a:solidFill>
               </a:rPr>
-              <a:t>the name exists, and has zero or more </a:t>
-            </a:r>
-            <a:r>
-              <a:rPr sz="2800" dirty="0" smtClean="0">
-                <a:solidFill>
-                  <a:srgbClr val="2300DC"/>
-                </a:solidFill>
-              </a:rPr>
-              <a:t>RR</a:t>
-            </a:r>
-            <a:r>
-              <a:rPr lang="en-US" sz="2800" dirty="0" smtClean="0">
+              <a:t>the name exists, and has zero or more RR</a:t>
+            </a:r>
+            <a:r>
+              <a:rPr lang="en-US" sz="2800" dirty="0">
                 <a:solidFill>
                   <a:srgbClr val="2300DC"/>
                 </a:solidFill>
@@ -3129,20 +3114,12 @@
               <a:t>Set</a:t>
             </a:r>
             <a:r>
-              <a:rPr sz="2800" dirty="0" smtClean="0">
-                <a:solidFill>
-                  <a:srgbClr val="2300DC"/>
-                </a:solidFill>
-              </a:rPr>
-              <a:t>s </a:t>
-            </a:r>
-            <a:r>
               <a:rPr sz="2800" dirty="0">
                 <a:solidFill>
                   <a:srgbClr val="2300DC"/>
                 </a:solidFill>
               </a:rPr>
-              <a:t>associated with it</a:t>
+              <a:t>s associated with it</a:t>
             </a:r>
             <a:endParaRPr sz="2400" dirty="0">
               <a:solidFill>
@@ -3466,7 +3443,7 @@
               <a:defRPr sz="1800"/>
             </a:pPr>
             <a:r>
-              <a:rPr lang="en-US" sz="2800" dirty="0" smtClean="0">
+              <a:rPr lang="en-US" sz="2800" dirty="0">
                 <a:solidFill>
                   <a:srgbClr val="2300DC"/>
                 </a:solidFill>
@@ -3474,20 +3451,12 @@
               <a:t>You are </a:t>
             </a:r>
             <a:r>
-              <a:rPr sz="2800" dirty="0" smtClean="0">
-                <a:solidFill>
-                  <a:srgbClr val="2300DC"/>
-                </a:solidFill>
-              </a:rPr>
-              <a:t>not </a:t>
-            </a:r>
-            <a:r>
               <a:rPr sz="2800" dirty="0">
                 <a:solidFill>
                   <a:srgbClr val="2300DC"/>
                 </a:solidFill>
               </a:rPr>
-              <a:t>allowed to query the server</a:t>
+              <a:t>not allowed to query the server</a:t>
             </a:r>
           </a:p>
         </p:txBody>
@@ -3541,7 +3510,7 @@
           </a:ln>
           <a:extLst>
             <a:ext uri="{C572A759-6A51-4108-AA02-DFA0A04FC94B}">
-              <ma14:wrappingTextBoxFlag xmlns:ma14="http://schemas.microsoft.com/office/mac/drawingml/2011/main" val="1"/>
+              <ma14:wrappingTextBoxFlag xmlns:ma14="http://schemas.microsoft.com/office/mac/drawingml/2011/main" xmlns="" val="1"/>
             </a:ext>
           </a:extLst>
         </p:spPr>
@@ -3613,7 +3582,7 @@
           </a:ln>
           <a:extLst>
             <a:ext uri="{C572A759-6A51-4108-AA02-DFA0A04FC94B}">
-              <ma14:wrappingTextBoxFlag xmlns:ma14="http://schemas.microsoft.com/office/mac/drawingml/2011/main" val="1"/>
+              <ma14:wrappingTextBoxFlag xmlns:ma14="http://schemas.microsoft.com/office/mac/drawingml/2011/main" xmlns="" val="1"/>
             </a:ext>
           </a:extLst>
         </p:spPr>
@@ -3656,7 +3625,7 @@
               <a:defRPr sz="1800"/>
             </a:pPr>
             <a:r>
-              <a:rPr sz="2800"/>
+              <a:rPr sz="2800" dirty="0"/>
               <a:t>Convert the IP address to dotted-quad</a:t>
             </a:r>
           </a:p>
@@ -3694,7 +3663,7 @@
               <a:defRPr sz="1800"/>
             </a:pPr>
             <a:r>
-              <a:rPr sz="2800"/>
+              <a:rPr sz="2800" dirty="0"/>
               <a:t>Reverse the four parts</a:t>
             </a:r>
           </a:p>
@@ -3732,8 +3701,16 @@
               <a:defRPr sz="1800"/>
             </a:pPr>
             <a:r>
-              <a:rPr sz="2800"/>
-              <a:t>Add ".in-addr.arpa." to the end; special domain reserved for this purpose</a:t>
+              <a:rPr sz="2800" dirty="0"/>
+              <a:t>Add ".in-</a:t>
+            </a:r>
+            <a:r>
+              <a:rPr sz="2800" dirty="0" err="1"/>
+              <a:t>addr.arpa</a:t>
+            </a:r>
+            <a:r>
+              <a:rPr sz="2800" dirty="0"/>
+              <a:t>." to the end; special domain reserved for this purpose</a:t>
             </a:r>
           </a:p>
           <a:p>
@@ -3771,7 +3748,7 @@
               <a:defRPr sz="1800"/>
             </a:pPr>
             <a:r>
-              <a:rPr sz="2800" b="1">
+              <a:rPr sz="2800" b="1" dirty="0">
                 <a:solidFill>
                   <a:srgbClr val="4700B8"/>
                 </a:solidFill>
@@ -3815,7 +3792,7 @@
               <a:defRPr sz="1800"/>
             </a:pPr>
             <a:r>
-              <a:rPr sz="2400" b="1" i="1">
+              <a:rPr sz="2400" b="1" i="1" dirty="0">
                 <a:latin typeface="Courier New"/>
                 <a:ea typeface="Courier New"/>
                 <a:cs typeface="Courier New"/>
@@ -3824,7 +3801,7 @@
               <a:t>Domain name:</a:t>
             </a:r>
             <a:r>
-              <a:rPr sz="2400" b="1" i="1">
+              <a:rPr sz="2400" b="1" i="1" dirty="0">
                 <a:solidFill>
                   <a:srgbClr val="4700B8"/>
                 </a:solidFill>
@@ -3868,7 +3845,7 @@
               <a:defRPr sz="1800"/>
             </a:pPr>
             <a:r>
-              <a:rPr sz="2400" b="1" i="1">
+              <a:rPr sz="2400" b="1" i="1" dirty="0">
                 <a:latin typeface="Courier New"/>
                 <a:ea typeface="Courier New"/>
                 <a:cs typeface="Courier New"/>
@@ -3877,7 +3854,7 @@
               <a:t>Query Type:</a:t>
             </a:r>
             <a:r>
-              <a:rPr sz="2400" b="1" i="1">
+              <a:rPr sz="2400" b="1" i="1" dirty="0">
                 <a:solidFill>
                   <a:srgbClr val="4700B8"/>
                 </a:solidFill>
@@ -3921,7 +3898,7 @@
               <a:defRPr sz="1800"/>
             </a:pPr>
             <a:r>
-              <a:rPr sz="2400" b="1" i="1">
+              <a:rPr sz="2400" b="1" i="1" dirty="0">
                 <a:latin typeface="Courier New"/>
                 <a:ea typeface="Courier New"/>
                 <a:cs typeface="Courier New"/>
@@ -3930,7 +3907,7 @@
               <a:t>Result:</a:t>
             </a:r>
             <a:r>
-              <a:rPr sz="2400" b="1" i="1">
+              <a:rPr sz="2400" b="1" i="1" dirty="0">
                 <a:solidFill>
                   <a:srgbClr val="4700B8"/>
                 </a:solidFill>
@@ -3939,7 +3916,31 @@
                 <a:cs typeface="Courier New"/>
                 <a:sym typeface="Courier New"/>
               </a:rPr>
-              <a:t>	ashanti.gh.com.</a:t>
+              <a:t>	</a:t>
+            </a:r>
+            <a:r>
+              <a:rPr sz="2400" b="1" i="1" dirty="0" err="1">
+                <a:solidFill>
+                  <a:srgbClr val="4700B8"/>
+                </a:solidFill>
+                <a:latin typeface="Courier New"/>
+                <a:ea typeface="Courier New"/>
+                <a:cs typeface="Courier New"/>
+                <a:sym typeface="Courier New"/>
+              </a:rPr>
+              <a:t>ashanti.gh.com</a:t>
+            </a:r>
+            <a:r>
+              <a:rPr sz="2400" b="1" i="1" dirty="0">
+                <a:solidFill>
+                  <a:srgbClr val="4700B8"/>
+                </a:solidFill>
+                <a:latin typeface="Courier New"/>
+                <a:ea typeface="Courier New"/>
+                <a:cs typeface="Courier New"/>
+                <a:sym typeface="Courier New"/>
+              </a:rPr>
+              <a:t>.</a:t>
             </a:r>
           </a:p>
           <a:p>
@@ -3974,7 +3975,7 @@
               <a:defRPr sz="1800"/>
             </a:pPr>
             <a:r>
-              <a:rPr sz="2400" b="1" i="1">
+              <a:rPr sz="2400" b="1" i="1" dirty="0">
                 <a:solidFill>
                   <a:srgbClr val="FF0000"/>
                 </a:solidFill>
@@ -3986,7 +3987,7 @@
               <a:t>Known as a "reverse DNS lookup" </a:t>
             </a:r>
             <a:r>
-              <a:rPr sz="2800">
+              <a:rPr sz="2800" dirty="0">
                 <a:solidFill>
                   <a:srgbClr val="FF0000"/>
                 </a:solidFill>
@@ -4045,7 +4046,7 @@
           </a:ln>
           <a:extLst>
             <a:ext uri="{C572A759-6A51-4108-AA02-DFA0A04FC94B}">
-              <ma14:wrappingTextBoxFlag xmlns:ma14="http://schemas.microsoft.com/office/mac/drawingml/2011/main" val="1"/>
+              <ma14:wrappingTextBoxFlag xmlns:ma14="http://schemas.microsoft.com/office/mac/drawingml/2011/main" xmlns="" val="1"/>
             </a:ext>
           </a:extLst>
         </p:spPr>
@@ -4120,7 +4121,7 @@
           </a:ln>
           <a:extLst>
             <a:ext uri="{C572A759-6A51-4108-AA02-DFA0A04FC94B}">
-              <ma14:wrappingTextBoxFlag xmlns:ma14="http://schemas.microsoft.com/office/mac/drawingml/2011/main" val="1"/>
+              <ma14:wrappingTextBoxFlag xmlns:ma14="http://schemas.microsoft.com/office/mac/drawingml/2011/main" xmlns="" val="1"/>
             </a:ext>
           </a:extLst>
         </p:spPr>
@@ -4223,7 +4224,7 @@
           </a:ln>
           <a:extLst>
             <a:ext uri="{C572A759-6A51-4108-AA02-DFA0A04FC94B}">
-              <ma14:wrappingTextBoxFlag xmlns:ma14="http://schemas.microsoft.com/office/mac/drawingml/2011/main" val="1"/>
+              <ma14:wrappingTextBoxFlag xmlns:ma14="http://schemas.microsoft.com/office/mac/drawingml/2011/main" xmlns="" val="1"/>
             </a:ext>
           </a:extLst>
         </p:spPr>
@@ -4294,7 +4295,7 @@
           </a:ln>
           <a:extLst>
             <a:ext uri="{C572A759-6A51-4108-AA02-DFA0A04FC94B}">
-              <ma14:wrappingTextBoxFlag xmlns:ma14="http://schemas.microsoft.com/office/mac/drawingml/2011/main" val="1"/>
+              <ma14:wrappingTextBoxFlag xmlns:ma14="http://schemas.microsoft.com/office/mac/drawingml/2011/main" xmlns="" val="1"/>
             </a:ext>
           </a:extLst>
         </p:spPr>
@@ -4451,14 +4452,10 @@
             </a:pPr>
             <a:r>
               <a:rPr sz="2400" dirty="0"/>
-              <a:t>for </a:t>
-            </a:r>
-            <a:r>
-              <a:rPr sz="2400" dirty="0" smtClean="0"/>
-              <a:t>large responses</a:t>
-            </a:r>
-            <a:r>
-              <a:rPr lang="en-US" sz="2400" dirty="0" smtClean="0"/>
+              <a:t>for large responses</a:t>
+            </a:r>
+            <a:r>
+              <a:rPr lang="en-US" sz="2400" dirty="0"/>
               <a:t> (not just zone transfers)</a:t>
             </a:r>
             <a:endParaRPr sz="2400" dirty="0"/>
@@ -4625,7 +4622,7 @@
           </a:ln>
           <a:extLst>
             <a:ext uri="{C572A759-6A51-4108-AA02-DFA0A04FC94B}">
-              <ma14:wrappingTextBoxFlag xmlns:ma14="http://schemas.microsoft.com/office/mac/drawingml/2011/main" val="1"/>
+              <ma14:wrappingTextBoxFlag xmlns:ma14="http://schemas.microsoft.com/office/mac/drawingml/2011/main" xmlns="" val="1"/>
             </a:ext>
           </a:extLst>
         </p:spPr>
@@ -4846,7 +4843,7 @@
           </a:ln>
           <a:extLst>
             <a:ext uri="{C572A759-6A51-4108-AA02-DFA0A04FC94B}">
-              <ma14:wrappingTextBoxFlag xmlns:ma14="http://schemas.microsoft.com/office/mac/drawingml/2011/main" val="1"/>
+              <ma14:wrappingTextBoxFlag xmlns:ma14="http://schemas.microsoft.com/office/mac/drawingml/2011/main" xmlns="" val="1"/>
             </a:ext>
           </a:extLst>
         </p:spPr>
@@ -4936,7 +4933,7 @@
           </a:ln>
           <a:extLst>
             <a:ext uri="{C572A759-6A51-4108-AA02-DFA0A04FC94B}">
-              <ma14:wrappingTextBoxFlag xmlns:ma14="http://schemas.microsoft.com/office/mac/drawingml/2011/main" val="1"/>
+              <ma14:wrappingTextBoxFlag xmlns:ma14="http://schemas.microsoft.com/office/mac/drawingml/2011/main" xmlns="" val="1"/>
             </a:ext>
           </a:extLst>
         </p:spPr>
@@ -5026,7 +5023,7 @@
           </a:ln>
           <a:extLst>
             <a:ext uri="{C572A759-6A51-4108-AA02-DFA0A04FC94B}">
-              <ma14:wrappingTextBoxFlag xmlns:ma14="http://schemas.microsoft.com/office/mac/drawingml/2011/main" val="1"/>
+              <ma14:wrappingTextBoxFlag xmlns:ma14="http://schemas.microsoft.com/office/mac/drawingml/2011/main" xmlns="" val="1"/>
             </a:ext>
           </a:extLst>
         </p:spPr>
@@ -5236,7 +5233,7 @@
           </a:ln>
           <a:extLst>
             <a:ext uri="{C572A759-6A51-4108-AA02-DFA0A04FC94B}">
-              <ma14:wrappingTextBoxFlag xmlns:ma14="http://schemas.microsoft.com/office/mac/drawingml/2011/main" val="1"/>
+              <ma14:wrappingTextBoxFlag xmlns:ma14="http://schemas.microsoft.com/office/mac/drawingml/2011/main" xmlns="" val="1"/>
             </a:ext>
           </a:extLst>
         </p:spPr>
@@ -5300,7 +5297,7 @@
           </a:ln>
           <a:extLst>
             <a:ext uri="{C572A759-6A51-4108-AA02-DFA0A04FC94B}">
-              <ma14:wrappingTextBoxFlag xmlns:ma14="http://schemas.microsoft.com/office/mac/drawingml/2011/main" val="1"/>
+              <ma14:wrappingTextBoxFlag xmlns:ma14="http://schemas.microsoft.com/office/mac/drawingml/2011/main" xmlns="" val="1"/>
             </a:ext>
           </a:extLst>
         </p:spPr>
@@ -5466,7 +5463,7 @@
           </a:ln>
           <a:extLst>
             <a:ext uri="{C572A759-6A51-4108-AA02-DFA0A04FC94B}">
-              <ma14:wrappingTextBoxFlag xmlns:ma14="http://schemas.microsoft.com/office/mac/drawingml/2011/main" val="1"/>
+              <ma14:wrappingTextBoxFlag xmlns:ma14="http://schemas.microsoft.com/office/mac/drawingml/2011/main" xmlns="" val="1"/>
             </a:ext>
           </a:extLst>
         </p:spPr>
@@ -5537,7 +5534,7 @@
           </a:ln>
           <a:extLst>
             <a:ext uri="{C572A759-6A51-4108-AA02-DFA0A04FC94B}">
-              <ma14:wrappingTextBoxFlag xmlns:ma14="http://schemas.microsoft.com/office/mac/drawingml/2011/main" val="1"/>
+              <ma14:wrappingTextBoxFlag xmlns:ma14="http://schemas.microsoft.com/office/mac/drawingml/2011/main" xmlns="" val="1"/>
             </a:ext>
           </a:extLst>
         </p:spPr>
@@ -5896,7 +5893,7 @@
           </a:ln>
           <a:extLst>
             <a:ext uri="{C572A759-6A51-4108-AA02-DFA0A04FC94B}">
-              <ma14:wrappingTextBoxFlag xmlns:ma14="http://schemas.microsoft.com/office/mac/drawingml/2011/main" val="1"/>
+              <ma14:wrappingTextBoxFlag xmlns:ma14="http://schemas.microsoft.com/office/mac/drawingml/2011/main" xmlns="" val="1"/>
             </a:ext>
           </a:extLst>
         </p:spPr>
@@ -5967,7 +5964,7 @@
           </a:ln>
           <a:extLst>
             <a:ext uri="{C572A759-6A51-4108-AA02-DFA0A04FC94B}">
-              <ma14:wrappingTextBoxFlag xmlns:ma14="http://schemas.microsoft.com/office/mac/drawingml/2011/main" val="1"/>
+              <ma14:wrappingTextBoxFlag xmlns:ma14="http://schemas.microsoft.com/office/mac/drawingml/2011/main" xmlns="" val="1"/>
             </a:ext>
           </a:extLst>
         </p:spPr>
@@ -6205,7 +6202,7 @@
           </a:ln>
           <a:extLst>
             <a:ext uri="{C572A759-6A51-4108-AA02-DFA0A04FC94B}">
-              <ma14:wrappingTextBoxFlag xmlns:ma14="http://schemas.microsoft.com/office/mac/drawingml/2011/main" val="1"/>
+              <ma14:wrappingTextBoxFlag xmlns:ma14="http://schemas.microsoft.com/office/mac/drawingml/2011/main" xmlns="" val="1"/>
             </a:ext>
           </a:extLst>
         </p:spPr>
@@ -6277,7 +6274,7 @@
           </a:ln>
           <a:extLst>
             <a:ext uri="{C572A759-6A51-4108-AA02-DFA0A04FC94B}">
-              <ma14:wrappingTextBoxFlag xmlns:ma14="http://schemas.microsoft.com/office/mac/drawingml/2011/main" val="1"/>
+              <ma14:wrappingTextBoxFlag xmlns:ma14="http://schemas.microsoft.com/office/mac/drawingml/2011/main" xmlns="" val="1"/>
             </a:ext>
           </a:extLst>
         </p:spPr>
@@ -6523,7 +6520,7 @@
           </a:ln>
           <a:extLst>
             <a:ext uri="{C572A759-6A51-4108-AA02-DFA0A04FC94B}">
-              <ma14:wrappingTextBoxFlag xmlns:ma14="http://schemas.microsoft.com/office/mac/drawingml/2011/main" val="1"/>
+              <ma14:wrappingTextBoxFlag xmlns:ma14="http://schemas.microsoft.com/office/mac/drawingml/2011/main" xmlns="" val="1"/>
             </a:ext>
           </a:extLst>
         </p:spPr>
@@ -6598,7 +6595,7 @@
           </a:ln>
           <a:extLst>
             <a:ext uri="{C572A759-6A51-4108-AA02-DFA0A04FC94B}">
-              <ma14:wrappingTextBoxFlag xmlns:ma14="http://schemas.microsoft.com/office/mac/drawingml/2011/main" val="1"/>
+              <ma14:wrappingTextBoxFlag xmlns:ma14="http://schemas.microsoft.com/office/mac/drawingml/2011/main" xmlns="" val="1"/>
             </a:ext>
           </a:extLst>
         </p:spPr>
@@ -6843,7 +6840,7 @@
           </a:ln>
           <a:extLst>
             <a:ext uri="{C572A759-6A51-4108-AA02-DFA0A04FC94B}">
-              <ma14:wrappingTextBoxFlag xmlns:ma14="http://schemas.microsoft.com/office/mac/drawingml/2011/main" val="1"/>
+              <ma14:wrappingTextBoxFlag xmlns:ma14="http://schemas.microsoft.com/office/mac/drawingml/2011/main" xmlns="" val="1"/>
             </a:ext>
           </a:extLst>
         </p:spPr>
@@ -6915,7 +6912,7 @@
           </a:ln>
           <a:extLst>
             <a:ext uri="{C572A759-6A51-4108-AA02-DFA0A04FC94B}">
-              <ma14:wrappingTextBoxFlag xmlns:ma14="http://schemas.microsoft.com/office/mac/drawingml/2011/main" val="1"/>
+              <ma14:wrappingTextBoxFlag xmlns:ma14="http://schemas.microsoft.com/office/mac/drawingml/2011/main" xmlns="" val="1"/>
             </a:ext>
           </a:extLst>
         </p:spPr>
@@ -7036,16 +7033,12 @@
               <a:t>Must be configured with the IP ADDRESS of a cache (why not </a:t>
             </a:r>
             <a:r>
-              <a:rPr lang="en-US" sz="2800" dirty="0" smtClean="0"/>
+              <a:rPr lang="en-US" sz="2800" dirty="0"/>
               <a:t>its </a:t>
             </a:r>
             <a:r>
-              <a:rPr sz="2800" dirty="0" smtClean="0"/>
-              <a:t>name</a:t>
-            </a:r>
-            <a:r>
               <a:rPr sz="2800" dirty="0"/>
-              <a:t>?)</a:t>
+              <a:t>name?)</a:t>
             </a:r>
           </a:p>
           <a:p>
@@ -7122,22 +7115,14 @@
               <a:t>Good idea to configure more than one </a:t>
             </a:r>
             <a:r>
-              <a:rPr lang="en-US" sz="2800" dirty="0" smtClean="0"/>
+              <a:rPr lang="en-US" sz="2800" dirty="0"/>
               <a:t>recursive nameserver</a:t>
             </a:r>
             <a:r>
-              <a:rPr sz="2800" dirty="0" smtClean="0"/>
-              <a:t>, </a:t>
-            </a:r>
-            <a:r>
               <a:rPr sz="2800" dirty="0"/>
-              <a:t>in case the first one </a:t>
-            </a:r>
-            <a:r>
-              <a:rPr sz="2800" dirty="0" smtClean="0"/>
-              <a:t>fails</a:t>
-            </a:r>
-            <a:endParaRPr lang="en-US" sz="2800" dirty="0" smtClean="0"/>
+              <a:t>, in case the first one fails</a:t>
+            </a:r>
+            <a:endParaRPr lang="en-US" sz="2800" dirty="0"/>
           </a:p>
           <a:p>
             <a:pPr lvl="1">
@@ -7173,7 +7158,7 @@
               <a:defRPr sz="1800"/>
             </a:pPr>
             <a:r>
-              <a:rPr lang="en-US" dirty="0" smtClean="0"/>
+              <a:rPr lang="en-US" dirty="0"/>
               <a:t>But failover between them might not be quick</a:t>
             </a:r>
             <a:endParaRPr dirty="0"/>
@@ -7229,7 +7214,7 @@
           </a:ln>
           <a:extLst>
             <a:ext uri="{C572A759-6A51-4108-AA02-DFA0A04FC94B}">
-              <ma14:wrappingTextBoxFlag xmlns:ma14="http://schemas.microsoft.com/office/mac/drawingml/2011/main" val="1"/>
+              <ma14:wrappingTextBoxFlag xmlns:ma14="http://schemas.microsoft.com/office/mac/drawingml/2011/main" xmlns="" val="1"/>
             </a:ext>
           </a:extLst>
         </p:spPr>
@@ -7301,7 +7286,7 @@
           </a:ln>
           <a:extLst>
             <a:ext uri="{C572A759-6A51-4108-AA02-DFA0A04FC94B}">
-              <ma14:wrappingTextBoxFlag xmlns:ma14="http://schemas.microsoft.com/office/mac/drawingml/2011/main" val="1"/>
+              <ma14:wrappingTextBoxFlag xmlns:ma14="http://schemas.microsoft.com/office/mac/drawingml/2011/main" xmlns="" val="1"/>
             </a:ext>
           </a:extLst>
         </p:spPr>
@@ -7385,28 +7370,20 @@
               <a:t>e.g. </a:t>
             </a:r>
             <a:r>
-              <a:rPr lang="en-US" sz="2400" dirty="0" smtClean="0"/>
+              <a:rPr lang="en-US" sz="2400" dirty="0"/>
               <a:t>recursive resolver </a:t>
             </a:r>
             <a:r>
-              <a:rPr sz="2400" dirty="0" smtClean="0"/>
-              <a:t>at </a:t>
-            </a:r>
-            <a:r>
               <a:rPr sz="2400" dirty="0"/>
-              <a:t>your ISP, or your own, or a </a:t>
-            </a:r>
-            <a:r>
-              <a:rPr lang="en-US" sz="2400" dirty="0" smtClean="0"/>
+              <a:t>at your ISP, or your own, or a </a:t>
+            </a:r>
+            <a:r>
+              <a:rPr lang="en-US" sz="2400" dirty="0"/>
               <a:t>deliberately-</a:t>
             </a:r>
             <a:r>
-              <a:rPr sz="2400" dirty="0" smtClean="0"/>
-              <a:t>public </a:t>
-            </a:r>
-            <a:r>
               <a:rPr sz="2400" dirty="0"/>
-              <a:t>one</a:t>
+              <a:t>public one</a:t>
             </a:r>
           </a:p>
           <a:p>
@@ -7447,7 +7424,7 @@
               <a:t>Prefer a nearby </a:t>
             </a:r>
             <a:r>
-              <a:rPr lang="en-US" sz="2800" dirty="0" smtClean="0"/>
+              <a:rPr lang="en-US" sz="2800" dirty="0"/>
               <a:t>recursive resolver</a:t>
             </a:r>
             <a:endParaRPr sz="2800" dirty="0"/>
@@ -7523,13 +7500,9 @@
             </a:pPr>
             <a:r>
               <a:rPr sz="2400" dirty="0"/>
-              <a:t>Can reduce traffic on your external link, since often the cache can answer without contacting other </a:t>
-            </a:r>
-            <a:r>
-              <a:rPr sz="2400" dirty="0" smtClean="0"/>
-              <a:t>servers</a:t>
-            </a:r>
-            <a:endParaRPr lang="en-US" dirty="0" smtClean="0"/>
+              <a:t>Can reduce traffic on your external link, since often the cache can answer without contacting other servers</a:t>
+            </a:r>
+            <a:endParaRPr lang="en-US" dirty="0"/>
           </a:p>
           <a:p>
             <a:pPr lvl="0">
@@ -7565,15 +7538,11 @@
               <a:defRPr sz="1800"/>
             </a:pPr>
             <a:r>
-              <a:rPr sz="2800" dirty="0" smtClean="0"/>
-              <a:t>Prefer </a:t>
-            </a:r>
-            <a:r>
               <a:rPr sz="2800" dirty="0"/>
-              <a:t>a reliable </a:t>
-            </a:r>
-            <a:r>
-              <a:rPr lang="en-US" sz="2800" dirty="0" smtClean="0"/>
+              <a:t>Prefer a reliable </a:t>
+            </a:r>
+            <a:r>
+              <a:rPr lang="en-US" sz="2800" dirty="0"/>
               <a:t>recursive resolver</a:t>
             </a:r>
             <a:endParaRPr sz="2800" dirty="0"/>
@@ -7666,7 +7635,7 @@
           </a:ln>
           <a:extLst>
             <a:ext uri="{C572A759-6A51-4108-AA02-DFA0A04FC94B}">
-              <ma14:wrappingTextBoxFlag xmlns:ma14="http://schemas.microsoft.com/office/mac/drawingml/2011/main" val="1"/>
+              <ma14:wrappingTextBoxFlag xmlns:ma14="http://schemas.microsoft.com/office/mac/drawingml/2011/main" xmlns="" val="1"/>
             </a:ext>
           </a:extLst>
         </p:spPr>
@@ -7713,16 +7682,12 @@
               <a:t>Stub resolvers can be configured with </a:t>
             </a:r>
             <a:r>
-              <a:rPr lang="en-US" sz="3230" dirty="0" smtClean="0"/>
+              <a:rPr lang="en-US" sz="3230" dirty="0"/>
               <a:t>search </a:t>
             </a:r>
             <a:r>
-              <a:rPr sz="3230" dirty="0" smtClean="0"/>
-              <a:t>domain(s</a:t>
-            </a:r>
-            <a:r>
               <a:rPr sz="3230" dirty="0"/>
-              <a:t>)</a:t>
+              <a:t>domain(s)</a:t>
             </a:r>
           </a:p>
         </p:txBody>
@@ -7750,7 +7715,7 @@
           </a:ln>
           <a:extLst>
             <a:ext uri="{C572A759-6A51-4108-AA02-DFA0A04FC94B}">
-              <ma14:wrappingTextBoxFlag xmlns:ma14="http://schemas.microsoft.com/office/mac/drawingml/2011/main" val="1"/>
+              <ma14:wrappingTextBoxFlag xmlns:ma14="http://schemas.microsoft.com/office/mac/drawingml/2011/main" xmlns="" val="1"/>
             </a:ext>
           </a:extLst>
         </p:spPr>
@@ -7962,7 +7927,7 @@
           </a:ln>
           <a:extLst>
             <a:ext uri="{C572A759-6A51-4108-AA02-DFA0A04FC94B}">
-              <ma14:wrappingTextBoxFlag xmlns:ma14="http://schemas.microsoft.com/office/mac/drawingml/2011/main" val="1"/>
+              <ma14:wrappingTextBoxFlag xmlns:ma14="http://schemas.microsoft.com/office/mac/drawingml/2011/main" xmlns="" val="1"/>
             </a:ext>
           </a:extLst>
         </p:spPr>
@@ -8034,7 +7999,7 @@
           </a:ln>
           <a:extLst>
             <a:ext uri="{C572A759-6A51-4108-AA02-DFA0A04FC94B}">
-              <ma14:wrappingTextBoxFlag xmlns:ma14="http://schemas.microsoft.com/office/mac/drawingml/2011/main" val="1"/>
+              <ma14:wrappingTextBoxFlag xmlns:ma14="http://schemas.microsoft.com/office/mac/drawingml/2011/main" xmlns="" val="1"/>
             </a:ext>
           </a:extLst>
         </p:spPr>
@@ -8368,7 +8333,7 @@
           </a:ln>
           <a:extLst>
             <a:ext uri="{C572A759-6A51-4108-AA02-DFA0A04FC94B}">
-              <ma14:wrappingTextBoxFlag xmlns:ma14="http://schemas.microsoft.com/office/mac/drawingml/2011/main" val="1"/>
+              <ma14:wrappingTextBoxFlag xmlns:ma14="http://schemas.microsoft.com/office/mac/drawingml/2011/main" xmlns="" val="1"/>
             </a:ext>
           </a:extLst>
         </p:spPr>
@@ -8439,7 +8404,7 @@
           </a:ln>
           <a:extLst>
             <a:ext uri="{C572A759-6A51-4108-AA02-DFA0A04FC94B}">
-              <ma14:wrappingTextBoxFlag xmlns:ma14="http://schemas.microsoft.com/office/mac/drawingml/2011/main" val="1"/>
+              <ma14:wrappingTextBoxFlag xmlns:ma14="http://schemas.microsoft.com/office/mac/drawingml/2011/main" xmlns="" val="1"/>
             </a:ext>
           </a:extLst>
         </p:spPr>
@@ -8575,7 +8540,7 @@
           </a:ln>
           <a:extLst>
             <a:ext uri="{C572A759-6A51-4108-AA02-DFA0A04FC94B}">
-              <ma14:wrappingTextBoxFlag xmlns:ma14="http://schemas.microsoft.com/office/mac/drawingml/2011/main" val="1"/>
+              <ma14:wrappingTextBoxFlag xmlns:ma14="http://schemas.microsoft.com/office/mac/drawingml/2011/main" xmlns="" val="1"/>
             </a:ext>
           </a:extLst>
         </p:spPr>
@@ -8646,7 +8611,7 @@
           </a:ln>
           <a:extLst>
             <a:ext uri="{C572A759-6A51-4108-AA02-DFA0A04FC94B}">
-              <ma14:wrappingTextBoxFlag xmlns:ma14="http://schemas.microsoft.com/office/mac/drawingml/2011/main" val="1"/>
+              <ma14:wrappingTextBoxFlag xmlns:ma14="http://schemas.microsoft.com/office/mac/drawingml/2011/main" xmlns="" val="1"/>
             </a:ext>
           </a:extLst>
         </p:spPr>
@@ -9111,7 +9076,7 @@
           </a:ln>
           <a:extLst>
             <a:ext uri="{C572A759-6A51-4108-AA02-DFA0A04FC94B}">
-              <ma14:wrappingTextBoxFlag xmlns:ma14="http://schemas.microsoft.com/office/mac/drawingml/2011/main" val="1"/>
+              <ma14:wrappingTextBoxFlag xmlns:ma14="http://schemas.microsoft.com/office/mac/drawingml/2011/main" xmlns="" val="1"/>
             </a:ext>
           </a:extLst>
         </p:spPr>
@@ -9182,7 +9147,7 @@
           </a:ln>
           <a:extLst>
             <a:ext uri="{C572A759-6A51-4108-AA02-DFA0A04FC94B}">
-              <ma14:wrappingTextBoxFlag xmlns:ma14="http://schemas.microsoft.com/office/mac/drawingml/2011/main" val="1"/>
+              <ma14:wrappingTextBoxFlag xmlns:ma14="http://schemas.microsoft.com/office/mac/drawingml/2011/main" xmlns="" val="1"/>
             </a:ext>
           </a:extLst>
         </p:spPr>
@@ -9496,7 +9461,7 @@
           </a:ln>
           <a:extLst>
             <a:ext uri="{C572A759-6A51-4108-AA02-DFA0A04FC94B}">
-              <ma14:wrappingTextBoxFlag xmlns:ma14="http://schemas.microsoft.com/office/mac/drawingml/2011/main" val="1"/>
+              <ma14:wrappingTextBoxFlag xmlns:ma14="http://schemas.microsoft.com/office/mac/drawingml/2011/main" xmlns="" val="1"/>
             </a:ext>
           </a:extLst>
         </p:spPr>
@@ -10476,7 +10441,7 @@
           </a:ln>
           <a:extLst>
             <a:ext uri="{C572A759-6A51-4108-AA02-DFA0A04FC94B}">
-              <ma14:wrappingTextBoxFlag xmlns:ma14="http://schemas.microsoft.com/office/mac/drawingml/2011/main" val="1"/>
+              <ma14:wrappingTextBoxFlag xmlns:ma14="http://schemas.microsoft.com/office/mac/drawingml/2011/main" xmlns="" val="1"/>
             </a:ext>
           </a:extLst>
         </p:spPr>
@@ -10547,7 +10512,7 @@
           </a:ln>
           <a:extLst>
             <a:ext uri="{C572A759-6A51-4108-AA02-DFA0A04FC94B}">
-              <ma14:wrappingTextBoxFlag xmlns:ma14="http://schemas.microsoft.com/office/mac/drawingml/2011/main" val="1"/>
+              <ma14:wrappingTextBoxFlag xmlns:ma14="http://schemas.microsoft.com/office/mac/drawingml/2011/main" xmlns="" val="1"/>
             </a:ext>
           </a:extLst>
         </p:spPr>
@@ -11048,7 +11013,7 @@
           </a:ln>
           <a:extLst>
             <a:ext uri="{C572A759-6A51-4108-AA02-DFA0A04FC94B}">
-              <ma14:wrappingTextBoxFlag xmlns:ma14="http://schemas.microsoft.com/office/mac/drawingml/2011/main" val="1"/>
+              <ma14:wrappingTextBoxFlag xmlns:ma14="http://schemas.microsoft.com/office/mac/drawingml/2011/main" xmlns="" val="1"/>
             </a:ext>
           </a:extLst>
         </p:spPr>
@@ -11119,7 +11084,7 @@
           </a:ln>
           <a:extLst>
             <a:ext uri="{C572A759-6A51-4108-AA02-DFA0A04FC94B}">
-              <ma14:wrappingTextBoxFlag xmlns:ma14="http://schemas.microsoft.com/office/mac/drawingml/2011/main" val="1"/>
+              <ma14:wrappingTextBoxFlag xmlns:ma14="http://schemas.microsoft.com/office/mac/drawingml/2011/main" xmlns="" val="1"/>
             </a:ext>
           </a:extLst>
         </p:spPr>
@@ -11554,7 +11519,7 @@
           </a:ln>
           <a:extLst>
             <a:ext uri="{C572A759-6A51-4108-AA02-DFA0A04FC94B}">
-              <ma14:wrappingTextBoxFlag xmlns:ma14="http://schemas.microsoft.com/office/mac/drawingml/2011/main" val="1"/>
+              <ma14:wrappingTextBoxFlag xmlns:ma14="http://schemas.microsoft.com/office/mac/drawingml/2011/main" xmlns="" val="1"/>
             </a:ext>
           </a:extLst>
         </p:spPr>
@@ -11625,7 +11590,7 @@
           </a:ln>
           <a:extLst>
             <a:ext uri="{C572A759-6A51-4108-AA02-DFA0A04FC94B}">
-              <ma14:wrappingTextBoxFlag xmlns:ma14="http://schemas.microsoft.com/office/mac/drawingml/2011/main" val="1"/>
+              <ma14:wrappingTextBoxFlag xmlns:ma14="http://schemas.microsoft.com/office/mac/drawingml/2011/main" xmlns="" val="1"/>
             </a:ext>
           </a:extLst>
         </p:spPr>
@@ -12087,7 +12052,7 @@
           </a:ln>
           <a:extLst>
             <a:ext uri="{C572A759-6A51-4108-AA02-DFA0A04FC94B}">
-              <ma14:wrappingTextBoxFlag xmlns:ma14="http://schemas.microsoft.com/office/mac/drawingml/2011/main" val="1"/>
+              <ma14:wrappingTextBoxFlag xmlns:ma14="http://schemas.microsoft.com/office/mac/drawingml/2011/main" xmlns="" val="1"/>
             </a:ext>
           </a:extLst>
         </p:spPr>
@@ -12158,7 +12123,7 @@
           </a:ln>
           <a:extLst>
             <a:ext uri="{C572A759-6A51-4108-AA02-DFA0A04FC94B}">
-              <ma14:wrappingTextBoxFlag xmlns:ma14="http://schemas.microsoft.com/office/mac/drawingml/2011/main" val="1"/>
+              <ma14:wrappingTextBoxFlag xmlns:ma14="http://schemas.microsoft.com/office/mac/drawingml/2011/main" xmlns="" val="1"/>
             </a:ext>
           </a:extLst>
         </p:spPr>
@@ -12440,7 +12405,7 @@
           </a:ln>
           <a:extLst>
             <a:ext uri="{C572A759-6A51-4108-AA02-DFA0A04FC94B}">
-              <ma14:wrappingTextBoxFlag xmlns:ma14="http://schemas.microsoft.com/office/mac/drawingml/2011/main" val="1"/>
+              <ma14:wrappingTextBoxFlag xmlns:ma14="http://schemas.microsoft.com/office/mac/drawingml/2011/main" xmlns="" val="1"/>
             </a:ext>
           </a:extLst>
         </p:spPr>
@@ -12511,7 +12476,7 @@
           </a:ln>
           <a:extLst>
             <a:ext uri="{C572A759-6A51-4108-AA02-DFA0A04FC94B}">
-              <ma14:wrappingTextBoxFlag xmlns:ma14="http://schemas.microsoft.com/office/mac/drawingml/2011/main" val="1"/>
+              <ma14:wrappingTextBoxFlag xmlns:ma14="http://schemas.microsoft.com/office/mac/drawingml/2011/main" xmlns="" val="1"/>
             </a:ext>
           </a:extLst>
         </p:spPr>
@@ -12909,7 +12874,7 @@
           </a:ln>
           <a:extLst>
             <a:ext uri="{C572A759-6A51-4108-AA02-DFA0A04FC94B}">
-              <ma14:wrappingTextBoxFlag xmlns:ma14="http://schemas.microsoft.com/office/mac/drawingml/2011/main" val="1"/>
+              <ma14:wrappingTextBoxFlag xmlns:ma14="http://schemas.microsoft.com/office/mac/drawingml/2011/main" xmlns="" val="1"/>
             </a:ext>
           </a:extLst>
         </p:spPr>
@@ -13128,7 +13093,7 @@
           </a:ln>
           <a:extLst>
             <a:ext uri="{C572A759-6A51-4108-AA02-DFA0A04FC94B}">
-              <ma14:wrappingTextBoxFlag xmlns:ma14="http://schemas.microsoft.com/office/mac/drawingml/2011/main" val="1"/>
+              <ma14:wrappingTextBoxFlag xmlns:ma14="http://schemas.microsoft.com/office/mac/drawingml/2011/main" xmlns="" val="1"/>
             </a:ext>
           </a:extLst>
         </p:spPr>
@@ -13187,7 +13152,7 @@
           </a:ln>
           <a:extLst>
             <a:ext uri="{C572A759-6A51-4108-AA02-DFA0A04FC94B}">
-              <ma14:wrappingTextBoxFlag xmlns:ma14="http://schemas.microsoft.com/office/mac/drawingml/2011/main" val="1"/>
+              <ma14:wrappingTextBoxFlag xmlns:ma14="http://schemas.microsoft.com/office/mac/drawingml/2011/main" xmlns="" val="1"/>
             </a:ext>
           </a:extLst>
         </p:spPr>
@@ -13221,7 +13186,7 @@
               <a:defRPr sz="1800"/>
             </a:pPr>
             <a:r>
-              <a:rPr lang="en-US" sz="2000" dirty="0" err="1" smtClean="0"/>
+              <a:rPr lang="en-US" sz="2000" dirty="0" err="1"/>
               <a:t>bw</a:t>
             </a:r>
             <a:endParaRPr sz="2000" dirty="0"/>
@@ -13247,7 +13212,7 @@
           </a:ln>
           <a:extLst>
             <a:ext uri="{C572A759-6A51-4108-AA02-DFA0A04FC94B}">
-              <ma14:wrappingTextBoxFlag xmlns:ma14="http://schemas.microsoft.com/office/mac/drawingml/2011/main" val="1"/>
+              <ma14:wrappingTextBoxFlag xmlns:ma14="http://schemas.microsoft.com/office/mac/drawingml/2011/main" xmlns="" val="1"/>
             </a:ext>
           </a:extLst>
         </p:spPr>
@@ -13306,7 +13271,7 @@
           </a:ln>
           <a:extLst>
             <a:ext uri="{C572A759-6A51-4108-AA02-DFA0A04FC94B}">
-              <ma14:wrappingTextBoxFlag xmlns:ma14="http://schemas.microsoft.com/office/mac/drawingml/2011/main" val="1"/>
+              <ma14:wrappingTextBoxFlag xmlns:ma14="http://schemas.microsoft.com/office/mac/drawingml/2011/main" xmlns="" val="1"/>
             </a:ext>
           </a:extLst>
         </p:spPr>
@@ -13365,7 +13330,7 @@
           </a:ln>
           <a:extLst>
             <a:ext uri="{C572A759-6A51-4108-AA02-DFA0A04FC94B}">
-              <ma14:wrappingTextBoxFlag xmlns:ma14="http://schemas.microsoft.com/office/mac/drawingml/2011/main" val="1"/>
+              <ma14:wrappingTextBoxFlag xmlns:ma14="http://schemas.microsoft.com/office/mac/drawingml/2011/main" xmlns="" val="1"/>
             </a:ext>
           </a:extLst>
         </p:spPr>
@@ -13500,7 +13465,7 @@
           </a:ln>
           <a:extLst>
             <a:ext uri="{C572A759-6A51-4108-AA02-DFA0A04FC94B}">
-              <ma14:wrappingTextBoxFlag xmlns:ma14="http://schemas.microsoft.com/office/mac/drawingml/2011/main" val="1"/>
+              <ma14:wrappingTextBoxFlag xmlns:ma14="http://schemas.microsoft.com/office/mac/drawingml/2011/main" xmlns="" val="1"/>
             </a:ext>
           </a:extLst>
         </p:spPr>
@@ -13559,7 +13524,7 @@
           </a:ln>
           <a:extLst>
             <a:ext uri="{C572A759-6A51-4108-AA02-DFA0A04FC94B}">
-              <ma14:wrappingTextBoxFlag xmlns:ma14="http://schemas.microsoft.com/office/mac/drawingml/2011/main" val="1"/>
+              <ma14:wrappingTextBoxFlag xmlns:ma14="http://schemas.microsoft.com/office/mac/drawingml/2011/main" xmlns="" val="1"/>
             </a:ext>
           </a:extLst>
         </p:spPr>
@@ -13618,7 +13583,7 @@
           </a:ln>
           <a:extLst>
             <a:ext uri="{C572A759-6A51-4108-AA02-DFA0A04FC94B}">
-              <ma14:wrappingTextBoxFlag xmlns:ma14="http://schemas.microsoft.com/office/mac/drawingml/2011/main" val="1"/>
+              <ma14:wrappingTextBoxFlag xmlns:ma14="http://schemas.microsoft.com/office/mac/drawingml/2011/main" xmlns="" val="1"/>
             </a:ext>
           </a:extLst>
         </p:spPr>
@@ -13677,7 +13642,7 @@
           </a:ln>
           <a:extLst>
             <a:ext uri="{C572A759-6A51-4108-AA02-DFA0A04FC94B}">
-              <ma14:wrappingTextBoxFlag xmlns:ma14="http://schemas.microsoft.com/office/mac/drawingml/2011/main" val="1"/>
+              <ma14:wrappingTextBoxFlag xmlns:ma14="http://schemas.microsoft.com/office/mac/drawingml/2011/main" xmlns="" val="1"/>
             </a:ext>
           </a:extLst>
         </p:spPr>
@@ -13736,7 +13701,7 @@
           </a:ln>
           <a:extLst>
             <a:ext uri="{C572A759-6A51-4108-AA02-DFA0A04FC94B}">
-              <ma14:wrappingTextBoxFlag xmlns:ma14="http://schemas.microsoft.com/office/mac/drawingml/2011/main" val="1"/>
+              <ma14:wrappingTextBoxFlag xmlns:ma14="http://schemas.microsoft.com/office/mac/drawingml/2011/main" xmlns="" val="1"/>
             </a:ext>
           </a:extLst>
         </p:spPr>
@@ -13834,7 +13799,7 @@
           </a:ln>
           <a:extLst>
             <a:ext uri="{C572A759-6A51-4108-AA02-DFA0A04FC94B}">
-              <ma14:wrappingTextBoxFlag xmlns:ma14="http://schemas.microsoft.com/office/mac/drawingml/2011/main" val="1"/>
+              <ma14:wrappingTextBoxFlag xmlns:ma14="http://schemas.microsoft.com/office/mac/drawingml/2011/main" xmlns="" val="1"/>
             </a:ext>
           </a:extLst>
         </p:spPr>
@@ -13905,7 +13870,7 @@
           </a:ln>
           <a:extLst>
             <a:ext uri="{C572A759-6A51-4108-AA02-DFA0A04FC94B}">
-              <ma14:wrappingTextBoxFlag xmlns:ma14="http://schemas.microsoft.com/office/mac/drawingml/2011/main" val="1"/>
+              <ma14:wrappingTextBoxFlag xmlns:ma14="http://schemas.microsoft.com/office/mac/drawingml/2011/main" xmlns="" val="1"/>
             </a:ext>
           </a:extLst>
         </p:spPr>
@@ -13943,7 +13908,7 @@
               <a:t>o</a:t>
             </a:r>
             <a:r>
-              <a:rPr lang="en-US" sz="2000" dirty="0" err="1" smtClean="0"/>
+              <a:rPr lang="en-US" sz="2000" dirty="0" err="1"/>
               <a:t>rg.bw</a:t>
             </a:r>
             <a:endParaRPr sz="2000" dirty="0"/>
@@ -13969,7 +13934,7 @@
           </a:ln>
           <a:extLst>
             <a:ext uri="{C572A759-6A51-4108-AA02-DFA0A04FC94B}">
-              <ma14:wrappingTextBoxFlag xmlns:ma14="http://schemas.microsoft.com/office/mac/drawingml/2011/main" val="1"/>
+              <ma14:wrappingTextBoxFlag xmlns:ma14="http://schemas.microsoft.com/office/mac/drawingml/2011/main" xmlns="" val="1"/>
             </a:ext>
           </a:extLst>
         </p:spPr>
@@ -14007,7 +13972,7 @@
               <a:t>b</a:t>
             </a:r>
             <a:r>
-              <a:rPr lang="en-US" sz="2000" dirty="0" err="1" smtClean="0"/>
+              <a:rPr lang="en-US" sz="2000" dirty="0" err="1"/>
               <a:t>ocra.org.bw</a:t>
             </a:r>
             <a:endParaRPr sz="2000" dirty="0"/>
@@ -14071,7 +14036,7 @@
           </a:ln>
           <a:extLst>
             <a:ext uri="{C572A759-6A51-4108-AA02-DFA0A04FC94B}">
-              <ma14:wrappingTextBoxFlag xmlns:ma14="http://schemas.microsoft.com/office/mac/drawingml/2011/main" val="1"/>
+              <ma14:wrappingTextBoxFlag xmlns:ma14="http://schemas.microsoft.com/office/mac/drawingml/2011/main" xmlns="" val="1"/>
             </a:ext>
           </a:extLst>
         </p:spPr>
@@ -14168,7 +14133,7 @@
           </a:ln>
           <a:extLst>
             <a:ext uri="{C572A759-6A51-4108-AA02-DFA0A04FC94B}">
-              <ma14:wrappingTextBoxFlag xmlns:ma14="http://schemas.microsoft.com/office/mac/drawingml/2011/main" val="1"/>
+              <ma14:wrappingTextBoxFlag xmlns:ma14="http://schemas.microsoft.com/office/mac/drawingml/2011/main" xmlns="" val="1"/>
             </a:ext>
           </a:extLst>
         </p:spPr>
@@ -14227,7 +14192,7 @@
           </a:ln>
           <a:extLst>
             <a:ext uri="{C572A759-6A51-4108-AA02-DFA0A04FC94B}">
-              <ma14:wrappingTextBoxFlag xmlns:ma14="http://schemas.microsoft.com/office/mac/drawingml/2011/main" val="1"/>
+              <ma14:wrappingTextBoxFlag xmlns:ma14="http://schemas.microsoft.com/office/mac/drawingml/2011/main" xmlns="" val="1"/>
             </a:ext>
           </a:extLst>
         </p:spPr>
@@ -14362,7 +14327,7 @@
           </a:ln>
           <a:extLst>
             <a:ext uri="{C572A759-6A51-4108-AA02-DFA0A04FC94B}">
-              <ma14:wrappingTextBoxFlag xmlns:ma14="http://schemas.microsoft.com/office/mac/drawingml/2011/main" val="1"/>
+              <ma14:wrappingTextBoxFlag xmlns:ma14="http://schemas.microsoft.com/office/mac/drawingml/2011/main" xmlns="" val="1"/>
             </a:ext>
           </a:extLst>
         </p:spPr>
@@ -14611,7 +14576,7 @@
           </a:ln>
           <a:extLst>
             <a:ext uri="{C572A759-6A51-4108-AA02-DFA0A04FC94B}">
-              <ma14:wrappingTextBoxFlag xmlns:ma14="http://schemas.microsoft.com/office/mac/drawingml/2011/main" val="1"/>
+              <ma14:wrappingTextBoxFlag xmlns:ma14="http://schemas.microsoft.com/office/mac/drawingml/2011/main" xmlns="" val="1"/>
             </a:ext>
           </a:extLst>
         </p:spPr>
@@ -14670,7 +14635,7 @@
           </a:ln>
           <a:extLst>
             <a:ext uri="{C572A759-6A51-4108-AA02-DFA0A04FC94B}">
-              <ma14:wrappingTextBoxFlag xmlns:ma14="http://schemas.microsoft.com/office/mac/drawingml/2011/main" val="1"/>
+              <ma14:wrappingTextBoxFlag xmlns:ma14="http://schemas.microsoft.com/office/mac/drawingml/2011/main" xmlns="" val="1"/>
             </a:ext>
           </a:extLst>
         </p:spPr>
@@ -14729,7 +14694,7 @@
           </a:ln>
           <a:extLst>
             <a:ext uri="{C572A759-6A51-4108-AA02-DFA0A04FC94B}">
-              <ma14:wrappingTextBoxFlag xmlns:ma14="http://schemas.microsoft.com/office/mac/drawingml/2011/main" val="1"/>
+              <ma14:wrappingTextBoxFlag xmlns:ma14="http://schemas.microsoft.com/office/mac/drawingml/2011/main" xmlns="" val="1"/>
             </a:ext>
           </a:extLst>
         </p:spPr>
@@ -14826,7 +14791,7 @@
           </a:ln>
           <a:extLst>
             <a:ext uri="{C572A759-6A51-4108-AA02-DFA0A04FC94B}">
-              <ma14:wrappingTextBoxFlag xmlns:ma14="http://schemas.microsoft.com/office/mac/drawingml/2011/main" val="1"/>
+              <ma14:wrappingTextBoxFlag xmlns:ma14="http://schemas.microsoft.com/office/mac/drawingml/2011/main" xmlns="" val="1"/>
             </a:ext>
           </a:extLst>
         </p:spPr>
@@ -14915,7 +14880,7 @@
           </a:ln>
           <a:extLst>
             <a:ext uri="{C572A759-6A51-4108-AA02-DFA0A04FC94B}">
-              <ma14:wrappingTextBoxFlag xmlns:ma14="http://schemas.microsoft.com/office/mac/drawingml/2011/main" val="1"/>
+              <ma14:wrappingTextBoxFlag xmlns:ma14="http://schemas.microsoft.com/office/mac/drawingml/2011/main" xmlns="" val="1"/>
             </a:ext>
           </a:extLst>
         </p:spPr>
@@ -14986,7 +14951,7 @@
           </a:ln>
           <a:extLst>
             <a:ext uri="{C572A759-6A51-4108-AA02-DFA0A04FC94B}">
-              <ma14:wrappingTextBoxFlag xmlns:ma14="http://schemas.microsoft.com/office/mac/drawingml/2011/main" val="1"/>
+              <ma14:wrappingTextBoxFlag xmlns:ma14="http://schemas.microsoft.com/office/mac/drawingml/2011/main" xmlns="" val="1"/>
             </a:ext>
           </a:extLst>
         </p:spPr>
@@ -15306,7 +15271,7 @@
           </a:ln>
           <a:extLst>
             <a:ext uri="{C572A759-6A51-4108-AA02-DFA0A04FC94B}">
-              <ma14:wrappingTextBoxFlag xmlns:ma14="http://schemas.microsoft.com/office/mac/drawingml/2011/main" val="1"/>
+              <ma14:wrappingTextBoxFlag xmlns:ma14="http://schemas.microsoft.com/office/mac/drawingml/2011/main" xmlns="" val="1"/>
             </a:ext>
           </a:extLst>
         </p:spPr>
@@ -15377,7 +15342,7 @@
           </a:ln>
           <a:extLst>
             <a:ext uri="{C572A759-6A51-4108-AA02-DFA0A04FC94B}">
-              <ma14:wrappingTextBoxFlag xmlns:ma14="http://schemas.microsoft.com/office/mac/drawingml/2011/main" val="1"/>
+              <ma14:wrappingTextBoxFlag xmlns:ma14="http://schemas.microsoft.com/office/mac/drawingml/2011/main" xmlns="" val="1"/>
             </a:ext>
           </a:extLst>
         </p:spPr>
@@ -15699,7 +15664,7 @@
           </a:ln>
           <a:extLst>
             <a:ext uri="{C572A759-6A51-4108-AA02-DFA0A04FC94B}">
-              <ma14:wrappingTextBoxFlag xmlns:ma14="http://schemas.microsoft.com/office/mac/drawingml/2011/main" val="1"/>
+              <ma14:wrappingTextBoxFlag xmlns:ma14="http://schemas.microsoft.com/office/mac/drawingml/2011/main" xmlns="" val="1"/>
             </a:ext>
           </a:extLst>
         </p:spPr>
@@ -15770,7 +15735,7 @@
           </a:ln>
           <a:extLst>
             <a:ext uri="{C572A759-6A51-4108-AA02-DFA0A04FC94B}">
-              <ma14:wrappingTextBoxFlag xmlns:ma14="http://schemas.microsoft.com/office/mac/drawingml/2011/main" val="1"/>
+              <ma14:wrappingTextBoxFlag xmlns:ma14="http://schemas.microsoft.com/office/mac/drawingml/2011/main" xmlns="" val="1"/>
             </a:ext>
           </a:extLst>
         </p:spPr>
@@ -15855,56 +15820,36 @@
               <a:t>The result is </a:t>
             </a:r>
             <a:r>
-              <a:rPr lang="en-US" sz="2800" dirty="0" smtClean="0"/>
+              <a:rPr lang="en-US" sz="2800" dirty="0"/>
               <a:t>zero </a:t>
             </a:r>
             <a:r>
-              <a:rPr sz="2800" dirty="0" smtClean="0"/>
-              <a:t>or </a:t>
-            </a:r>
-            <a:r>
               <a:rPr sz="2800" dirty="0"/>
-              <a:t>more RESOURCE </a:t>
-            </a:r>
-            <a:r>
-              <a:rPr sz="2800" dirty="0" smtClean="0"/>
-              <a:t>RECORD</a:t>
-            </a:r>
-            <a:r>
-              <a:rPr lang="en-US" sz="2800" dirty="0" smtClean="0"/>
+              <a:t>or more RESOURCE RECORD</a:t>
+            </a:r>
+            <a:r>
+              <a:rPr lang="en-US" sz="2800" dirty="0"/>
               <a:t> </a:t>
             </a:r>
             <a:r>
-              <a:rPr sz="2800" dirty="0" smtClean="0"/>
+              <a:rPr sz="2800" dirty="0"/>
               <a:t>S</a:t>
             </a:r>
             <a:r>
-              <a:rPr lang="en-US" sz="2800" dirty="0" smtClean="0"/>
+              <a:rPr lang="en-US" sz="2800" dirty="0"/>
               <a:t>ETS</a:t>
             </a:r>
             <a:r>
-              <a:rPr sz="2800" dirty="0" smtClean="0"/>
-              <a:t> </a:t>
-            </a:r>
-            <a:r>
               <a:rPr sz="2800" dirty="0"/>
-              <a:t>(</a:t>
-            </a:r>
-            <a:r>
-              <a:rPr sz="2800" dirty="0" smtClean="0"/>
-              <a:t>RR</a:t>
-            </a:r>
-            <a:r>
-              <a:rPr lang="en-US" sz="2800" dirty="0" smtClean="0"/>
+              <a:t> (RR</a:t>
+            </a:r>
+            <a:r>
+              <a:rPr lang="en-US" sz="2800" dirty="0"/>
               <a:t>Set</a:t>
             </a:r>
             <a:r>
-              <a:rPr sz="2800" dirty="0" smtClean="0"/>
-              <a:t>s</a:t>
-            </a:r>
-            <a:r>
               <a:rPr sz="2800" dirty="0"/>
-              <a:t>)</a:t>
+              <a:t>s)</a:t>
             </a:r>
           </a:p>
           <a:p>
@@ -15942,23 +15887,15 @@
             </a:pPr>
             <a:r>
               <a:rPr sz="2800" dirty="0"/>
-              <a:t>There are different </a:t>
-            </a:r>
-            <a:r>
-              <a:rPr sz="2800" dirty="0" smtClean="0"/>
-              <a:t>RR</a:t>
-            </a:r>
-            <a:r>
-              <a:rPr lang="en-US" sz="2800" dirty="0" smtClean="0"/>
+              <a:t>There are different RR</a:t>
+            </a:r>
+            <a:r>
+              <a:rPr lang="en-US" sz="2800" dirty="0"/>
               <a:t>TYPEs</a:t>
             </a:r>
             <a:r>
-              <a:rPr sz="2800" dirty="0" smtClean="0"/>
-              <a:t> </a:t>
-            </a:r>
-            <a:r>
               <a:rPr sz="2800" dirty="0"/>
-              <a:t>for different types of information</a:t>
+              <a:t> for different types of information</a:t>
             </a:r>
           </a:p>
           <a:p>

--- a/dns/dns1-presentation.pptx
+++ b/dns/dns1-presentation.pptx
@@ -8040,9 +8040,22 @@
               <a:defRPr sz="1800"/>
             </a:pPr>
             <a:r>
-              <a:rPr sz="2800"/>
-              <a:t>/etc/resolv.conf</a:t>
-            </a:r>
+              <a:rPr sz="2800" dirty="0"/>
+              <a:t>/</a:t>
+            </a:r>
+            <a:r>
+              <a:rPr sz="2800" dirty="0" err="1"/>
+              <a:t>etc</a:t>
+            </a:r>
+            <a:r>
+              <a:rPr sz="2800" dirty="0"/>
+              <a:t>/</a:t>
+            </a:r>
+            <a:r>
+              <a:rPr sz="2800" dirty="0" err="1"/>
+              <a:t>resolv.conf</a:t>
+            </a:r>
+            <a:endParaRPr sz="2800" dirty="0"/>
           </a:p>
           <a:p>
             <a:pPr marL="323850" lvl="0" indent="-323850">
@@ -8075,7 +8088,7 @@
               </a:tabLst>
               <a:defRPr sz="1800"/>
             </a:pPr>
-            <a:endParaRPr sz="2800"/>
+            <a:endParaRPr sz="2800" dirty="0"/>
           </a:p>
           <a:p>
             <a:pPr marL="323850" lvl="0" indent="-323850">
@@ -8109,14 +8122,29 @@
               <a:defRPr sz="1800"/>
             </a:pPr>
             <a:r>
-              <a:rPr sz="2800" b="1" i="1">
+              <a:rPr sz="2800" b="1" i="1" dirty="0">
                 <a:latin typeface="Courier New"/>
                 <a:ea typeface="Courier New"/>
                 <a:cs typeface="Courier New"/>
                 <a:sym typeface="Courier New"/>
               </a:rPr>
-              <a:t>search sse.ws.afnog.org</a:t>
-            </a:r>
+              <a:t>search </a:t>
+            </a:r>
+            <a:r>
+              <a:rPr sz="2800" b="1" i="1" dirty="0" err="1">
+                <a:latin typeface="Courier New"/>
+                <a:ea typeface="Courier New"/>
+                <a:cs typeface="Courier New"/>
+                <a:sym typeface="Courier New"/>
+              </a:rPr>
+              <a:t>sse.ws.afnog.org</a:t>
+            </a:r>
+            <a:endParaRPr sz="2800" b="1" i="1" dirty="0">
+              <a:latin typeface="Courier New"/>
+              <a:ea typeface="Courier New"/>
+              <a:cs typeface="Courier New"/>
+              <a:sym typeface="Courier New"/>
+            </a:endParaRPr>
           </a:p>
           <a:p>
             <a:pPr marL="323850" lvl="0" indent="-323850">
@@ -8150,14 +8178,47 @@
               <a:defRPr sz="1800"/>
             </a:pPr>
             <a:r>
-              <a:rPr sz="2800" b="1" i="1">
+              <a:rPr sz="2800" b="1" i="1" dirty="0">
                 <a:latin typeface="Courier New"/>
                 <a:ea typeface="Courier New"/>
                 <a:cs typeface="Courier New"/>
                 <a:sym typeface="Courier New"/>
               </a:rPr>
-              <a:t>nameserver 196.200.219.200</a:t>
-            </a:r>
+              <a:t>nameserver 196.200.2</a:t>
+            </a:r>
+            <a:r>
+              <a:rPr lang="en-US" sz="2800" b="1" i="1" dirty="0">
+                <a:latin typeface="Courier New"/>
+                <a:ea typeface="Courier New"/>
+                <a:cs typeface="Courier New"/>
+                <a:sym typeface="Courier New"/>
+              </a:rPr>
+              <a:t>23</a:t>
+            </a:r>
+            <a:r>
+              <a:rPr sz="2800" b="1" i="1" dirty="0">
+                <a:latin typeface="Courier New"/>
+                <a:ea typeface="Courier New"/>
+                <a:cs typeface="Courier New"/>
+                <a:sym typeface="Courier New"/>
+              </a:rPr>
+              <a:t>.</a:t>
+            </a:r>
+            <a:r>
+              <a:rPr lang="en-US" sz="2800" b="1" i="1" dirty="0">
+                <a:latin typeface="Courier New"/>
+                <a:ea typeface="Courier New"/>
+                <a:cs typeface="Courier New"/>
+                <a:sym typeface="Courier New"/>
+              </a:rPr>
+              <a:t>10</a:t>
+            </a:r>
+            <a:endParaRPr sz="2800" b="1" i="1" dirty="0">
+              <a:latin typeface="Courier New"/>
+              <a:ea typeface="Courier New"/>
+              <a:cs typeface="Courier New"/>
+              <a:sym typeface="Courier New"/>
+            </a:endParaRPr>
           </a:p>
           <a:p>
             <a:pPr marL="323850" lvl="0" indent="-323850">
@@ -8191,14 +8252,29 @@
               <a:defRPr sz="1800"/>
             </a:pPr>
             <a:r>
-              <a:rPr sz="2800" b="1" i="1">
+              <a:rPr sz="2800" b="1" i="1" dirty="0">
                 <a:latin typeface="Courier New"/>
                 <a:ea typeface="Courier New"/>
                 <a:cs typeface="Courier New"/>
                 <a:sym typeface="Courier New"/>
               </a:rPr>
-              <a:t>nameserver 196.200.223.1</a:t>
-            </a:r>
+              <a:t>nameserver 196.200.223.</a:t>
+            </a:r>
+            <a:r>
+              <a:rPr lang="en-US" sz="2800" b="1" i="1" dirty="0">
+                <a:latin typeface="Courier New"/>
+                <a:ea typeface="Courier New"/>
+                <a:cs typeface="Courier New"/>
+                <a:sym typeface="Courier New"/>
+              </a:rPr>
+              <a:t>12</a:t>
+            </a:r>
+            <a:endParaRPr sz="2800" b="1" i="1" dirty="0">
+              <a:latin typeface="Courier New"/>
+              <a:ea typeface="Courier New"/>
+              <a:cs typeface="Courier New"/>
+              <a:sym typeface="Courier New"/>
+            </a:endParaRPr>
           </a:p>
           <a:p>
             <a:pPr marL="323850" lvl="0" indent="-323850">
@@ -8231,7 +8307,7 @@
               </a:tabLst>
               <a:defRPr sz="1800"/>
             </a:pPr>
-            <a:endParaRPr sz="2800" b="1" i="1">
+            <a:endParaRPr sz="2800" b="1" i="1" dirty="0">
               <a:latin typeface="Courier New"/>
               <a:ea typeface="Courier New"/>
               <a:cs typeface="Courier New"/>
@@ -8270,7 +8346,7 @@
               <a:defRPr sz="1800"/>
             </a:pPr>
             <a:r>
-              <a:rPr sz="2800" b="1" i="1">
+              <a:rPr sz="2800" b="1" i="1" dirty="0">
                 <a:solidFill>
                   <a:srgbClr val="FF0000"/>
                 </a:solidFill>
@@ -15385,7 +15461,7 @@
               <a:defRPr sz="1800"/>
             </a:pPr>
             <a:r>
-              <a:rPr sz="2800"/>
+              <a:rPr sz="2800" dirty="0"/>
               <a:t>Max 255 characters total length</a:t>
             </a:r>
           </a:p>
@@ -15423,7 +15499,7 @@
               <a:defRPr sz="1800"/>
             </a:pPr>
             <a:r>
-              <a:rPr sz="2800"/>
+              <a:rPr sz="2800" dirty="0"/>
               <a:t>Max 63 characters in each label</a:t>
             </a:r>
           </a:p>
@@ -15460,7 +15536,7 @@
               <a:defRPr sz="1800"/>
             </a:pPr>
             <a:r>
-              <a:rPr sz="2400"/>
+              <a:rPr sz="2400" dirty="0"/>
               <a:t>RFC 1034, RFC 1035</a:t>
             </a:r>
           </a:p>
@@ -15498,7 +15574,7 @@
               <a:defRPr sz="1800"/>
             </a:pPr>
             <a:r>
-              <a:rPr sz="2800"/>
+              <a:rPr sz="2800" dirty="0"/>
               <a:t>If a domain name is being used as a host name, you should abide by some restrictions</a:t>
             </a:r>
           </a:p>
@@ -15535,7 +15611,7 @@
               <a:defRPr sz="1800"/>
             </a:pPr>
             <a:r>
-              <a:rPr sz="2400"/>
+              <a:rPr sz="2400" dirty="0"/>
               <a:t>RFC 952 (old!)</a:t>
             </a:r>
           </a:p>
@@ -15572,7 +15648,7 @@
               <a:defRPr sz="1800"/>
             </a:pPr>
             <a:r>
-              <a:rPr sz="2400"/>
+              <a:rPr sz="2400" dirty="0"/>
               <a:t>a-z 0-9 and minus (-) only</a:t>
             </a:r>
           </a:p>
@@ -15609,7 +15685,7 @@
               <a:defRPr sz="1800"/>
             </a:pPr>
             <a:r>
-              <a:rPr sz="2400"/>
+              <a:rPr sz="2400" dirty="0"/>
               <a:t>No underscores ( _ )</a:t>
             </a:r>
           </a:p>
